--- a/zhonghui/新本币/2021/153/X-Bond搭桥共享组攻关-项目启动.pptx
+++ b/zhonghui/新本币/2021/153/X-Bond搭桥共享组攻关-项目启动.pptx
@@ -1,23 +1,23 @@
 
 <file path=ppt/presentation.xml><?xml version="1.0" encoding="utf-8"?>
-<p:presentation xmlns:a="http://schemas.openxmlformats.org/drawingml/2006/main" xmlns:r="http://schemas.openxmlformats.org/officeDocument/2006/relationships" xmlns:p="http://schemas.openxmlformats.org/presentationml/2006/main">
+<p:presentation xmlns:a="http://schemas.openxmlformats.org/drawingml/2006/main" xmlns:r="http://schemas.openxmlformats.org/officeDocument/2006/relationships" xmlns:p="http://schemas.openxmlformats.org/presentationml/2006/main" saveSubsetFonts="1">
   <p:sldMasterIdLst>
     <p:sldMasterId id="2147483648" r:id="rId1"/>
   </p:sldMasterIdLst>
   <p:notesMasterIdLst>
-    <p:notesMasterId r:id="rId6"/>
+    <p:notesMasterId r:id="rId10"/>
   </p:notesMasterIdLst>
   <p:sldIdLst>
-    <p:sldId id="257" r:id="rId3"/>
-    <p:sldId id="258" r:id="rId4"/>
-    <p:sldId id="261" r:id="rId5"/>
-    <p:sldId id="269" r:id="rId7"/>
-    <p:sldId id="262" r:id="rId8"/>
-    <p:sldId id="270" r:id="rId9"/>
-    <p:sldId id="271" r:id="rId10"/>
-    <p:sldId id="266" r:id="rId11"/>
+    <p:sldId id="257" r:id="rId2"/>
+    <p:sldId id="258" r:id="rId3"/>
+    <p:sldId id="261" r:id="rId4"/>
+    <p:sldId id="269" r:id="rId5"/>
+    <p:sldId id="262" r:id="rId6"/>
+    <p:sldId id="270" r:id="rId7"/>
+    <p:sldId id="271" r:id="rId8"/>
+    <p:sldId id="266" r:id="rId9"/>
   </p:sldIdLst>
-  <p:sldSz cx="12192000" cy="6858000" type="screen16x9"/>
+  <p:sldSz cx="12192000" cy="6858000"/>
   <p:notesSz cx="6858000" cy="9144000"/>
   <p:defaultTextStyle>
     <a:defPPr>
@@ -114,6 +114,25 @@
       </a:defRPr>
     </a:lvl9pPr>
   </p:defaultTextStyle>
+  <p:extLst>
+    <p:ext uri="{EFAFB233-063F-42B5-8137-9DF3F51BA10A}">
+      <p15:sldGuideLst xmlns:p15="http://schemas.microsoft.com/office/powerpoint/2012/main">
+        <p15:guide id="1" orient="horz" pos="2099">
+          <p15:clr>
+            <a:srgbClr val="A4A3A4"/>
+          </p15:clr>
+        </p15:guide>
+        <p15:guide id="2" pos="3639">
+          <p15:clr>
+            <a:srgbClr val="A4A3A4"/>
+          </p15:clr>
+        </p15:guide>
+      </p15:sldGuideLst>
+    </p:ext>
+    <p:ext uri="{2D200454-40CA-4A62-9FC3-DE9A4176ACB9}">
+      <p15:notesGuideLst xmlns:p15="http://schemas.microsoft.com/office/powerpoint/2012/main"/>
+    </p:ext>
+  </p:extLst>
 </p:presentation>
 </file>
 
@@ -133,7 +152,7 @@
     </p:bg>
     <p:spTree>
       <p:nvGrpSpPr>
-        <p:cNvPr id="50" name=""/>
+        <p:cNvPr id="1" name=""/>
         <p:cNvGrpSpPr/>
         <p:nvPr/>
       </p:nvGrpSpPr>
@@ -205,6 +224,7 @@
           <a:p>
             <a:fld id="{6CA68197-0F49-4B37-85BB-64C43A362F5F}" type="datetimeFigureOut">
               <a:rPr lang="zh-CN" altLang="en-US" smtClean="0"/>
+              <a:t>2021/1/21</a:t>
             </a:fld>
             <a:endParaRPr lang="zh-CN" altLang="en-US"/>
           </a:p>
@@ -237,6 +257,7 @@
         </p:spPr>
         <p:txBody>
           <a:bodyPr vert="horz" lIns="91440" tIns="45720" rIns="91440" bIns="45720" rtlCol="0" anchor="ctr"/>
+          <a:lstStyle/>
           <a:p>
             <a:endParaRPr lang="zh-CN" altLang="en-US"/>
           </a:p>
@@ -263,13 +284,13 @@
         </p:spPr>
         <p:txBody>
           <a:bodyPr vert="horz" lIns="91440" tIns="45720" rIns="91440" bIns="45720" rtlCol="0"/>
+          <a:lstStyle/>
           <a:p>
             <a:pPr lvl="0"/>
             <a:r>
               <a:rPr lang="zh-CN" altLang="en-US"/>
               <a:t>单击此处编辑母版文本样式</a:t>
             </a:r>
-            <a:endParaRPr lang="zh-CN" altLang="en-US"/>
           </a:p>
           <a:p>
             <a:pPr lvl="1"/>
@@ -277,7 +298,6 @@
               <a:rPr lang="zh-CN" altLang="en-US"/>
               <a:t>二级</a:t>
             </a:r>
-            <a:endParaRPr lang="zh-CN" altLang="en-US"/>
           </a:p>
           <a:p>
             <a:pPr lvl="2"/>
@@ -285,7 +305,6 @@
               <a:rPr lang="zh-CN" altLang="en-US"/>
               <a:t>三级</a:t>
             </a:r>
-            <a:endParaRPr lang="zh-CN" altLang="en-US"/>
           </a:p>
           <a:p>
             <a:pPr lvl="3"/>
@@ -293,7 +312,6 @@
               <a:rPr lang="zh-CN" altLang="en-US"/>
               <a:t>四级</a:t>
             </a:r>
-            <a:endParaRPr lang="zh-CN" altLang="en-US"/>
           </a:p>
           <a:p>
             <a:pPr lvl="4"/>
@@ -301,7 +319,6 @@
               <a:rPr lang="zh-CN" altLang="en-US"/>
               <a:t>五级</a:t>
             </a:r>
-            <a:endParaRPr lang="zh-CN" altLang="en-US"/>
           </a:p>
         </p:txBody>
       </p:sp>
@@ -365,6 +382,7 @@
           <a:p>
             <a:fld id="{23D1E11F-44BC-4BA1-8174-273B683756CC}" type="slidenum">
               <a:rPr lang="zh-CN" altLang="en-US" smtClean="0"/>
+              <a:t>‹#›</a:t>
             </a:fld>
             <a:endParaRPr lang="zh-CN" altLang="en-US"/>
           </a:p>
@@ -473,7 +491,7 @@
   <p:cSld>
     <p:spTree>
       <p:nvGrpSpPr>
-        <p:cNvPr id="35" name=""/>
+        <p:cNvPr id="1" name=""/>
         <p:cNvGrpSpPr/>
         <p:nvPr/>
       </p:nvGrpSpPr>
@@ -510,6 +528,7 @@
         <p:spPr/>
         <p:txBody>
           <a:bodyPr/>
+          <a:lstStyle/>
           <a:p>
             <a:r>
               <a:rPr lang="zh-CN" altLang="en-US" dirty="0"/>
@@ -584,9 +603,11 @@
         <p:spPr/>
         <p:txBody>
           <a:bodyPr/>
+          <a:lstStyle/>
           <a:p>
             <a:fld id="{23D1E11F-44BC-4BA1-8174-273B683756CC}" type="slidenum">
               <a:rPr lang="zh-CN" altLang="en-US" smtClean="0"/>
+              <a:t>3</a:t>
             </a:fld>
             <a:endParaRPr lang="zh-CN" altLang="en-US"/>
           </a:p>
@@ -605,7 +626,7 @@
   <p:cSld>
     <p:spTree>
       <p:nvGrpSpPr>
-        <p:cNvPr id="35" name=""/>
+        <p:cNvPr id="1" name=""/>
         <p:cNvGrpSpPr/>
         <p:nvPr/>
       </p:nvGrpSpPr>
@@ -642,6 +663,7 @@
         <p:spPr/>
         <p:txBody>
           <a:bodyPr/>
+          <a:lstStyle/>
           <a:p>
             <a:r>
               <a:rPr lang="zh-CN" altLang="en-US" dirty="0"/>
@@ -716,9 +738,11 @@
         <p:spPr/>
         <p:txBody>
           <a:bodyPr/>
+          <a:lstStyle/>
           <a:p>
             <a:fld id="{23D1E11F-44BC-4BA1-8174-273B683756CC}" type="slidenum">
               <a:rPr lang="zh-CN" altLang="en-US" smtClean="0"/>
+              <a:t>4</a:t>
             </a:fld>
             <a:endParaRPr lang="zh-CN" altLang="en-US"/>
           </a:p>
@@ -741,11 +765,20 @@
         <p:cNvGrpSpPr/>
         <p:nvPr/>
       </p:nvGrpSpPr>
-      <p:grpSpPr/>
+      <p:grpSpPr>
+        <a:xfrm>
+          <a:off x="0" y="0"/>
+          <a:ext cx="0" cy="0"/>
+          <a:chOff x="0" y="0"/>
+          <a:chExt cx="0" cy="0"/>
+        </a:xfrm>
+      </p:grpSpPr>
       <p:sp>
         <p:nvSpPr>
           <p:cNvPr id="2" name="幻灯片图像占位符 1"/>
-          <p:cNvSpPr/>
+          <p:cNvSpPr>
+            <a:spLocks noGrp="1" noRot="1" noChangeAspect="1"/>
+          </p:cNvSpPr>
           <p:nvPr>
             <p:ph type="sldImg" idx="2"/>
           </p:nvPr>
@@ -755,7 +788,9 @@
       <p:sp>
         <p:nvSpPr>
           <p:cNvPr id="3" name="文本占位符 2"/>
-          <p:cNvSpPr/>
+          <p:cNvSpPr>
+            <a:spLocks noGrp="1"/>
+          </p:cNvSpPr>
           <p:nvPr>
             <p:ph type="body" idx="3"/>
           </p:nvPr>
@@ -763,12 +798,97 @@
         <p:spPr/>
         <p:txBody>
           <a:bodyPr/>
+          <a:lstStyle/>
           <a:p>
             <a:endParaRPr lang="zh-CN" altLang="en-US"/>
           </a:p>
         </p:txBody>
       </p:sp>
     </p:spTree>
+  </p:cSld>
+  <p:clrMapOvr>
+    <a:masterClrMapping/>
+  </p:clrMapOvr>
+</p:notes>
+</file>
+
+<file path=ppt/notesSlides/notesSlide4.xml><?xml version="1.0" encoding="utf-8"?>
+<p:notes xmlns:a="http://schemas.openxmlformats.org/drawingml/2006/main" xmlns:r="http://schemas.openxmlformats.org/officeDocument/2006/relationships" xmlns:p="http://schemas.openxmlformats.org/presentationml/2006/main">
+  <p:cSld>
+    <p:spTree>
+      <p:nvGrpSpPr>
+        <p:cNvPr id="1" name=""/>
+        <p:cNvGrpSpPr/>
+        <p:nvPr/>
+      </p:nvGrpSpPr>
+      <p:grpSpPr>
+        <a:xfrm>
+          <a:off x="0" y="0"/>
+          <a:ext cx="0" cy="0"/>
+          <a:chOff x="0" y="0"/>
+          <a:chExt cx="0" cy="0"/>
+        </a:xfrm>
+      </p:grpSpPr>
+      <p:sp>
+        <p:nvSpPr>
+          <p:cNvPr id="2" name="幻灯片图像占位符 1"/>
+          <p:cNvSpPr>
+            <a:spLocks noGrp="1" noRot="1" noChangeAspect="1"/>
+          </p:cNvSpPr>
+          <p:nvPr>
+            <p:ph type="sldImg"/>
+          </p:nvPr>
+        </p:nvSpPr>
+        <p:spPr/>
+      </p:sp>
+      <p:sp>
+        <p:nvSpPr>
+          <p:cNvPr id="3" name="备注占位符 2"/>
+          <p:cNvSpPr>
+            <a:spLocks noGrp="1"/>
+          </p:cNvSpPr>
+          <p:nvPr>
+            <p:ph type="body" idx="1"/>
+          </p:nvPr>
+        </p:nvSpPr>
+        <p:spPr/>
+        <p:txBody>
+          <a:bodyPr/>
+          <a:lstStyle/>
+          <a:p>
+            <a:endParaRPr kumimoji="1" lang="zh-CN" altLang="en-US" dirty="0"/>
+          </a:p>
+        </p:txBody>
+      </p:sp>
+      <p:sp>
+        <p:nvSpPr>
+          <p:cNvPr id="4" name="幻灯片编号占位符 3"/>
+          <p:cNvSpPr>
+            <a:spLocks noGrp="1"/>
+          </p:cNvSpPr>
+          <p:nvPr>
+            <p:ph type="sldNum" sz="quarter" idx="10"/>
+          </p:nvPr>
+        </p:nvSpPr>
+        <p:spPr/>
+        <p:txBody>
+          <a:bodyPr/>
+          <a:lstStyle/>
+          <a:p>
+            <a:fld id="{23D1E11F-44BC-4BA1-8174-273B683756CC}" type="slidenum">
+              <a:rPr lang="zh-CN" altLang="en-US" smtClean="0"/>
+              <a:t>6</a:t>
+            </a:fld>
+            <a:endParaRPr lang="zh-CN" altLang="en-US"/>
+          </a:p>
+        </p:txBody>
+      </p:sp>
+    </p:spTree>
+    <p:extLst>
+      <p:ext uri="{BB962C8B-B14F-4D97-AF65-F5344CB8AC3E}">
+        <p14:creationId xmlns:p14="http://schemas.microsoft.com/office/powerpoint/2010/main" val="563595101"/>
+      </p:ext>
+    </p:extLst>
   </p:cSld>
   <p:clrMapOvr>
     <a:masterClrMapping/>
@@ -789,7 +909,7 @@
     </p:bg>
     <p:spTree>
       <p:nvGrpSpPr>
-        <p:cNvPr id="24" name=""/>
+        <p:cNvPr id="1" name=""/>
         <p:cNvGrpSpPr/>
         <p:nvPr/>
       </p:nvGrpSpPr>
@@ -810,7 +930,7 @@
           <p:nvPr>
             <p:ph type="ctrTitle" hasCustomPrompt="1"/>
             <p:custDataLst>
-              <p:tags r:id="rId2"/>
+              <p:tags r:id="rId1"/>
             </p:custDataLst>
           </p:nvPr>
         </p:nvSpPr>
@@ -836,7 +956,6 @@
               <a:rPr lang="zh-CN" altLang="en-US" dirty="0"/>
               <a:t>单击此处编辑标题</a:t>
             </a:r>
-            <a:endParaRPr lang="zh-CN" altLang="en-US" dirty="0"/>
           </a:p>
         </p:txBody>
       </p:sp>
@@ -849,7 +968,7 @@
           <p:nvPr>
             <p:ph type="subTitle" idx="1" hasCustomPrompt="1"/>
             <p:custDataLst>
-              <p:tags r:id="rId3"/>
+              <p:tags r:id="rId2"/>
             </p:custDataLst>
           </p:nvPr>
         </p:nvSpPr>
@@ -909,7 +1028,6 @@
               <a:rPr lang="zh-CN" altLang="en-US" dirty="0"/>
               <a:t>单击此处编辑副标题</a:t>
             </a:r>
-            <a:endParaRPr lang="zh-CN" altLang="en-US" dirty="0"/>
           </a:p>
         </p:txBody>
       </p:sp>
@@ -922,16 +1040,18 @@
           <p:nvPr>
             <p:ph type="dt" sz="half" idx="10"/>
             <p:custDataLst>
-              <p:tags r:id="rId4"/>
+              <p:tags r:id="rId3"/>
             </p:custDataLst>
           </p:nvPr>
         </p:nvSpPr>
         <p:spPr/>
         <p:txBody>
           <a:bodyPr/>
+          <a:lstStyle/>
           <a:p>
             <a:fld id="{760FBDFE-C587-4B4C-A407-44438C67B59E}" type="datetimeFigureOut">
               <a:rPr lang="zh-CN" altLang="en-US" smtClean="0"/>
+              <a:t>2021/1/21</a:t>
             </a:fld>
             <a:endParaRPr lang="zh-CN" altLang="en-US"/>
           </a:p>
@@ -946,13 +1066,14 @@
           <p:nvPr>
             <p:ph type="ftr" sz="quarter" idx="11"/>
             <p:custDataLst>
-              <p:tags r:id="rId5"/>
+              <p:tags r:id="rId4"/>
             </p:custDataLst>
           </p:nvPr>
         </p:nvSpPr>
         <p:spPr/>
         <p:txBody>
           <a:bodyPr/>
+          <a:lstStyle/>
           <a:p>
             <a:endParaRPr lang="zh-CN" altLang="en-US" dirty="0"/>
           </a:p>
@@ -967,16 +1088,18 @@
           <p:nvPr>
             <p:ph type="sldNum" sz="quarter" idx="12"/>
             <p:custDataLst>
-              <p:tags r:id="rId6"/>
+              <p:tags r:id="rId5"/>
             </p:custDataLst>
           </p:nvPr>
         </p:nvSpPr>
         <p:spPr/>
         <p:txBody>
           <a:bodyPr/>
+          <a:lstStyle/>
           <a:p>
             <a:fld id="{49AE70B2-8BF9-45C0-BB95-33D1B9D3A854}" type="slidenum">
               <a:rPr lang="zh-CN" altLang="en-US" smtClean="0"/>
+              <a:t>‹#›</a:t>
             </a:fld>
             <a:endParaRPr lang="zh-CN" altLang="en-US" dirty="0"/>
           </a:p>
@@ -1003,7 +1126,7 @@
     </p:bg>
     <p:spTree>
       <p:nvGrpSpPr>
-        <p:cNvPr id="44" name=""/>
+        <p:cNvPr id="1" name=""/>
         <p:cNvGrpSpPr/>
         <p:nvPr/>
       </p:nvGrpSpPr>
@@ -1024,16 +1147,18 @@
           <p:nvPr>
             <p:ph type="dt" sz="half" idx="10"/>
             <p:custDataLst>
-              <p:tags r:id="rId2"/>
+              <p:tags r:id="rId1"/>
             </p:custDataLst>
           </p:nvPr>
         </p:nvSpPr>
         <p:spPr/>
         <p:txBody>
           <a:bodyPr/>
+          <a:lstStyle/>
           <a:p>
             <a:fld id="{760FBDFE-C587-4B4C-A407-44438C67B59E}" type="datetimeFigureOut">
               <a:rPr lang="zh-CN" altLang="en-US" smtClean="0"/>
+              <a:t>2021/1/21</a:t>
             </a:fld>
             <a:endParaRPr lang="zh-CN" altLang="en-US"/>
           </a:p>
@@ -1048,13 +1173,14 @@
           <p:nvPr>
             <p:ph type="ftr" sz="quarter" idx="11"/>
             <p:custDataLst>
-              <p:tags r:id="rId3"/>
+              <p:tags r:id="rId2"/>
             </p:custDataLst>
           </p:nvPr>
         </p:nvSpPr>
         <p:spPr/>
         <p:txBody>
           <a:bodyPr/>
+          <a:lstStyle/>
           <a:p>
             <a:endParaRPr lang="zh-CN" altLang="en-US"/>
           </a:p>
@@ -1069,16 +1195,18 @@
           <p:nvPr>
             <p:ph type="sldNum" sz="quarter" idx="12"/>
             <p:custDataLst>
-              <p:tags r:id="rId4"/>
+              <p:tags r:id="rId3"/>
             </p:custDataLst>
           </p:nvPr>
         </p:nvSpPr>
         <p:spPr/>
         <p:txBody>
           <a:bodyPr/>
+          <a:lstStyle/>
           <a:p>
             <a:fld id="{49AE70B2-8BF9-45C0-BB95-33D1B9D3A854}" type="slidenum">
               <a:rPr lang="zh-CN" altLang="en-US" smtClean="0"/>
+              <a:t>‹#›</a:t>
             </a:fld>
             <a:endParaRPr lang="zh-CN" altLang="en-US"/>
           </a:p>
@@ -1093,7 +1221,7 @@
           <p:nvPr>
             <p:ph sz="quarter" idx="13"/>
             <p:custDataLst>
-              <p:tags r:id="rId5"/>
+              <p:tags r:id="rId4"/>
             </p:custDataLst>
           </p:nvPr>
         </p:nvSpPr>
@@ -1149,7 +1277,6 @@
               <a:rPr lang="zh-CN" altLang="en-US" dirty="0"/>
               <a:t>单击此处编辑母版文本样式</a:t>
             </a:r>
-            <a:endParaRPr lang="zh-CN" altLang="en-US" dirty="0"/>
           </a:p>
           <a:p>
             <a:pPr lvl="1"/>
@@ -1157,7 +1284,6 @@
               <a:rPr lang="zh-CN" altLang="en-US" dirty="0"/>
               <a:t>第二级</a:t>
             </a:r>
-            <a:endParaRPr lang="zh-CN" altLang="en-US" dirty="0"/>
           </a:p>
           <a:p>
             <a:pPr lvl="2"/>
@@ -1165,7 +1291,6 @@
               <a:rPr lang="zh-CN" altLang="en-US" dirty="0"/>
               <a:t>第三级</a:t>
             </a:r>
-            <a:endParaRPr lang="zh-CN" altLang="en-US" dirty="0"/>
           </a:p>
           <a:p>
             <a:pPr lvl="3"/>
@@ -1173,7 +1298,6 @@
               <a:rPr lang="zh-CN" altLang="en-US" dirty="0"/>
               <a:t>第四级</a:t>
             </a:r>
-            <a:endParaRPr lang="zh-CN" altLang="en-US" dirty="0"/>
           </a:p>
           <a:p>
             <a:pPr lvl="4"/>
@@ -1181,7 +1305,6 @@
               <a:rPr lang="zh-CN" altLang="en-US" dirty="0"/>
               <a:t>第五级</a:t>
             </a:r>
-            <a:endParaRPr lang="zh-CN" altLang="en-US" dirty="0"/>
           </a:p>
         </p:txBody>
       </p:sp>
@@ -1206,7 +1329,7 @@
     </p:bg>
     <p:spTree>
       <p:nvGrpSpPr>
-        <p:cNvPr id="42" name=""/>
+        <p:cNvPr id="1" name=""/>
         <p:cNvGrpSpPr/>
         <p:nvPr/>
       </p:nvGrpSpPr>
@@ -1227,16 +1350,18 @@
           <p:nvPr>
             <p:ph type="dt" sz="half" idx="10"/>
             <p:custDataLst>
-              <p:tags r:id="rId2"/>
+              <p:tags r:id="rId1"/>
             </p:custDataLst>
           </p:nvPr>
         </p:nvSpPr>
         <p:spPr/>
         <p:txBody>
           <a:bodyPr/>
+          <a:lstStyle/>
           <a:p>
             <a:fld id="{760FBDFE-C587-4B4C-A407-44438C67B59E}" type="datetimeFigureOut">
               <a:rPr lang="zh-CN" altLang="en-US" smtClean="0"/>
+              <a:t>2021/1/21</a:t>
             </a:fld>
             <a:endParaRPr lang="zh-CN" altLang="en-US"/>
           </a:p>
@@ -1251,13 +1376,14 @@
           <p:nvPr>
             <p:ph type="ftr" sz="quarter" idx="11"/>
             <p:custDataLst>
-              <p:tags r:id="rId3"/>
+              <p:tags r:id="rId2"/>
             </p:custDataLst>
           </p:nvPr>
         </p:nvSpPr>
         <p:spPr/>
         <p:txBody>
           <a:bodyPr/>
+          <a:lstStyle/>
           <a:p>
             <a:endParaRPr lang="zh-CN" altLang="en-US"/>
           </a:p>
@@ -1272,16 +1398,18 @@
           <p:nvPr>
             <p:ph type="sldNum" sz="quarter" idx="12"/>
             <p:custDataLst>
-              <p:tags r:id="rId4"/>
+              <p:tags r:id="rId3"/>
             </p:custDataLst>
           </p:nvPr>
         </p:nvSpPr>
         <p:spPr/>
         <p:txBody>
           <a:bodyPr/>
+          <a:lstStyle/>
           <a:p>
             <a:fld id="{49AE70B2-8BF9-45C0-BB95-33D1B9D3A854}" type="slidenum">
               <a:rPr lang="zh-CN" altLang="en-US" smtClean="0"/>
+              <a:t>‹#›</a:t>
             </a:fld>
             <a:endParaRPr lang="zh-CN" altLang="en-US"/>
           </a:p>
@@ -1296,7 +1424,7 @@
           <p:nvPr>
             <p:ph type="title" hasCustomPrompt="1"/>
             <p:custDataLst>
-              <p:tags r:id="rId5"/>
+              <p:tags r:id="rId4"/>
             </p:custDataLst>
           </p:nvPr>
         </p:nvSpPr>
@@ -1333,9 +1461,6 @@
               </a:rPr>
               <a:t>单击此处编辑标题</a:t>
             </a:r>
-            <a:endParaRPr>
-              <a:sym typeface="+mn-ea"/>
-            </a:endParaRPr>
           </a:p>
         </p:txBody>
       </p:sp>
@@ -1348,7 +1473,7 @@
           <p:nvPr>
             <p:ph type="body" sz="quarter" idx="13"/>
             <p:custDataLst>
-              <p:tags r:id="rId6"/>
+              <p:tags r:id="rId5"/>
             </p:custDataLst>
           </p:nvPr>
         </p:nvSpPr>
@@ -1377,7 +1502,6 @@
               <a:rPr lang="zh-CN" altLang="en-US" dirty="0"/>
               <a:t>单击此处编辑母版文本样式</a:t>
             </a:r>
-            <a:endParaRPr lang="zh-CN" altLang="en-US" dirty="0"/>
           </a:p>
         </p:txBody>
       </p:sp>
@@ -1402,7 +1526,7 @@
     </p:bg>
     <p:spTree>
       <p:nvGrpSpPr>
-        <p:cNvPr id="26" name=""/>
+        <p:cNvPr id="1" name=""/>
         <p:cNvGrpSpPr/>
         <p:nvPr/>
       </p:nvGrpSpPr>
@@ -1423,7 +1547,7 @@
           <p:nvPr>
             <p:ph type="title"/>
             <p:custDataLst>
-              <p:tags r:id="rId2"/>
+              <p:tags r:id="rId1"/>
             </p:custDataLst>
           </p:nvPr>
         </p:nvSpPr>
@@ -1459,9 +1583,6 @@
               </a:rPr>
               <a:t>单击此处编辑母版标题样式</a:t>
             </a:r>
-            <a:endParaRPr dirty="0">
-              <a:sym typeface="+mn-ea"/>
-            </a:endParaRPr>
           </a:p>
         </p:txBody>
       </p:sp>
@@ -1474,7 +1595,7 @@
           <p:nvPr>
             <p:ph idx="1"/>
             <p:custDataLst>
-              <p:tags r:id="rId3"/>
+              <p:tags r:id="rId2"/>
             </p:custDataLst>
           </p:nvPr>
         </p:nvSpPr>
@@ -1589,9 +1710,6 @@
               </a:rPr>
               <a:t>单击此处编辑母版文本样式</a:t>
             </a:r>
-            <a:endParaRPr dirty="0">
-              <a:sym typeface="+mn-ea"/>
-            </a:endParaRPr>
           </a:p>
           <a:p>
             <a:pPr lvl="1"/>
@@ -1601,9 +1719,6 @@
               </a:rPr>
               <a:t>第二级</a:t>
             </a:r>
-            <a:endParaRPr dirty="0">
-              <a:sym typeface="+mn-ea"/>
-            </a:endParaRPr>
           </a:p>
           <a:p>
             <a:pPr lvl="2"/>
@@ -1613,9 +1728,6 @@
               </a:rPr>
               <a:t>第三级</a:t>
             </a:r>
-            <a:endParaRPr dirty="0">
-              <a:sym typeface="+mn-ea"/>
-            </a:endParaRPr>
           </a:p>
           <a:p>
             <a:pPr lvl="3"/>
@@ -1625,9 +1737,6 @@
               </a:rPr>
               <a:t>第四级</a:t>
             </a:r>
-            <a:endParaRPr dirty="0">
-              <a:sym typeface="+mn-ea"/>
-            </a:endParaRPr>
           </a:p>
           <a:p>
             <a:pPr lvl="4"/>
@@ -1637,9 +1746,6 @@
               </a:rPr>
               <a:t>第五级</a:t>
             </a:r>
-            <a:endParaRPr dirty="0">
-              <a:sym typeface="+mn-ea"/>
-            </a:endParaRPr>
           </a:p>
         </p:txBody>
       </p:sp>
@@ -1652,16 +1758,18 @@
           <p:nvPr>
             <p:ph type="dt" sz="half" idx="10"/>
             <p:custDataLst>
-              <p:tags r:id="rId4"/>
+              <p:tags r:id="rId3"/>
             </p:custDataLst>
           </p:nvPr>
         </p:nvSpPr>
         <p:spPr/>
         <p:txBody>
           <a:bodyPr/>
+          <a:lstStyle/>
           <a:p>
             <a:fld id="{760FBDFE-C587-4B4C-A407-44438C67B59E}" type="datetimeFigureOut">
               <a:rPr lang="zh-CN" altLang="en-US" smtClean="0"/>
+              <a:t>2021/1/21</a:t>
             </a:fld>
             <a:endParaRPr lang="zh-CN" altLang="en-US"/>
           </a:p>
@@ -1676,13 +1784,14 @@
           <p:nvPr>
             <p:ph type="ftr" sz="quarter" idx="11"/>
             <p:custDataLst>
-              <p:tags r:id="rId5"/>
+              <p:tags r:id="rId4"/>
             </p:custDataLst>
           </p:nvPr>
         </p:nvSpPr>
         <p:spPr/>
         <p:txBody>
           <a:bodyPr/>
+          <a:lstStyle/>
           <a:p>
             <a:endParaRPr lang="zh-CN" altLang="en-US"/>
           </a:p>
@@ -1697,16 +1806,18 @@
           <p:nvPr>
             <p:ph type="sldNum" sz="quarter" idx="12"/>
             <p:custDataLst>
-              <p:tags r:id="rId6"/>
+              <p:tags r:id="rId5"/>
             </p:custDataLst>
           </p:nvPr>
         </p:nvSpPr>
         <p:spPr/>
         <p:txBody>
           <a:bodyPr/>
+          <a:lstStyle/>
           <a:p>
             <a:fld id="{49AE70B2-8BF9-45C0-BB95-33D1B9D3A854}" type="slidenum">
               <a:rPr lang="zh-CN" altLang="en-US" smtClean="0"/>
+              <a:t>‹#›</a:t>
             </a:fld>
             <a:endParaRPr lang="zh-CN" altLang="en-US"/>
           </a:p>
@@ -1733,7 +1844,7 @@
     </p:bg>
     <p:spTree>
       <p:nvGrpSpPr>
-        <p:cNvPr id="45" name=""/>
+        <p:cNvPr id="1" name=""/>
         <p:cNvGrpSpPr/>
         <p:nvPr/>
       </p:nvGrpSpPr>
@@ -1754,7 +1865,7 @@
           <p:nvPr>
             <p:ph type="title" hasCustomPrompt="1"/>
             <p:custDataLst>
-              <p:tags r:id="rId2"/>
+              <p:tags r:id="rId1"/>
             </p:custDataLst>
           </p:nvPr>
         </p:nvSpPr>
@@ -1780,7 +1891,6 @@
               <a:rPr lang="zh-CN" altLang="en-US" dirty="0"/>
               <a:t>单击此处编辑标题</a:t>
             </a:r>
-            <a:endParaRPr lang="zh-CN" altLang="en-US" dirty="0"/>
           </a:p>
         </p:txBody>
       </p:sp>
@@ -1793,7 +1903,7 @@
           <p:nvPr>
             <p:ph type="body" idx="1" hasCustomPrompt="1"/>
             <p:custDataLst>
-              <p:tags r:id="rId3"/>
+              <p:tags r:id="rId2"/>
             </p:custDataLst>
           </p:nvPr>
         </p:nvSpPr>
@@ -1859,7 +1969,6 @@
               <a:rPr lang="zh-CN" altLang="en-US" dirty="0"/>
               <a:t>单击此处编辑文本</a:t>
             </a:r>
-            <a:endParaRPr lang="zh-CN" altLang="en-US" dirty="0"/>
           </a:p>
         </p:txBody>
       </p:sp>
@@ -1872,16 +1981,18 @@
           <p:nvPr>
             <p:ph type="dt" sz="half" idx="10"/>
             <p:custDataLst>
-              <p:tags r:id="rId4"/>
+              <p:tags r:id="rId3"/>
             </p:custDataLst>
           </p:nvPr>
         </p:nvSpPr>
         <p:spPr/>
         <p:txBody>
           <a:bodyPr/>
+          <a:lstStyle/>
           <a:p>
             <a:fld id="{760FBDFE-C587-4B4C-A407-44438C67B59E}" type="datetimeFigureOut">
               <a:rPr lang="zh-CN" altLang="en-US" smtClean="0"/>
+              <a:t>2021/1/21</a:t>
             </a:fld>
             <a:endParaRPr lang="zh-CN" altLang="en-US"/>
           </a:p>
@@ -1896,13 +2007,14 @@
           <p:nvPr>
             <p:ph type="ftr" sz="quarter" idx="11"/>
             <p:custDataLst>
-              <p:tags r:id="rId5"/>
+              <p:tags r:id="rId4"/>
             </p:custDataLst>
           </p:nvPr>
         </p:nvSpPr>
         <p:spPr/>
         <p:txBody>
           <a:bodyPr/>
+          <a:lstStyle/>
           <a:p>
             <a:endParaRPr lang="zh-CN" altLang="en-US"/>
           </a:p>
@@ -1917,16 +2029,18 @@
           <p:nvPr>
             <p:ph type="sldNum" sz="quarter" idx="12"/>
             <p:custDataLst>
-              <p:tags r:id="rId6"/>
+              <p:tags r:id="rId5"/>
             </p:custDataLst>
           </p:nvPr>
         </p:nvSpPr>
         <p:spPr/>
         <p:txBody>
           <a:bodyPr/>
+          <a:lstStyle/>
           <a:p>
             <a:fld id="{49AE70B2-8BF9-45C0-BB95-33D1B9D3A854}" type="slidenum">
               <a:rPr lang="zh-CN" altLang="en-US" smtClean="0"/>
+              <a:t>‹#›</a:t>
             </a:fld>
             <a:endParaRPr lang="zh-CN" altLang="en-US"/>
           </a:p>
@@ -1953,7 +2067,7 @@
     </p:bg>
     <p:spTree>
       <p:nvGrpSpPr>
-        <p:cNvPr id="46" name=""/>
+        <p:cNvPr id="1" name=""/>
         <p:cNvGrpSpPr/>
         <p:nvPr/>
       </p:nvGrpSpPr>
@@ -1974,7 +2088,7 @@
           <p:nvPr>
             <p:ph type="title"/>
             <p:custDataLst>
-              <p:tags r:id="rId2"/>
+              <p:tags r:id="rId1"/>
             </p:custDataLst>
           </p:nvPr>
         </p:nvSpPr>
@@ -2010,9 +2124,6 @@
               </a:rPr>
               <a:t>单击此处编辑母版标题样式</a:t>
             </a:r>
-            <a:endParaRPr dirty="0">
-              <a:sym typeface="+mn-ea"/>
-            </a:endParaRPr>
           </a:p>
         </p:txBody>
       </p:sp>
@@ -2025,7 +2136,7 @@
           <p:nvPr>
             <p:ph sz="half" idx="1"/>
             <p:custDataLst>
-              <p:tags r:id="rId3"/>
+              <p:tags r:id="rId2"/>
             </p:custDataLst>
           </p:nvPr>
         </p:nvSpPr>
@@ -2137,9 +2248,6 @@
               </a:rPr>
               <a:t>单击此处编辑母版文本样式</a:t>
             </a:r>
-            <a:endParaRPr dirty="0">
-              <a:sym typeface="+mn-ea"/>
-            </a:endParaRPr>
           </a:p>
           <a:p>
             <a:pPr lvl="1"/>
@@ -2149,9 +2257,6 @@
               </a:rPr>
               <a:t>第二级</a:t>
             </a:r>
-            <a:endParaRPr dirty="0">
-              <a:sym typeface="+mn-ea"/>
-            </a:endParaRPr>
           </a:p>
           <a:p>
             <a:pPr lvl="2"/>
@@ -2161,9 +2266,6 @@
               </a:rPr>
               <a:t>第三级</a:t>
             </a:r>
-            <a:endParaRPr dirty="0">
-              <a:sym typeface="+mn-ea"/>
-            </a:endParaRPr>
           </a:p>
           <a:p>
             <a:pPr lvl="3"/>
@@ -2173,9 +2275,6 @@
               </a:rPr>
               <a:t>第四级</a:t>
             </a:r>
-            <a:endParaRPr dirty="0">
-              <a:sym typeface="+mn-ea"/>
-            </a:endParaRPr>
           </a:p>
           <a:p>
             <a:pPr lvl="4"/>
@@ -2185,9 +2284,6 @@
               </a:rPr>
               <a:t>第五级</a:t>
             </a:r>
-            <a:endParaRPr dirty="0">
-              <a:sym typeface="+mn-ea"/>
-            </a:endParaRPr>
           </a:p>
         </p:txBody>
       </p:sp>
@@ -2200,7 +2296,7 @@
           <p:nvPr>
             <p:ph sz="half" idx="2"/>
             <p:custDataLst>
-              <p:tags r:id="rId4"/>
+              <p:tags r:id="rId3"/>
             </p:custDataLst>
           </p:nvPr>
         </p:nvSpPr>
@@ -2275,7 +2371,6 @@
               <a:rPr lang="zh-CN" altLang="en-US" dirty="0"/>
               <a:t>单击此处编辑母版文本样式</a:t>
             </a:r>
-            <a:endParaRPr lang="zh-CN" altLang="en-US" dirty="0"/>
           </a:p>
           <a:p>
             <a:pPr lvl="1"/>
@@ -2283,7 +2378,6 @@
               <a:rPr lang="zh-CN" altLang="en-US" dirty="0"/>
               <a:t>第二级</a:t>
             </a:r>
-            <a:endParaRPr lang="zh-CN" altLang="en-US" dirty="0"/>
           </a:p>
           <a:p>
             <a:pPr lvl="2"/>
@@ -2291,7 +2385,6 @@
               <a:rPr lang="zh-CN" altLang="en-US" dirty="0"/>
               <a:t>第三级</a:t>
             </a:r>
-            <a:endParaRPr lang="zh-CN" altLang="en-US" dirty="0"/>
           </a:p>
           <a:p>
             <a:pPr lvl="3"/>
@@ -2299,7 +2392,6 @@
               <a:rPr lang="zh-CN" altLang="en-US" dirty="0"/>
               <a:t>第四级</a:t>
             </a:r>
-            <a:endParaRPr lang="zh-CN" altLang="en-US" dirty="0"/>
           </a:p>
           <a:p>
             <a:pPr lvl="4"/>
@@ -2307,7 +2399,6 @@
               <a:rPr lang="zh-CN" altLang="en-US" dirty="0"/>
               <a:t>第五级</a:t>
             </a:r>
-            <a:endParaRPr lang="zh-CN" altLang="en-US" dirty="0"/>
           </a:p>
         </p:txBody>
       </p:sp>
@@ -2320,16 +2411,18 @@
           <p:nvPr>
             <p:ph type="dt" sz="half" idx="10"/>
             <p:custDataLst>
-              <p:tags r:id="rId5"/>
+              <p:tags r:id="rId4"/>
             </p:custDataLst>
           </p:nvPr>
         </p:nvSpPr>
         <p:spPr/>
         <p:txBody>
           <a:bodyPr/>
+          <a:lstStyle/>
           <a:p>
             <a:fld id="{760FBDFE-C587-4B4C-A407-44438C67B59E}" type="datetimeFigureOut">
               <a:rPr lang="zh-CN" altLang="en-US" smtClean="0"/>
+              <a:t>2021/1/21</a:t>
             </a:fld>
             <a:endParaRPr lang="zh-CN" altLang="en-US"/>
           </a:p>
@@ -2344,13 +2437,14 @@
           <p:nvPr>
             <p:ph type="ftr" sz="quarter" idx="11"/>
             <p:custDataLst>
-              <p:tags r:id="rId6"/>
+              <p:tags r:id="rId5"/>
             </p:custDataLst>
           </p:nvPr>
         </p:nvSpPr>
         <p:spPr/>
         <p:txBody>
           <a:bodyPr/>
+          <a:lstStyle/>
           <a:p>
             <a:endParaRPr lang="zh-CN" altLang="en-US"/>
           </a:p>
@@ -2365,16 +2459,18 @@
           <p:nvPr>
             <p:ph type="sldNum" sz="quarter" idx="12"/>
             <p:custDataLst>
-              <p:tags r:id="rId7"/>
+              <p:tags r:id="rId6"/>
             </p:custDataLst>
           </p:nvPr>
         </p:nvSpPr>
         <p:spPr/>
         <p:txBody>
           <a:bodyPr/>
+          <a:lstStyle/>
           <a:p>
             <a:fld id="{49AE70B2-8BF9-45C0-BB95-33D1B9D3A854}" type="slidenum">
               <a:rPr lang="zh-CN" altLang="en-US" smtClean="0"/>
+              <a:t>‹#›</a:t>
             </a:fld>
             <a:endParaRPr lang="zh-CN" altLang="en-US"/>
           </a:p>
@@ -2401,7 +2497,7 @@
     </p:bg>
     <p:spTree>
       <p:nvGrpSpPr>
-        <p:cNvPr id="47" name=""/>
+        <p:cNvPr id="1" name=""/>
         <p:cNvGrpSpPr/>
         <p:nvPr/>
       </p:nvGrpSpPr>
@@ -2422,7 +2518,7 @@
           <p:nvPr>
             <p:ph type="title"/>
             <p:custDataLst>
-              <p:tags r:id="rId2"/>
+              <p:tags r:id="rId1"/>
             </p:custDataLst>
           </p:nvPr>
         </p:nvSpPr>
@@ -2458,9 +2554,6 @@
               </a:rPr>
               <a:t>单击此处编辑母版标题样式</a:t>
             </a:r>
-            <a:endParaRPr dirty="0">
-              <a:sym typeface="+mn-ea"/>
-            </a:endParaRPr>
           </a:p>
         </p:txBody>
       </p:sp>
@@ -2473,7 +2566,7 @@
           <p:nvPr>
             <p:ph type="body" idx="1" hasCustomPrompt="1"/>
             <p:custDataLst>
-              <p:tags r:id="rId3"/>
+              <p:tags r:id="rId2"/>
             </p:custDataLst>
           </p:nvPr>
         </p:nvSpPr>
@@ -2540,7 +2633,6 @@
               <a:rPr lang="zh-CN" altLang="en-US" dirty="0"/>
               <a:t>单击此处编辑文本</a:t>
             </a:r>
-            <a:endParaRPr lang="zh-CN" altLang="en-US" dirty="0"/>
           </a:p>
         </p:txBody>
       </p:sp>
@@ -2553,7 +2645,7 @@
           <p:nvPr>
             <p:ph sz="half" idx="2"/>
             <p:custDataLst>
-              <p:tags r:id="rId4"/>
+              <p:tags r:id="rId3"/>
             </p:custDataLst>
           </p:nvPr>
         </p:nvSpPr>
@@ -2665,9 +2757,6 @@
               </a:rPr>
               <a:t>单击此处编辑母版文本样式</a:t>
             </a:r>
-            <a:endParaRPr dirty="0">
-              <a:sym typeface="+mn-ea"/>
-            </a:endParaRPr>
           </a:p>
           <a:p>
             <a:pPr lvl="1"/>
@@ -2677,9 +2766,6 @@
               </a:rPr>
               <a:t>第二级</a:t>
             </a:r>
-            <a:endParaRPr dirty="0">
-              <a:sym typeface="+mn-ea"/>
-            </a:endParaRPr>
           </a:p>
           <a:p>
             <a:pPr lvl="2"/>
@@ -2689,9 +2775,6 @@
               </a:rPr>
               <a:t>第三级</a:t>
             </a:r>
-            <a:endParaRPr dirty="0">
-              <a:sym typeface="+mn-ea"/>
-            </a:endParaRPr>
           </a:p>
           <a:p>
             <a:pPr lvl="3"/>
@@ -2701,9 +2784,6 @@
               </a:rPr>
               <a:t>第四级</a:t>
             </a:r>
-            <a:endParaRPr dirty="0">
-              <a:sym typeface="+mn-ea"/>
-            </a:endParaRPr>
           </a:p>
           <a:p>
             <a:pPr lvl="4"/>
@@ -2713,9 +2793,6 @@
               </a:rPr>
               <a:t>第五级</a:t>
             </a:r>
-            <a:endParaRPr dirty="0">
-              <a:sym typeface="+mn-ea"/>
-            </a:endParaRPr>
           </a:p>
         </p:txBody>
       </p:sp>
@@ -2728,7 +2805,7 @@
           <p:nvPr>
             <p:ph type="body" sz="quarter" idx="3" hasCustomPrompt="1"/>
             <p:custDataLst>
-              <p:tags r:id="rId5"/>
+              <p:tags r:id="rId4"/>
             </p:custDataLst>
           </p:nvPr>
         </p:nvSpPr>
@@ -2802,9 +2879,6 @@
               </a:rPr>
               <a:t>单击此处编辑文本</a:t>
             </a:r>
-            <a:endParaRPr>
-              <a:sym typeface="+mn-ea"/>
-            </a:endParaRPr>
           </a:p>
         </p:txBody>
       </p:sp>
@@ -2817,7 +2891,7 @@
           <p:nvPr>
             <p:ph sz="quarter" idx="4"/>
             <p:custDataLst>
-              <p:tags r:id="rId6"/>
+              <p:tags r:id="rId5"/>
             </p:custDataLst>
           </p:nvPr>
         </p:nvSpPr>
@@ -2929,9 +3003,6 @@
               </a:rPr>
               <a:t>单击此处编辑母版文本样式</a:t>
             </a:r>
-            <a:endParaRPr dirty="0">
-              <a:sym typeface="+mn-ea"/>
-            </a:endParaRPr>
           </a:p>
           <a:p>
             <a:pPr lvl="1"/>
@@ -2941,9 +3012,6 @@
               </a:rPr>
               <a:t>第二级</a:t>
             </a:r>
-            <a:endParaRPr dirty="0">
-              <a:sym typeface="+mn-ea"/>
-            </a:endParaRPr>
           </a:p>
           <a:p>
             <a:pPr lvl="2"/>
@@ -2953,9 +3021,6 @@
               </a:rPr>
               <a:t>第三级</a:t>
             </a:r>
-            <a:endParaRPr dirty="0">
-              <a:sym typeface="+mn-ea"/>
-            </a:endParaRPr>
           </a:p>
           <a:p>
             <a:pPr lvl="3"/>
@@ -2965,9 +3030,6 @@
               </a:rPr>
               <a:t>第四级</a:t>
             </a:r>
-            <a:endParaRPr dirty="0">
-              <a:sym typeface="+mn-ea"/>
-            </a:endParaRPr>
           </a:p>
           <a:p>
             <a:pPr lvl="4"/>
@@ -2977,9 +3039,6 @@
               </a:rPr>
               <a:t>第五级</a:t>
             </a:r>
-            <a:endParaRPr dirty="0">
-              <a:sym typeface="+mn-ea"/>
-            </a:endParaRPr>
           </a:p>
         </p:txBody>
       </p:sp>
@@ -2992,16 +3051,18 @@
           <p:nvPr>
             <p:ph type="dt" sz="half" idx="10"/>
             <p:custDataLst>
-              <p:tags r:id="rId7"/>
+              <p:tags r:id="rId6"/>
             </p:custDataLst>
           </p:nvPr>
         </p:nvSpPr>
         <p:spPr/>
         <p:txBody>
           <a:bodyPr/>
+          <a:lstStyle/>
           <a:p>
             <a:fld id="{760FBDFE-C587-4B4C-A407-44438C67B59E}" type="datetimeFigureOut">
               <a:rPr lang="zh-CN" altLang="en-US" smtClean="0"/>
+              <a:t>2021/1/21</a:t>
             </a:fld>
             <a:endParaRPr lang="zh-CN" altLang="en-US"/>
           </a:p>
@@ -3016,13 +3077,14 @@
           <p:nvPr>
             <p:ph type="ftr" sz="quarter" idx="11"/>
             <p:custDataLst>
-              <p:tags r:id="rId8"/>
+              <p:tags r:id="rId7"/>
             </p:custDataLst>
           </p:nvPr>
         </p:nvSpPr>
         <p:spPr/>
         <p:txBody>
           <a:bodyPr/>
+          <a:lstStyle/>
           <a:p>
             <a:endParaRPr lang="zh-CN" altLang="en-US"/>
           </a:p>
@@ -3037,16 +3099,18 @@
           <p:nvPr>
             <p:ph type="sldNum" sz="quarter" idx="12"/>
             <p:custDataLst>
-              <p:tags r:id="rId9"/>
+              <p:tags r:id="rId8"/>
             </p:custDataLst>
           </p:nvPr>
         </p:nvSpPr>
         <p:spPr/>
         <p:txBody>
           <a:bodyPr/>
+          <a:lstStyle/>
           <a:p>
             <a:fld id="{49AE70B2-8BF9-45C0-BB95-33D1B9D3A854}" type="slidenum">
               <a:rPr lang="zh-CN" altLang="en-US" smtClean="0"/>
+              <a:t>‹#›</a:t>
             </a:fld>
             <a:endParaRPr lang="zh-CN" altLang="en-US"/>
           </a:p>
@@ -3073,7 +3137,7 @@
     </p:bg>
     <p:spTree>
       <p:nvGrpSpPr>
-        <p:cNvPr id="41" name=""/>
+        <p:cNvPr id="1" name=""/>
         <p:cNvGrpSpPr/>
         <p:nvPr/>
       </p:nvGrpSpPr>
@@ -3094,7 +3158,7 @@
           <p:nvPr>
             <p:ph type="title"/>
             <p:custDataLst>
-              <p:tags r:id="rId2"/>
+              <p:tags r:id="rId1"/>
             </p:custDataLst>
           </p:nvPr>
         </p:nvSpPr>
@@ -3130,9 +3194,6 @@
               </a:rPr>
               <a:t>单击此处编辑母版标题样式</a:t>
             </a:r>
-            <a:endParaRPr>
-              <a:sym typeface="+mn-ea"/>
-            </a:endParaRPr>
           </a:p>
         </p:txBody>
       </p:sp>
@@ -3145,16 +3206,18 @@
           <p:nvPr>
             <p:ph type="dt" sz="half" idx="10"/>
             <p:custDataLst>
-              <p:tags r:id="rId3"/>
+              <p:tags r:id="rId2"/>
             </p:custDataLst>
           </p:nvPr>
         </p:nvSpPr>
         <p:spPr/>
         <p:txBody>
           <a:bodyPr/>
+          <a:lstStyle/>
           <a:p>
             <a:fld id="{760FBDFE-C587-4B4C-A407-44438C67B59E}" type="datetimeFigureOut">
               <a:rPr lang="zh-CN" altLang="en-US" smtClean="0"/>
+              <a:t>2021/1/21</a:t>
             </a:fld>
             <a:endParaRPr lang="zh-CN" altLang="en-US"/>
           </a:p>
@@ -3169,13 +3232,14 @@
           <p:nvPr>
             <p:ph type="ftr" sz="quarter" idx="11"/>
             <p:custDataLst>
-              <p:tags r:id="rId4"/>
+              <p:tags r:id="rId3"/>
             </p:custDataLst>
           </p:nvPr>
         </p:nvSpPr>
         <p:spPr/>
         <p:txBody>
           <a:bodyPr/>
+          <a:lstStyle/>
           <a:p>
             <a:endParaRPr lang="zh-CN" altLang="en-US"/>
           </a:p>
@@ -3190,16 +3254,18 @@
           <p:nvPr>
             <p:ph type="sldNum" sz="quarter" idx="12"/>
             <p:custDataLst>
-              <p:tags r:id="rId5"/>
+              <p:tags r:id="rId4"/>
             </p:custDataLst>
           </p:nvPr>
         </p:nvSpPr>
         <p:spPr/>
         <p:txBody>
           <a:bodyPr/>
+          <a:lstStyle/>
           <a:p>
             <a:fld id="{49AE70B2-8BF9-45C0-BB95-33D1B9D3A854}" type="slidenum">
               <a:rPr lang="zh-CN" altLang="en-US" smtClean="0"/>
+              <a:t>‹#›</a:t>
             </a:fld>
             <a:endParaRPr lang="zh-CN" altLang="en-US"/>
           </a:p>
@@ -3226,7 +3292,7 @@
     </p:bg>
     <p:spTree>
       <p:nvGrpSpPr>
-        <p:cNvPr id="48" name=""/>
+        <p:cNvPr id="1" name=""/>
         <p:cNvGrpSpPr/>
         <p:nvPr/>
       </p:nvGrpSpPr>
@@ -3247,16 +3313,18 @@
           <p:nvPr>
             <p:ph type="dt" sz="half" idx="10"/>
             <p:custDataLst>
-              <p:tags r:id="rId2"/>
+              <p:tags r:id="rId1"/>
             </p:custDataLst>
           </p:nvPr>
         </p:nvSpPr>
         <p:spPr/>
         <p:txBody>
           <a:bodyPr/>
+          <a:lstStyle/>
           <a:p>
             <a:fld id="{760FBDFE-C587-4B4C-A407-44438C67B59E}" type="datetimeFigureOut">
               <a:rPr lang="zh-CN" altLang="en-US" smtClean="0"/>
+              <a:t>2021/1/21</a:t>
             </a:fld>
             <a:endParaRPr lang="zh-CN" altLang="en-US"/>
           </a:p>
@@ -3271,13 +3339,14 @@
           <p:nvPr>
             <p:ph type="ftr" sz="quarter" idx="11"/>
             <p:custDataLst>
-              <p:tags r:id="rId3"/>
+              <p:tags r:id="rId2"/>
             </p:custDataLst>
           </p:nvPr>
         </p:nvSpPr>
         <p:spPr/>
         <p:txBody>
           <a:bodyPr/>
+          <a:lstStyle/>
           <a:p>
             <a:endParaRPr lang="zh-CN" altLang="en-US"/>
           </a:p>
@@ -3292,16 +3361,18 @@
           <p:nvPr>
             <p:ph type="sldNum" sz="quarter" idx="12"/>
             <p:custDataLst>
-              <p:tags r:id="rId4"/>
+              <p:tags r:id="rId3"/>
             </p:custDataLst>
           </p:nvPr>
         </p:nvSpPr>
         <p:spPr/>
         <p:txBody>
           <a:bodyPr/>
+          <a:lstStyle/>
           <a:p>
             <a:fld id="{49AE70B2-8BF9-45C0-BB95-33D1B9D3A854}" type="slidenum">
               <a:rPr lang="zh-CN" altLang="en-US" smtClean="0"/>
+              <a:t>‹#›</a:t>
             </a:fld>
             <a:endParaRPr lang="zh-CN" altLang="en-US"/>
           </a:p>
@@ -3328,7 +3399,7 @@
     </p:bg>
     <p:spTree>
       <p:nvGrpSpPr>
-        <p:cNvPr id="49" name=""/>
+        <p:cNvPr id="1" name=""/>
         <p:cNvGrpSpPr/>
         <p:nvPr/>
       </p:nvGrpSpPr>
@@ -3349,7 +3420,7 @@
           <p:nvPr>
             <p:ph type="pic" idx="1"/>
             <p:custDataLst>
-              <p:tags r:id="rId2"/>
+              <p:tags r:id="rId1"/>
             </p:custDataLst>
           </p:nvPr>
         </p:nvSpPr>
@@ -3480,7 +3551,7 @@
           <p:nvPr>
             <p:ph type="body" sz="half" idx="2"/>
             <p:custDataLst>
-              <p:tags r:id="rId3"/>
+              <p:tags r:id="rId2"/>
             </p:custDataLst>
           </p:nvPr>
         </p:nvSpPr>
@@ -3557,9 +3628,6 @@
               </a:rPr>
               <a:t>单击此处编辑母版文本样式</a:t>
             </a:r>
-            <a:endParaRPr dirty="0">
-              <a:sym typeface="+mn-ea"/>
-            </a:endParaRPr>
           </a:p>
         </p:txBody>
       </p:sp>
@@ -3572,16 +3640,18 @@
           <p:nvPr>
             <p:ph type="dt" sz="half" idx="10"/>
             <p:custDataLst>
-              <p:tags r:id="rId4"/>
+              <p:tags r:id="rId3"/>
             </p:custDataLst>
           </p:nvPr>
         </p:nvSpPr>
         <p:spPr/>
         <p:txBody>
           <a:bodyPr/>
+          <a:lstStyle/>
           <a:p>
             <a:fld id="{9EFD9D74-47D9-4702-A33C-335B63B48DBF}" type="datetimeFigureOut">
               <a:rPr lang="zh-CN" altLang="en-US" smtClean="0"/>
+              <a:t>2021/1/21</a:t>
             </a:fld>
             <a:endParaRPr lang="zh-CN" altLang="en-US" dirty="0"/>
           </a:p>
@@ -3596,13 +3666,14 @@
           <p:nvPr>
             <p:ph type="ftr" sz="quarter" idx="11"/>
             <p:custDataLst>
-              <p:tags r:id="rId5"/>
+              <p:tags r:id="rId4"/>
             </p:custDataLst>
           </p:nvPr>
         </p:nvSpPr>
         <p:spPr/>
         <p:txBody>
           <a:bodyPr/>
+          <a:lstStyle/>
           <a:p>
             <a:endParaRPr lang="zh-CN" altLang="en-US" dirty="0"/>
           </a:p>
@@ -3617,16 +3688,18 @@
           <p:nvPr>
             <p:ph type="sldNum" sz="quarter" idx="12"/>
             <p:custDataLst>
-              <p:tags r:id="rId6"/>
+              <p:tags r:id="rId5"/>
             </p:custDataLst>
           </p:nvPr>
         </p:nvSpPr>
         <p:spPr/>
         <p:txBody>
           <a:bodyPr/>
+          <a:lstStyle/>
           <a:p>
             <a:fld id="{FABC47A4-756D-490B-A52F-7D9E2C9FC05F}" type="slidenum">
               <a:rPr lang="zh-CN" altLang="en-US" smtClean="0"/>
+              <a:t>‹#›</a:t>
             </a:fld>
             <a:endParaRPr lang="zh-CN" altLang="en-US"/>
           </a:p>
@@ -3641,7 +3714,7 @@
           <p:nvPr>
             <p:ph type="title"/>
             <p:custDataLst>
-              <p:tags r:id="rId7"/>
+              <p:tags r:id="rId6"/>
             </p:custDataLst>
           </p:nvPr>
         </p:nvSpPr>
@@ -3658,7 +3731,6 @@
               <a:rPr lang="zh-CN" altLang="en-US"/>
               <a:t>单击此处编辑母版标题样式</a:t>
             </a:r>
-            <a:endParaRPr lang="zh-CN" altLang="en-US"/>
           </a:p>
         </p:txBody>
       </p:sp>
@@ -3683,7 +3755,7 @@
     </p:bg>
     <p:spTree>
       <p:nvGrpSpPr>
-        <p:cNvPr id="43" name=""/>
+        <p:cNvPr id="1" name=""/>
         <p:cNvGrpSpPr/>
         <p:nvPr/>
       </p:nvGrpSpPr>
@@ -3704,7 +3776,7 @@
           <p:nvPr>
             <p:ph type="title" orient="vert" hasCustomPrompt="1"/>
             <p:custDataLst>
-              <p:tags r:id="rId2"/>
+              <p:tags r:id="rId1"/>
             </p:custDataLst>
           </p:nvPr>
         </p:nvSpPr>
@@ -3743,9 +3815,6 @@
               </a:rPr>
               <a:t>单击此处编辑标题</a:t>
             </a:r>
-            <a:endParaRPr dirty="0">
-              <a:sym typeface="+mn-ea"/>
-            </a:endParaRPr>
           </a:p>
         </p:txBody>
       </p:sp>
@@ -3758,7 +3827,7 @@
           <p:nvPr>
             <p:ph type="body" orient="vert" idx="1"/>
             <p:custDataLst>
-              <p:tags r:id="rId3"/>
+              <p:tags r:id="rId2"/>
             </p:custDataLst>
           </p:nvPr>
         </p:nvSpPr>
@@ -3829,7 +3898,6 @@
               <a:rPr lang="zh-CN" altLang="en-US" dirty="0"/>
               <a:t>单击此处编辑母版文本样式</a:t>
             </a:r>
-            <a:endParaRPr lang="zh-CN" altLang="en-US" dirty="0"/>
           </a:p>
           <a:p>
             <a:pPr lvl="1"/>
@@ -3837,7 +3905,6 @@
               <a:rPr lang="zh-CN" altLang="en-US" dirty="0"/>
               <a:t>第二级</a:t>
             </a:r>
-            <a:endParaRPr lang="zh-CN" altLang="en-US" dirty="0"/>
           </a:p>
           <a:p>
             <a:pPr lvl="2"/>
@@ -3845,7 +3912,6 @@
               <a:rPr lang="zh-CN" altLang="en-US" dirty="0"/>
               <a:t>第三级</a:t>
             </a:r>
-            <a:endParaRPr lang="zh-CN" altLang="en-US" dirty="0"/>
           </a:p>
           <a:p>
             <a:pPr lvl="3"/>
@@ -3853,7 +3919,6 @@
               <a:rPr lang="zh-CN" altLang="en-US" dirty="0"/>
               <a:t>第四级</a:t>
             </a:r>
-            <a:endParaRPr lang="zh-CN" altLang="en-US" dirty="0"/>
           </a:p>
           <a:p>
             <a:pPr lvl="4"/>
@@ -3861,7 +3926,6 @@
               <a:rPr lang="zh-CN" altLang="en-US" dirty="0"/>
               <a:t>第五级</a:t>
             </a:r>
-            <a:endParaRPr lang="zh-CN" altLang="en-US" dirty="0"/>
           </a:p>
         </p:txBody>
       </p:sp>
@@ -3874,16 +3938,18 @@
           <p:nvPr>
             <p:ph type="dt" sz="half" idx="10"/>
             <p:custDataLst>
-              <p:tags r:id="rId4"/>
+              <p:tags r:id="rId3"/>
             </p:custDataLst>
           </p:nvPr>
         </p:nvSpPr>
         <p:spPr/>
         <p:txBody>
           <a:bodyPr/>
+          <a:lstStyle/>
           <a:p>
             <a:fld id="{760FBDFE-C587-4B4C-A407-44438C67B59E}" type="datetimeFigureOut">
               <a:rPr lang="zh-CN" altLang="en-US" smtClean="0"/>
+              <a:t>2021/1/21</a:t>
             </a:fld>
             <a:endParaRPr lang="zh-CN" altLang="en-US"/>
           </a:p>
@@ -3898,13 +3964,14 @@
           <p:nvPr>
             <p:ph type="ftr" sz="quarter" idx="11"/>
             <p:custDataLst>
-              <p:tags r:id="rId5"/>
+              <p:tags r:id="rId4"/>
             </p:custDataLst>
           </p:nvPr>
         </p:nvSpPr>
         <p:spPr/>
         <p:txBody>
           <a:bodyPr/>
+          <a:lstStyle/>
           <a:p>
             <a:endParaRPr lang="zh-CN" altLang="en-US"/>
           </a:p>
@@ -3919,16 +3986,18 @@
           <p:nvPr>
             <p:ph type="sldNum" sz="quarter" idx="12"/>
             <p:custDataLst>
-              <p:tags r:id="rId6"/>
+              <p:tags r:id="rId5"/>
             </p:custDataLst>
           </p:nvPr>
         </p:nvSpPr>
         <p:spPr/>
         <p:txBody>
           <a:bodyPr/>
+          <a:lstStyle/>
           <a:p>
             <a:fld id="{49AE70B2-8BF9-45C0-BB95-33D1B9D3A854}" type="slidenum">
               <a:rPr lang="zh-CN" altLang="en-US" smtClean="0"/>
+              <a:t>‹#›</a:t>
             </a:fld>
             <a:endParaRPr lang="zh-CN" altLang="en-US"/>
           </a:p>
@@ -3955,7 +4024,7 @@
     </p:bg>
     <p:spTree>
       <p:nvGrpSpPr>
-        <p:cNvPr id="12" name=""/>
+        <p:cNvPr id="1" name=""/>
         <p:cNvGrpSpPr/>
         <p:nvPr/>
       </p:nvGrpSpPr>
@@ -3976,7 +4045,7 @@
           <p:nvPr>
             <p:ph type="title"/>
             <p:custDataLst>
-              <p:tags r:id="rId12"/>
+              <p:tags r:id="rId14"/>
             </p:custDataLst>
           </p:nvPr>
         </p:nvSpPr>
@@ -3993,12 +4062,12 @@
           <a:bodyPr vert="horz" lIns="90170" tIns="46990" rIns="90170" bIns="46990" rtlCol="0" anchor="ctr" anchorCtr="0">
             <a:normAutofit/>
           </a:bodyPr>
+          <a:lstStyle/>
           <a:p>
             <a:r>
               <a:rPr lang="zh-CN" altLang="en-US" dirty="0"/>
               <a:t>单击此处编辑母版标题样式</a:t>
             </a:r>
-            <a:endParaRPr lang="zh-CN" altLang="en-US" dirty="0"/>
           </a:p>
         </p:txBody>
       </p:sp>
@@ -4011,7 +4080,7 @@
           <p:nvPr>
             <p:ph type="body" idx="1"/>
             <p:custDataLst>
-              <p:tags r:id="rId13"/>
+              <p:tags r:id="rId15"/>
             </p:custDataLst>
           </p:nvPr>
         </p:nvSpPr>
@@ -4028,13 +4097,13 @@
           <a:bodyPr vert="horz" lIns="90000" tIns="46800" rIns="90000" bIns="46800" rtlCol="0">
             <a:normAutofit/>
           </a:bodyPr>
+          <a:lstStyle/>
           <a:p>
             <a:pPr lvl="0"/>
             <a:r>
               <a:rPr lang="zh-CN" altLang="en-US" dirty="0"/>
               <a:t>单击此处编辑母版文本样式</a:t>
             </a:r>
-            <a:endParaRPr lang="zh-CN" altLang="en-US" dirty="0"/>
           </a:p>
           <a:p>
             <a:pPr lvl="1"/>
@@ -4042,7 +4111,6 @@
               <a:rPr lang="zh-CN" altLang="en-US" dirty="0"/>
               <a:t>第二级</a:t>
             </a:r>
-            <a:endParaRPr lang="zh-CN" altLang="en-US" dirty="0"/>
           </a:p>
           <a:p>
             <a:pPr lvl="2"/>
@@ -4050,7 +4118,6 @@
               <a:rPr lang="zh-CN" altLang="en-US" dirty="0"/>
               <a:t>第三级</a:t>
             </a:r>
-            <a:endParaRPr lang="zh-CN" altLang="en-US" dirty="0"/>
           </a:p>
           <a:p>
             <a:pPr lvl="3"/>
@@ -4058,7 +4125,6 @@
               <a:rPr lang="zh-CN" altLang="en-US" dirty="0"/>
               <a:t>第四级</a:t>
             </a:r>
-            <a:endParaRPr lang="zh-CN" altLang="en-US" dirty="0"/>
           </a:p>
           <a:p>
             <a:pPr lvl="4"/>
@@ -4066,7 +4132,6 @@
               <a:rPr lang="zh-CN" altLang="en-US" dirty="0"/>
               <a:t>第五级</a:t>
             </a:r>
-            <a:endParaRPr lang="zh-CN" altLang="en-US" dirty="0"/>
           </a:p>
         </p:txBody>
       </p:sp>
@@ -4079,7 +4144,7 @@
           <p:nvPr>
             <p:ph type="dt" sz="half" idx="2"/>
             <p:custDataLst>
-              <p:tags r:id="rId14"/>
+              <p:tags r:id="rId16"/>
             </p:custDataLst>
           </p:nvPr>
         </p:nvSpPr>
@@ -4112,6 +4177,7 @@
           <a:p>
             <a:fld id="{760FBDFE-C587-4B4C-A407-44438C67B59E}" type="datetimeFigureOut">
               <a:rPr lang="zh-CN" altLang="en-US" smtClean="0"/>
+              <a:t>2021/1/21</a:t>
             </a:fld>
             <a:endParaRPr lang="zh-CN" altLang="en-US"/>
           </a:p>
@@ -4126,7 +4192,7 @@
           <p:nvPr>
             <p:ph type="ftr" sz="quarter" idx="3"/>
             <p:custDataLst>
-              <p:tags r:id="rId15"/>
+              <p:tags r:id="rId17"/>
             </p:custDataLst>
           </p:nvPr>
         </p:nvSpPr>
@@ -4170,7 +4236,7 @@
           <p:nvPr>
             <p:ph type="sldNum" sz="quarter" idx="4"/>
             <p:custDataLst>
-              <p:tags r:id="rId16"/>
+              <p:tags r:id="rId18"/>
             </p:custDataLst>
           </p:nvPr>
         </p:nvSpPr>
@@ -4203,6 +4269,7 @@
           <a:p>
             <a:fld id="{49AE70B2-8BF9-45C0-BB95-33D1B9D3A854}" type="slidenum">
               <a:rPr lang="zh-CN" altLang="en-US" smtClean="0"/>
+              <a:t>‹#›</a:t>
             </a:fld>
             <a:endParaRPr lang="zh-CN" altLang="en-US" dirty="0"/>
           </a:p>
@@ -4210,7 +4277,7 @@
       </p:sp>
     </p:spTree>
     <p:custDataLst>
-      <p:tags r:id="rId17"/>
+      <p:tags r:id="rId13"/>
     </p:custDataLst>
   </p:cSld>
   <p:clrMap bg1="lt1" tx1="dk1" bg2="lt2" tx2="dk2" accent1="accent1" accent2="accent2" accent3="accent3" accent4="accent4" accent5="accent5" accent6="accent6" hlink="hlink" folHlink="folHlink"/>
@@ -4555,7 +4622,7 @@
     <p:bg>
       <p:bgPr>
         <a:blipFill rotWithShape="1">
-          <a:blip r:embed="rId1"/>
+          <a:blip r:embed="rId6"/>
           <a:stretch>
             <a:fillRect/>
           </a:stretch>
@@ -4565,7 +4632,7 @@
     </p:bg>
     <p:spTree>
       <p:nvGrpSpPr>
-        <p:cNvPr id="25" name=""/>
+        <p:cNvPr id="1" name=""/>
         <p:cNvGrpSpPr/>
         <p:nvPr/>
       </p:nvGrpSpPr>
@@ -4633,6 +4700,7 @@
         <p:spPr/>
         <p:txBody>
           <a:bodyPr/>
+          <a:lstStyle/>
           <a:p>
             <a:r>
               <a:rPr lang="zh-CN" altLang="en-US" sz="4400" dirty="0">
@@ -4651,9 +4719,6 @@
               </a:rPr>
               <a:t>项目启动会</a:t>
             </a:r>
-            <a:endParaRPr lang="zh-CN" altLang="en-US" sz="4400" dirty="0">
-              <a:sym typeface="+mn-ea"/>
-            </a:endParaRPr>
           </a:p>
         </p:txBody>
       </p:sp>
@@ -4673,6 +4738,7 @@
         <p:spPr/>
         <p:txBody>
           <a:bodyPr/>
+          <a:lstStyle/>
           <a:p>
             <a:endParaRPr lang="en-US" altLang="zh-CN"/>
           </a:p>
@@ -4701,13 +4767,12 @@
               <a:rPr lang="zh-CN" altLang="en-US"/>
               <a:t>日</a:t>
             </a:r>
-            <a:endParaRPr lang="zh-CN" altLang="en-US"/>
           </a:p>
         </p:txBody>
       </p:sp>
     </p:spTree>
     <p:custDataLst>
-      <p:tags r:id="rId5"/>
+      <p:tags r:id="rId1"/>
     </p:custDataLst>
   </p:cSld>
   <p:clrMapOvr>
@@ -4732,7 +4797,7 @@
     </p:bg>
     <p:spTree>
       <p:nvGrpSpPr>
-        <p:cNvPr id="27" name=""/>
+        <p:cNvPr id="1" name=""/>
         <p:cNvGrpSpPr/>
         <p:nvPr/>
       </p:nvGrpSpPr>
@@ -4759,6 +4824,7 @@
           <a:bodyPr>
             <a:normAutofit/>
           </a:bodyPr>
+          <a:lstStyle/>
           <a:p>
             <a:r>
               <a:rPr>
@@ -4766,9 +4832,6 @@
               </a:rPr>
               <a:t>X-Bond搭桥共享组（攻关类）</a:t>
             </a:r>
-            <a:endParaRPr>
-              <a:sym typeface="+mn-ea"/>
-            </a:endParaRPr>
           </a:p>
         </p:txBody>
       </p:sp>
@@ -4785,12 +4848,12 @@
         <p:spPr/>
         <p:txBody>
           <a:bodyPr/>
+          <a:lstStyle/>
           <a:p>
             <a:r>
               <a:rPr lang="zh-CN" altLang="en-US"/>
               <a:t>项目背景</a:t>
             </a:r>
-            <a:endParaRPr lang="zh-CN" altLang="en-US"/>
           </a:p>
           <a:p>
             <a:pPr lvl="1"/>
@@ -4798,7 +4861,6 @@
               <a:rPr lang="zh-CN" altLang="en-US"/>
               <a:t>在现券买卖市场，基金公司、券商资管、保险公司、理财子公司等资管公司交易对手方范围有限，内部下单流程较长，X-Bond参与度较低，一般在货币经纪成交后，再通过与其建立对手方关系的桥机构过桥，在本币交易系统录入交易。与此同时，资管公司往往提前通过货币经纪寻找对手方，在当日商定次日T+0的交易，于次日资金到账后完成交易。为提升资管公司参与X-Bond积极性，进一步提升X-Bond交易活跃度，拟在X-Bond中新增搭桥功能，并增加达成未来交易日（次日+0即Tom+0）的成交功能。</a:t>
             </a:r>
-            <a:endParaRPr lang="zh-CN" altLang="en-US"/>
           </a:p>
           <a:p>
             <a:pPr lvl="1"/>
@@ -4813,7 +4875,6 @@
               <a:rPr lang="zh-CN" altLang="en-US"/>
               <a:t>项目范围</a:t>
             </a:r>
-            <a:endParaRPr lang="zh-CN" altLang="en-US"/>
           </a:p>
           <a:p>
             <a:pPr lvl="1"/>
@@ -4829,7 +4890,6 @@
               <a:rPr lang="zh-CN" altLang="en-US"/>
               <a:t>。</a:t>
             </a:r>
-            <a:endParaRPr lang="zh-CN" altLang="en-US"/>
           </a:p>
         </p:txBody>
       </p:sp>
@@ -4849,7 +4909,7 @@
   <p:cSld>
     <p:spTree>
       <p:nvGrpSpPr>
-        <p:cNvPr id="33" name=""/>
+        <p:cNvPr id="1" name=""/>
         <p:cNvGrpSpPr/>
         <p:nvPr/>
       </p:nvGrpSpPr>
@@ -4881,6 +4941,7 @@
           <a:bodyPr>
             <a:normAutofit fontScale="90000"/>
           </a:bodyPr>
+          <a:lstStyle/>
           <a:p>
             <a:r>
               <a:rPr>
@@ -4892,13 +4953,7 @@
               <a:rPr lang="en-US" altLang="zh-CN">
                 <a:sym typeface="+mn-ea"/>
               </a:rPr>
-              <a:t>1</a:t>
-            </a:r>
-            <a:r>
-              <a:rPr lang="en-US" altLang="zh-CN">
-                <a:sym typeface="+mn-ea"/>
-              </a:rPr>
-              <a:t>—X-Bond Tom+0</a:t>
+              <a:t>1—X-Bond Tom+0</a:t>
             </a:r>
             <a:r>
               <a:rPr>
@@ -4944,6 +4999,7 @@
           <a:bodyPr wrap="square" rtlCol="0">
             <a:spAutoFit/>
           </a:bodyPr>
+          <a:lstStyle/>
           <a:p>
             <a:r>
               <a:rPr lang="zh-CN" altLang="en-US" sz="1600" dirty="0"/>
@@ -5112,12 +5168,6 @@
               </a:rPr>
               <a:t>日成交行情</a:t>
             </a:r>
-            <a:endParaRPr lang="zh-CN" altLang="en-US" sz="1600" b="1" dirty="0">
-              <a:solidFill>
-                <a:srgbClr val="FF0000"/>
-              </a:solidFill>
-              <a:sym typeface="+mn-ea"/>
-            </a:endParaRPr>
           </a:p>
           <a:p>
             <a:pPr marL="342900" indent="-342900">
@@ -5171,9 +5221,6 @@
               </a:rPr>
               <a:t>日成交行情</a:t>
             </a:r>
-            <a:endParaRPr lang="zh-CN" altLang="en-US" sz="1600" b="1" dirty="0">
-              <a:sym typeface="+mn-ea"/>
-            </a:endParaRPr>
           </a:p>
           <a:p>
             <a:pPr marL="342900" indent="-342900">
@@ -5195,13 +5242,19 @@
               <a:rPr lang="en-US" altLang="zh-CN" sz="1600" b="1" dirty="0">
                 <a:sym typeface="+mn-ea"/>
               </a:rPr>
-              <a:t>C : </a:t>
+              <a:t>C : T+0</a:t>
+            </a:r>
+            <a:r>
+              <a:rPr lang="zh-CN" altLang="en-US" sz="1600" b="1" dirty="0">
+                <a:sym typeface="+mn-ea"/>
+              </a:rPr>
+              <a:t>、</a:t>
             </a:r>
             <a:r>
               <a:rPr lang="en-US" altLang="zh-CN" sz="1600" b="1" dirty="0">
                 <a:sym typeface="+mn-ea"/>
               </a:rPr>
-              <a:t>T+0</a:t>
+              <a:t>T+1</a:t>
             </a:r>
             <a:r>
               <a:rPr lang="zh-CN" altLang="en-US" sz="1600" b="1" dirty="0">
@@ -5213,49 +5266,49 @@
               <a:rPr lang="en-US" altLang="zh-CN" sz="1600" b="1" dirty="0">
                 <a:sym typeface="+mn-ea"/>
               </a:rPr>
-              <a:t>T+1</a:t>
+              <a:t>Tom+0</a:t>
             </a:r>
             <a:r>
               <a:rPr lang="zh-CN" altLang="en-US" sz="1600" b="1" dirty="0">
                 <a:sym typeface="+mn-ea"/>
               </a:rPr>
-              <a:t>、</a:t>
+              <a:t>的搭桥中，</a:t>
             </a:r>
             <a:r>
               <a:rPr lang="en-US" altLang="zh-CN" sz="1600" b="1" dirty="0">
                 <a:sym typeface="+mn-ea"/>
               </a:rPr>
-              <a:t>Tom+0</a:t>
+              <a:t>B</a:t>
             </a:r>
             <a:r>
               <a:rPr lang="zh-CN" altLang="en-US" sz="1600" b="1" dirty="0">
                 <a:sym typeface="+mn-ea"/>
               </a:rPr>
-              <a:t>的搭桥中，</a:t>
+              <a:t>与</a:t>
             </a:r>
             <a:r>
               <a:rPr lang="en-US" altLang="zh-CN" sz="1600" b="1" dirty="0">
                 <a:sym typeface="+mn-ea"/>
               </a:rPr>
-              <a:t>B</a:t>
+              <a:t>C</a:t>
             </a:r>
             <a:r>
               <a:rPr lang="zh-CN" altLang="en-US" sz="1600" b="1" dirty="0">
                 <a:sym typeface="+mn-ea"/>
               </a:rPr>
-              <a:t>与</a:t>
+              <a:t>的成交，都是</a:t>
             </a:r>
             <a:r>
               <a:rPr lang="en-US" altLang="zh-CN" sz="1600" b="1" dirty="0">
                 <a:sym typeface="+mn-ea"/>
               </a:rPr>
-              <a:t>C</a:t>
+              <a:t>T</a:t>
             </a:r>
             <a:r>
               <a:rPr lang="zh-CN" altLang="en-US" sz="1600" b="1" dirty="0">
                 <a:sym typeface="+mn-ea"/>
               </a:rPr>
-              <a:t>的成交，都是</a:t>
+              <a:t>日生成成交单，进入</a:t>
             </a:r>
             <a:r>
               <a:rPr lang="en-US" altLang="zh-CN" sz="1600" b="1" dirty="0">
@@ -5267,23 +5320,8 @@
               <a:rPr lang="zh-CN" altLang="en-US" sz="1600" b="1" dirty="0">
                 <a:sym typeface="+mn-ea"/>
               </a:rPr>
-              <a:t>日生成成交单，进入</a:t>
-            </a:r>
-            <a:r>
-              <a:rPr lang="en-US" altLang="zh-CN" sz="1600" b="1" dirty="0">
-                <a:sym typeface="+mn-ea"/>
-              </a:rPr>
-              <a:t>T</a:t>
-            </a:r>
-            <a:r>
-              <a:rPr lang="zh-CN" altLang="en-US" sz="1600" b="1" dirty="0">
-                <a:sym typeface="+mn-ea"/>
-              </a:rPr>
               <a:t>日成交行情</a:t>
             </a:r>
-            <a:endParaRPr lang="zh-CN" altLang="en-US" sz="1600" b="1" dirty="0">
-              <a:sym typeface="+mn-ea"/>
-            </a:endParaRPr>
           </a:p>
         </p:txBody>
       </p:sp>
@@ -5326,6 +5364,7 @@
           <a:bodyPr wrap="square" rtlCol="0">
             <a:spAutoFit/>
           </a:bodyPr>
+          <a:lstStyle/>
           <a:p>
             <a:r>
               <a:rPr lang="en-US" altLang="zh-CN"/>
@@ -5375,11 +5414,6 @@
               </a:rPr>
               <a:t>）</a:t>
             </a:r>
-            <a:endParaRPr lang="zh-CN" altLang="en-US">
-              <a:solidFill>
-                <a:srgbClr val="FF0000"/>
-              </a:solidFill>
-            </a:endParaRPr>
           </a:p>
         </p:txBody>
       </p:sp>
@@ -5416,6 +5450,7 @@
           <a:bodyPr wrap="square" rtlCol="0">
             <a:spAutoFit/>
           </a:bodyPr>
+          <a:lstStyle/>
           <a:p>
             <a:r>
               <a:rPr lang="en-US" altLang="zh-CN"/>
@@ -5425,7 +5460,6 @@
               <a:rPr lang="zh-CN" altLang="en-US"/>
               <a:t>日搭桥成交意向</a:t>
             </a:r>
-            <a:endParaRPr lang="zh-CN" altLang="en-US"/>
           </a:p>
         </p:txBody>
       </p:sp>
@@ -5462,6 +5496,7 @@
           <a:bodyPr wrap="square" rtlCol="0">
             <a:spAutoFit/>
           </a:bodyPr>
+          <a:lstStyle/>
           <a:p>
             <a:r>
               <a:rPr lang="en-US" altLang="zh-CN" dirty="0"/>
@@ -5495,11 +5530,6 @@
               </a:rPr>
               <a:t>日成交行情）</a:t>
             </a:r>
-            <a:endParaRPr lang="zh-CN" altLang="en-US" dirty="0">
-              <a:solidFill>
-                <a:srgbClr val="FF0000"/>
-              </a:solidFill>
-            </a:endParaRPr>
           </a:p>
         </p:txBody>
       </p:sp>
@@ -5608,6 +5638,7 @@
           <a:bodyPr wrap="square" rtlCol="0">
             <a:spAutoFit/>
           </a:bodyPr>
+          <a:lstStyle/>
           <a:p>
             <a:r>
               <a:rPr lang="en-US" altLang="zh-CN"/>
@@ -5617,7 +5648,6 @@
               <a:rPr lang="zh-CN" altLang="en-US"/>
               <a:t>日生成搭桥成交单</a:t>
             </a:r>
-            <a:endParaRPr lang="zh-CN" altLang="en-US"/>
           </a:p>
           <a:p>
             <a:r>
@@ -5652,7 +5682,6 @@
               <a:rPr lang="zh-CN" altLang="en-US"/>
               <a:t>）</a:t>
             </a:r>
-            <a:endParaRPr lang="zh-CN" altLang="en-US"/>
           </a:p>
         </p:txBody>
       </p:sp>
@@ -5689,6 +5718,7 @@
           <a:bodyPr wrap="square" rtlCol="0">
             <a:spAutoFit/>
           </a:bodyPr>
+          <a:lstStyle/>
           <a:p>
             <a:r>
               <a:rPr lang="en-US" altLang="zh-CN"/>
@@ -5698,7 +5728,6 @@
               <a:rPr lang="zh-CN" altLang="en-US"/>
               <a:t>日分仓确认</a:t>
             </a:r>
-            <a:endParaRPr lang="zh-CN" altLang="en-US"/>
           </a:p>
         </p:txBody>
       </p:sp>
@@ -5837,12 +5866,12 @@
           <a:bodyPr wrap="square" rtlCol="0">
             <a:spAutoFit/>
           </a:bodyPr>
+          <a:lstStyle/>
           <a:p>
             <a:r>
               <a:rPr lang="zh-CN" altLang="en-US" sz="1600"/>
               <a:t>不需分仓</a:t>
             </a:r>
-            <a:endParaRPr lang="zh-CN" altLang="en-US" sz="1600"/>
           </a:p>
         </p:txBody>
       </p:sp>
@@ -5871,12 +5900,12 @@
           <a:bodyPr wrap="square" rtlCol="0">
             <a:spAutoFit/>
           </a:bodyPr>
+          <a:lstStyle/>
           <a:p>
             <a:r>
               <a:rPr lang="zh-CN" altLang="en-US" sz="1400"/>
               <a:t>需要分仓</a:t>
             </a:r>
-            <a:endParaRPr lang="zh-CN" altLang="en-US" sz="1400"/>
           </a:p>
         </p:txBody>
       </p:sp>
@@ -5905,6 +5934,7 @@
           <a:bodyPr wrap="square" rtlCol="0">
             <a:spAutoFit/>
           </a:bodyPr>
+          <a:lstStyle/>
           <a:p>
             <a:r>
               <a:rPr lang="en-US" altLang="zh-CN" sz="1400"/>
@@ -5914,7 +5944,6 @@
               <a:rPr lang="zh-CN" altLang="en-US" sz="1400"/>
               <a:t>搭桥</a:t>
             </a:r>
-            <a:endParaRPr lang="zh-CN" altLang="en-US" sz="1400"/>
           </a:p>
         </p:txBody>
       </p:sp>
@@ -5943,12 +5972,12 @@
           <a:bodyPr wrap="square" rtlCol="0">
             <a:spAutoFit/>
           </a:bodyPr>
+          <a:lstStyle/>
           <a:p>
             <a:r>
               <a:rPr lang="zh-CN" altLang="en-US" sz="1400"/>
               <a:t>搭桥意向</a:t>
             </a:r>
-            <a:endParaRPr lang="zh-CN" altLang="en-US" sz="1400"/>
           </a:p>
         </p:txBody>
       </p:sp>
@@ -5985,6 +6014,7 @@
           <a:bodyPr wrap="square" rtlCol="0">
             <a:spAutoFit/>
           </a:bodyPr>
+          <a:lstStyle/>
           <a:p>
             <a:r>
               <a:rPr lang="en-US" altLang="zh-CN"/>
@@ -5998,7 +6028,6 @@
               <a:rPr lang="zh-CN"/>
               <a:t>成交行情</a:t>
             </a:r>
-            <a:endParaRPr lang="zh-CN"/>
           </a:p>
         </p:txBody>
       </p:sp>
@@ -6116,6 +6145,7 @@
           <a:bodyPr wrap="square" rtlCol="0">
             <a:spAutoFit/>
           </a:bodyPr>
+          <a:lstStyle/>
           <a:p>
             <a:pPr marL="285750" indent="-285750">
               <a:buFont typeface="Arial" panose="020B0604020202020204" pitchFamily="34" charset="0"/>
@@ -6129,7 +6159,6 @@
               <a:rPr lang="zh-CN" altLang="en-US"/>
               <a:t>成交行情</a:t>
             </a:r>
-            <a:endParaRPr lang="zh-CN" altLang="en-US"/>
           </a:p>
           <a:p>
             <a:pPr marL="285750" indent="-285750">
@@ -6140,7 +6169,6 @@
               <a:rPr lang="zh-CN" altLang="en-US"/>
               <a:t>综合成交行情</a:t>
             </a:r>
-            <a:endParaRPr lang="zh-CN" altLang="en-US"/>
           </a:p>
           <a:p>
             <a:pPr marL="285750" indent="-285750">
@@ -6151,7 +6179,6 @@
               <a:rPr lang="zh-CN" altLang="en-US"/>
               <a:t>活跃券成交行情</a:t>
             </a:r>
-            <a:endParaRPr lang="zh-CN" altLang="en-US"/>
           </a:p>
         </p:txBody>
       </p:sp>
@@ -6194,6 +6221,7 @@
         </p:style>
         <p:txBody>
           <a:bodyPr rtlCol="0" anchor="ctr"/>
+          <a:lstStyle/>
           <a:p>
             <a:pPr algn="ctr"/>
             <a:endParaRPr lang="zh-CN" altLang="en-US"/>
@@ -6239,6 +6267,7 @@
           <a:bodyPr wrap="square" rtlCol="0">
             <a:spAutoFit/>
           </a:bodyPr>
+          <a:lstStyle/>
           <a:p>
             <a:r>
               <a:rPr lang="en-US" altLang="zh-CN"/>
@@ -6248,7 +6277,6 @@
               <a:rPr lang="zh-CN" altLang="en-US"/>
               <a:t>搭桥交易</a:t>
             </a:r>
-            <a:endParaRPr lang="zh-CN" altLang="en-US"/>
           </a:p>
           <a:p>
             <a:r>
@@ -6333,6 +6361,7 @@
           <a:bodyPr wrap="square" rtlCol="0">
             <a:spAutoFit/>
           </a:bodyPr>
+          <a:lstStyle/>
           <a:p>
             <a:r>
               <a:rPr lang="en-US" altLang="zh-CN"/>
@@ -6342,7 +6371,6 @@
               <a:rPr lang="zh-CN" altLang="en-US"/>
               <a:t>日 交易分仓</a:t>
             </a:r>
-            <a:endParaRPr lang="zh-CN" altLang="en-US"/>
           </a:p>
         </p:txBody>
       </p:sp>
@@ -6379,6 +6407,7 @@
           <a:bodyPr wrap="square" rtlCol="0">
             <a:spAutoFit/>
           </a:bodyPr>
+          <a:lstStyle/>
           <a:p>
             <a:r>
               <a:rPr lang="en-US" altLang="zh-CN"/>
@@ -6561,6 +6590,7 @@
           <a:bodyPr wrap="square" rtlCol="0">
             <a:spAutoFit/>
           </a:bodyPr>
+          <a:lstStyle/>
           <a:p>
             <a:r>
               <a:rPr lang="en-US" altLang="zh-CN" sz="1400"/>
@@ -6570,7 +6600,6 @@
               <a:rPr lang="zh-CN" altLang="en-US" sz="1400"/>
               <a:t>搭桥</a:t>
             </a:r>
-            <a:endParaRPr lang="zh-CN" altLang="en-US" sz="1400"/>
           </a:p>
         </p:txBody>
       </p:sp>
@@ -6599,12 +6628,12 @@
           <a:bodyPr wrap="square" rtlCol="0">
             <a:spAutoFit/>
           </a:bodyPr>
+          <a:lstStyle/>
           <a:p>
             <a:r>
               <a:rPr lang="zh-CN" altLang="en-US" sz="1400"/>
               <a:t>成交</a:t>
             </a:r>
-            <a:endParaRPr lang="zh-CN" altLang="en-US" sz="1400"/>
           </a:p>
         </p:txBody>
       </p:sp>
@@ -6633,6 +6662,7 @@
           <a:bodyPr wrap="square" rtlCol="0">
             <a:spAutoFit/>
           </a:bodyPr>
+          <a:lstStyle/>
           <a:p>
             <a:r>
               <a:rPr lang="en-US" altLang="zh-CN" sz="1400"/>
@@ -6642,7 +6672,6 @@
               <a:rPr lang="zh-CN" altLang="en-US" sz="1400"/>
               <a:t>意向</a:t>
             </a:r>
-            <a:endParaRPr lang="zh-CN" altLang="en-US" sz="1400"/>
           </a:p>
         </p:txBody>
       </p:sp>
@@ -6659,7 +6688,7 @@
   <p:cSld>
     <p:spTree>
       <p:nvGrpSpPr>
-        <p:cNvPr id="33" name=""/>
+        <p:cNvPr id="1" name=""/>
         <p:cNvGrpSpPr/>
         <p:nvPr/>
       </p:nvGrpSpPr>
@@ -6691,6 +6720,7 @@
           <a:bodyPr>
             <a:normAutofit fontScale="90000"/>
           </a:bodyPr>
+          <a:lstStyle/>
           <a:p>
             <a:r>
               <a:rPr>
@@ -6702,13 +6732,7 @@
               <a:rPr lang="en-US" altLang="zh-CN">
                 <a:sym typeface="+mn-ea"/>
               </a:rPr>
-              <a:t>2—X-Bond  </a:t>
-            </a:r>
-            <a:r>
-              <a:rPr lang="en-US" altLang="zh-CN">
-                <a:sym typeface="+mn-ea"/>
-              </a:rPr>
-              <a:t>T+0</a:t>
+              <a:t>2—X-Bond  T+0</a:t>
             </a:r>
             <a:r>
               <a:rPr>
@@ -6766,6 +6790,7 @@
           <a:bodyPr wrap="square" rtlCol="0">
             <a:spAutoFit/>
           </a:bodyPr>
+          <a:lstStyle/>
           <a:p>
             <a:r>
               <a:rPr lang="zh-CN" altLang="en-US" sz="1600" dirty="0"/>
@@ -6934,12 +6959,6 @@
               </a:rPr>
               <a:t>日成交行情</a:t>
             </a:r>
-            <a:endParaRPr lang="zh-CN" altLang="en-US" sz="1600" b="1" dirty="0">
-              <a:solidFill>
-                <a:srgbClr val="FF0000"/>
-              </a:solidFill>
-              <a:sym typeface="+mn-ea"/>
-            </a:endParaRPr>
           </a:p>
           <a:p>
             <a:pPr marL="342900" indent="-342900">
@@ -6993,9 +7012,6 @@
               </a:rPr>
               <a:t>日成交行情</a:t>
             </a:r>
-            <a:endParaRPr lang="zh-CN" altLang="en-US" sz="1600" b="1" dirty="0">
-              <a:sym typeface="+mn-ea"/>
-            </a:endParaRPr>
           </a:p>
           <a:p>
             <a:pPr marL="342900" indent="-342900">
@@ -7017,13 +7033,19 @@
               <a:rPr lang="en-US" altLang="zh-CN" sz="1600" b="1" dirty="0">
                 <a:sym typeface="+mn-ea"/>
               </a:rPr>
-              <a:t>C : </a:t>
+              <a:t>C : T+0</a:t>
+            </a:r>
+            <a:r>
+              <a:rPr lang="zh-CN" altLang="en-US" sz="1600" b="1" dirty="0">
+                <a:sym typeface="+mn-ea"/>
+              </a:rPr>
+              <a:t>、</a:t>
             </a:r>
             <a:r>
               <a:rPr lang="en-US" altLang="zh-CN" sz="1600" b="1" dirty="0">
                 <a:sym typeface="+mn-ea"/>
               </a:rPr>
-              <a:t>T+0</a:t>
+              <a:t>T+1</a:t>
             </a:r>
             <a:r>
               <a:rPr lang="zh-CN" altLang="en-US" sz="1600" b="1" dirty="0">
@@ -7035,49 +7057,49 @@
               <a:rPr lang="en-US" altLang="zh-CN" sz="1600" b="1" dirty="0">
                 <a:sym typeface="+mn-ea"/>
               </a:rPr>
-              <a:t>T+1</a:t>
+              <a:t>Tom+0</a:t>
             </a:r>
             <a:r>
               <a:rPr lang="zh-CN" altLang="en-US" sz="1600" b="1" dirty="0">
                 <a:sym typeface="+mn-ea"/>
               </a:rPr>
-              <a:t>、</a:t>
+              <a:t>的搭桥中，</a:t>
             </a:r>
             <a:r>
               <a:rPr lang="en-US" altLang="zh-CN" sz="1600" b="1" dirty="0">
                 <a:sym typeface="+mn-ea"/>
               </a:rPr>
-              <a:t>Tom+0</a:t>
+              <a:t>B</a:t>
             </a:r>
             <a:r>
               <a:rPr lang="zh-CN" altLang="en-US" sz="1600" b="1" dirty="0">
                 <a:sym typeface="+mn-ea"/>
               </a:rPr>
-              <a:t>的搭桥中，</a:t>
+              <a:t>与</a:t>
             </a:r>
             <a:r>
               <a:rPr lang="en-US" altLang="zh-CN" sz="1600" b="1" dirty="0">
                 <a:sym typeface="+mn-ea"/>
               </a:rPr>
-              <a:t>B</a:t>
+              <a:t>C</a:t>
             </a:r>
             <a:r>
               <a:rPr lang="zh-CN" altLang="en-US" sz="1600" b="1" dirty="0">
                 <a:sym typeface="+mn-ea"/>
               </a:rPr>
-              <a:t>与</a:t>
+              <a:t>的成交，都是</a:t>
             </a:r>
             <a:r>
               <a:rPr lang="en-US" altLang="zh-CN" sz="1600" b="1" dirty="0">
                 <a:sym typeface="+mn-ea"/>
               </a:rPr>
-              <a:t>C</a:t>
+              <a:t>T</a:t>
             </a:r>
             <a:r>
               <a:rPr lang="zh-CN" altLang="en-US" sz="1600" b="1" dirty="0">
                 <a:sym typeface="+mn-ea"/>
               </a:rPr>
-              <a:t>的成交，都是</a:t>
+              <a:t>日生成成交单，进入</a:t>
             </a:r>
             <a:r>
               <a:rPr lang="en-US" altLang="zh-CN" sz="1600" b="1" dirty="0">
@@ -7089,23 +7111,8 @@
               <a:rPr lang="zh-CN" altLang="en-US" sz="1600" b="1" dirty="0">
                 <a:sym typeface="+mn-ea"/>
               </a:rPr>
-              <a:t>日生成成交单，进入</a:t>
-            </a:r>
-            <a:r>
-              <a:rPr lang="en-US" altLang="zh-CN" sz="1600" b="1" dirty="0">
-                <a:sym typeface="+mn-ea"/>
-              </a:rPr>
-              <a:t>T</a:t>
-            </a:r>
-            <a:r>
-              <a:rPr lang="zh-CN" altLang="en-US" sz="1600" b="1" dirty="0">
-                <a:sym typeface="+mn-ea"/>
-              </a:rPr>
               <a:t>日成交行情</a:t>
             </a:r>
-            <a:endParaRPr lang="zh-CN" altLang="en-US" sz="1600" b="1" dirty="0">
-              <a:sym typeface="+mn-ea"/>
-            </a:endParaRPr>
           </a:p>
         </p:txBody>
       </p:sp>
@@ -7148,6 +7155,7 @@
           <a:bodyPr wrap="square" rtlCol="0">
             <a:spAutoFit/>
           </a:bodyPr>
+          <a:lstStyle/>
           <a:p>
             <a:r>
               <a:rPr lang="en-US" altLang="zh-CN"/>
@@ -7157,7 +7165,6 @@
               <a:rPr lang="zh-CN" altLang="en-US"/>
               <a:t>搭桥交易</a:t>
             </a:r>
-            <a:endParaRPr lang="zh-CN" altLang="en-US"/>
           </a:p>
           <a:p>
             <a:r>
@@ -7242,6 +7249,7 @@
           <a:bodyPr wrap="square" rtlCol="0">
             <a:spAutoFit/>
           </a:bodyPr>
+          <a:lstStyle/>
           <a:p>
             <a:r>
               <a:rPr lang="en-US" altLang="zh-CN"/>
@@ -7251,7 +7259,6 @@
               <a:rPr lang="zh-CN" altLang="en-US"/>
               <a:t>日搭桥成交意向</a:t>
             </a:r>
-            <a:endParaRPr lang="zh-CN" altLang="en-US"/>
           </a:p>
         </p:txBody>
       </p:sp>
@@ -7288,6 +7295,7 @@
           <a:bodyPr wrap="square" rtlCol="0">
             <a:spAutoFit/>
           </a:bodyPr>
+          <a:lstStyle/>
           <a:p>
             <a:r>
               <a:rPr lang="en-US" altLang="zh-CN"/>
@@ -7334,6 +7342,7 @@
           <a:bodyPr wrap="square" rtlCol="0">
             <a:spAutoFit/>
           </a:bodyPr>
+          <a:lstStyle/>
           <a:p>
             <a:r>
               <a:rPr lang="en-US" altLang="zh-CN"/>
@@ -7347,7 +7356,6 @@
               <a:rPr lang="zh-CN"/>
               <a:t>成交行情</a:t>
             </a:r>
-            <a:endParaRPr lang="zh-CN"/>
           </a:p>
         </p:txBody>
       </p:sp>
@@ -7544,6 +7552,7 @@
           <a:bodyPr wrap="square" rtlCol="0">
             <a:spAutoFit/>
           </a:bodyPr>
+          <a:lstStyle/>
           <a:p>
             <a:r>
               <a:rPr lang="en-US" altLang="zh-CN" sz="1400"/>
@@ -7561,7 +7570,6 @@
               <a:rPr lang="zh-CN" altLang="en-US" sz="1400"/>
               <a:t>搭桥</a:t>
             </a:r>
-            <a:endParaRPr lang="zh-CN" altLang="en-US" sz="1400"/>
           </a:p>
         </p:txBody>
       </p:sp>
@@ -7590,12 +7598,12 @@
           <a:bodyPr wrap="square" rtlCol="0">
             <a:spAutoFit/>
           </a:bodyPr>
+          <a:lstStyle/>
           <a:p>
             <a:r>
               <a:rPr lang="zh-CN" altLang="en-US" sz="1400"/>
               <a:t>成交</a:t>
             </a:r>
-            <a:endParaRPr lang="zh-CN" altLang="en-US" sz="1400"/>
           </a:p>
         </p:txBody>
       </p:sp>
@@ -7632,6 +7640,7 @@
           <a:bodyPr wrap="square" rtlCol="0">
             <a:spAutoFit/>
           </a:bodyPr>
+          <a:lstStyle/>
           <a:p>
             <a:r>
               <a:rPr lang="en-US" altLang="zh-CN"/>
@@ -7641,7 +7650,6 @@
               <a:rPr lang="zh-CN" altLang="en-US"/>
               <a:t>日搭桥分仓</a:t>
             </a:r>
-            <a:endParaRPr lang="zh-CN" altLang="en-US"/>
           </a:p>
         </p:txBody>
       </p:sp>
@@ -7670,12 +7678,12 @@
           <a:bodyPr wrap="square" rtlCol="0">
             <a:spAutoFit/>
           </a:bodyPr>
+          <a:lstStyle/>
           <a:p>
             <a:r>
               <a:rPr lang="zh-CN" altLang="en-US" sz="1400"/>
               <a:t>意向</a:t>
             </a:r>
-            <a:endParaRPr lang="zh-CN" altLang="en-US" sz="1400"/>
           </a:p>
         </p:txBody>
       </p:sp>
@@ -7718,6 +7726,7 @@
           <a:bodyPr wrap="square" rtlCol="0">
             <a:spAutoFit/>
           </a:bodyPr>
+          <a:lstStyle/>
           <a:p>
             <a:r>
               <a:rPr lang="en-US" altLang="zh-CN"/>
@@ -7727,7 +7736,6 @@
               <a:rPr lang="zh-CN" altLang="en-US"/>
               <a:t>搭桥交易</a:t>
             </a:r>
-            <a:endParaRPr lang="zh-CN" altLang="en-US"/>
           </a:p>
           <a:p>
             <a:r>
@@ -7812,6 +7820,7 @@
           <a:bodyPr wrap="square" rtlCol="0">
             <a:spAutoFit/>
           </a:bodyPr>
+          <a:lstStyle/>
           <a:p>
             <a:r>
               <a:rPr lang="en-US" altLang="zh-CN"/>
@@ -7821,7 +7830,6 @@
               <a:rPr lang="zh-CN" altLang="en-US"/>
               <a:t>日 交易分仓</a:t>
             </a:r>
-            <a:endParaRPr lang="zh-CN" altLang="en-US"/>
           </a:p>
         </p:txBody>
       </p:sp>
@@ -7858,6 +7866,7 @@
           <a:bodyPr wrap="square" rtlCol="0">
             <a:spAutoFit/>
           </a:bodyPr>
+          <a:lstStyle/>
           <a:p>
             <a:r>
               <a:rPr lang="en-US" altLang="zh-CN"/>
@@ -8004,6 +8013,7 @@
           <a:bodyPr wrap="square" rtlCol="0">
             <a:spAutoFit/>
           </a:bodyPr>
+          <a:lstStyle/>
           <a:p>
             <a:r>
               <a:rPr lang="en-US" altLang="zh-CN" sz="1400">
@@ -8058,12 +8068,12 @@
           <a:bodyPr wrap="square" rtlCol="0">
             <a:spAutoFit/>
           </a:bodyPr>
+          <a:lstStyle/>
           <a:p>
             <a:r>
               <a:rPr lang="zh-CN" altLang="en-US" sz="1400"/>
               <a:t>成交</a:t>
             </a:r>
-            <a:endParaRPr lang="zh-CN" altLang="en-US" sz="1400"/>
           </a:p>
         </p:txBody>
       </p:sp>
@@ -8092,6 +8102,7 @@
           <a:bodyPr wrap="square" rtlCol="0">
             <a:spAutoFit/>
           </a:bodyPr>
+          <a:lstStyle/>
           <a:p>
             <a:r>
               <a:rPr lang="en-US" altLang="zh-CN" sz="1400"/>
@@ -8101,7 +8112,6 @@
               <a:rPr lang="zh-CN" altLang="en-US" sz="1400"/>
               <a:t>意向</a:t>
             </a:r>
-            <a:endParaRPr lang="zh-CN" altLang="en-US" sz="1400"/>
           </a:p>
         </p:txBody>
       </p:sp>
@@ -8138,6 +8148,7 @@
           <a:bodyPr wrap="square" rtlCol="0">
             <a:spAutoFit/>
           </a:bodyPr>
+          <a:lstStyle/>
           <a:p>
             <a:pPr marL="285750" indent="-285750">
               <a:buFont typeface="Arial" panose="020B0604020202020204" pitchFamily="34" charset="0"/>
@@ -8151,7 +8162,6 @@
               <a:rPr lang="zh-CN" altLang="en-US"/>
               <a:t>成交行情</a:t>
             </a:r>
-            <a:endParaRPr lang="zh-CN" altLang="en-US"/>
           </a:p>
           <a:p>
             <a:pPr marL="285750" indent="-285750">
@@ -8162,7 +8172,6 @@
               <a:rPr lang="zh-CN" altLang="en-US"/>
               <a:t>综合成交行情</a:t>
             </a:r>
-            <a:endParaRPr lang="zh-CN" altLang="en-US"/>
           </a:p>
           <a:p>
             <a:pPr marL="285750" indent="-285750">
@@ -8173,7 +8182,6 @@
               <a:rPr lang="zh-CN" altLang="en-US"/>
               <a:t>活跃券成交行情</a:t>
             </a:r>
-            <a:endParaRPr lang="zh-CN" altLang="en-US"/>
           </a:p>
         </p:txBody>
       </p:sp>
@@ -8222,6 +8230,7 @@
         </p:style>
         <p:txBody>
           <a:bodyPr rtlCol="0" anchor="ctr"/>
+          <a:lstStyle/>
           <a:p>
             <a:pPr algn="ctr"/>
             <a:endParaRPr lang="zh-CN" altLang="en-US"/>
@@ -8277,7 +8286,7 @@
   <p:cSld>
     <p:spTree>
       <p:nvGrpSpPr>
-        <p:cNvPr id="36" name=""/>
+        <p:cNvPr id="1" name=""/>
         <p:cNvGrpSpPr/>
         <p:nvPr/>
       </p:nvGrpSpPr>
@@ -8309,6 +8318,7 @@
           <a:bodyPr>
             <a:normAutofit/>
           </a:bodyPr>
+          <a:lstStyle/>
           <a:p>
             <a:r>
               <a:rPr>
@@ -8320,13 +8330,7 @@
               <a:rPr lang="en-US" altLang="zh-CN">
                 <a:sym typeface="+mn-ea"/>
               </a:rPr>
-              <a:t>3</a:t>
-            </a:r>
-            <a:r>
-              <a:rPr lang="en-US" altLang="zh-CN">
-                <a:sym typeface="+mn-ea"/>
-              </a:rPr>
-              <a:t>—</a:t>
+              <a:t>3—</a:t>
             </a:r>
             <a:r>
               <a:rPr lang="en-US" altLang="zh-CN" dirty="0"/>
@@ -8336,7 +8340,6 @@
               <a:rPr lang="zh-CN" altLang="en-US" dirty="0"/>
               <a:t>桥额度</a:t>
             </a:r>
-            <a:endParaRPr lang="zh-CN" altLang="en-US" dirty="0"/>
           </a:p>
         </p:txBody>
       </p:sp>
@@ -8360,6 +8363,7 @@
           <a:bodyPr wrap="square" rtlCol="0">
             <a:spAutoFit/>
           </a:bodyPr>
+          <a:lstStyle/>
           <a:p>
             <a:r>
               <a:rPr lang="en-US" altLang="zh-CN" dirty="0">
@@ -8415,6 +8419,7 @@
         </p:style>
         <p:txBody>
           <a:bodyPr rtlCol="0" anchor="ctr"/>
+          <a:lstStyle/>
           <a:p>
             <a:pPr algn="ctr"/>
             <a:endParaRPr lang="zh-CN" altLang="en-US"/>
@@ -8459,6 +8464,7 @@
         </p:style>
         <p:txBody>
           <a:bodyPr rtlCol="0" anchor="ctr"/>
+          <a:lstStyle/>
           <a:p>
             <a:pPr algn="ctr"/>
             <a:endParaRPr lang="zh-CN" altLang="en-US"/>
@@ -8503,6 +8509,7 @@
         </p:style>
         <p:txBody>
           <a:bodyPr rtlCol="0" anchor="ctr"/>
+          <a:lstStyle/>
           <a:p>
             <a:pPr algn="ctr"/>
             <a:endParaRPr lang="zh-CN" altLang="en-US"/>
@@ -8529,6 +8536,7 @@
           <a:bodyPr wrap="square" rtlCol="0">
             <a:spAutoFit/>
           </a:bodyPr>
+          <a:lstStyle/>
           <a:p>
             <a:r>
               <a:rPr lang="en-US" altLang="zh-CN" sz="1600" dirty="0">
@@ -8566,6 +8574,7 @@
           <a:bodyPr wrap="square" rtlCol="0">
             <a:spAutoFit/>
           </a:bodyPr>
+          <a:lstStyle/>
           <a:p>
             <a:r>
               <a:rPr lang="en-US" altLang="zh-CN" sz="1600" dirty="0">
@@ -8603,6 +8612,7 @@
           <a:bodyPr wrap="square" rtlCol="0">
             <a:spAutoFit/>
           </a:bodyPr>
+          <a:lstStyle/>
           <a:p>
             <a:r>
               <a:rPr lang="zh-CN" altLang="en-US" sz="1000" dirty="0">
@@ -8648,6 +8658,7 @@
           <a:bodyPr wrap="square" rtlCol="0">
             <a:spAutoFit/>
           </a:bodyPr>
+          <a:lstStyle/>
           <a:p>
             <a:r>
               <a:rPr lang="zh-CN" altLang="en-US" sz="1000" dirty="0">
@@ -8693,6 +8704,7 @@
           <a:bodyPr wrap="square" rtlCol="0">
             <a:spAutoFit/>
           </a:bodyPr>
+          <a:lstStyle/>
           <a:p>
             <a:r>
               <a:rPr lang="zh-CN" altLang="en-US" sz="1000" dirty="0">
@@ -8738,6 +8750,7 @@
           <a:bodyPr wrap="square" rtlCol="0">
             <a:spAutoFit/>
           </a:bodyPr>
+          <a:lstStyle/>
           <a:p>
             <a:r>
               <a:rPr lang="zh-CN" altLang="en-US" sz="1000" dirty="0">
@@ -8783,6 +8796,7 @@
           <a:bodyPr wrap="square" rtlCol="0">
             <a:spAutoFit/>
           </a:bodyPr>
+          <a:lstStyle/>
           <a:p>
             <a:r>
               <a:rPr lang="en-US" altLang="zh-CN" sz="1600" dirty="0">
@@ -8852,6 +8866,7 @@
             <a:bodyPr rot="0" spcFirstLastPara="0" vertOverflow="overflow" horzOverflow="overflow" vert="horz" wrap="square" lIns="91440" tIns="45720" rIns="91440" bIns="45720" numCol="1" spcCol="0" rtlCol="0" fromWordArt="0" anchor="ctr" anchorCtr="0" forceAA="0" compatLnSpc="1">
               <a:noAutofit/>
             </a:bodyPr>
+            <a:lstStyle/>
             <a:p>
               <a:pPr algn="ctr">
                 <a:lnSpc>
@@ -8870,12 +8885,6 @@
                 </a:rPr>
                 <a:t>资管公司A</a:t>
               </a:r>
-              <a:endParaRPr lang="en-US" altLang="zh-CN" sz="1600" b="1" kern="100">
-                <a:latin typeface="仿宋_GB2312" panose="02010609030101010101" charset="-122"/>
-                <a:ea typeface="仿宋_GB2312" panose="02010609030101010101" charset="-122"/>
-                <a:cs typeface="Times New Roman" panose="02020603050405020304"/>
-                <a:sym typeface="Times New Roman" panose="02020603050405020304"/>
-              </a:endParaRPr>
             </a:p>
           </p:txBody>
         </p:sp>
@@ -8956,6 +8965,7 @@
             <a:bodyPr rot="0" spcFirstLastPara="0" vertOverflow="overflow" horzOverflow="overflow" vert="horz" wrap="square" lIns="91440" tIns="45720" rIns="91440" bIns="45720" numCol="1" spcCol="0" rtlCol="0" fromWordArt="0" anchor="ctr" anchorCtr="0" forceAA="0" compatLnSpc="1">
               <a:noAutofit/>
             </a:bodyPr>
+            <a:lstStyle/>
             <a:p>
               <a:pPr algn="ctr">
                 <a:lnSpc>
@@ -8977,15 +8987,6 @@
                 </a:rPr>
                 <a:t>桥机构B</a:t>
               </a:r>
-              <a:endParaRPr lang="en-US" altLang="zh-CN" b="1" kern="100">
-                <a:solidFill>
-                  <a:srgbClr val="000000"/>
-                </a:solidFill>
-                <a:latin typeface="Calibri" panose="020F0502020204030204"/>
-                <a:ea typeface="宋体" panose="02010600030101010101" pitchFamily="2" charset="-122"/>
-                <a:cs typeface="Times New Roman" panose="02020603050405020304"/>
-                <a:sym typeface="Times New Roman" panose="02020603050405020304"/>
-              </a:endParaRPr>
             </a:p>
           </p:txBody>
         </p:sp>
@@ -9030,6 +9031,7 @@
             <a:bodyPr rot="0" spcFirstLastPara="0" vertOverflow="overflow" horzOverflow="overflow" vert="horz" wrap="square" lIns="91440" tIns="45720" rIns="91440" bIns="45720" numCol="1" spcCol="0" rtlCol="0" fromWordArt="0" anchor="ctr" anchorCtr="0" forceAA="0" compatLnSpc="1">
               <a:noAutofit/>
             </a:bodyPr>
+            <a:lstStyle/>
             <a:p>
               <a:pPr lvl="0" algn="ctr">
                 <a:lnSpc>
@@ -9054,15 +9056,6 @@
                 </a:rPr>
                 <a:t>对手方C</a:t>
               </a:r>
-              <a:endParaRPr lang="en-US" altLang="zh-CN" sz="1600" b="1" kern="100">
-                <a:solidFill>
-                  <a:srgbClr val="000000"/>
-                </a:solidFill>
-                <a:latin typeface="Calibri" panose="020F0502020204030204"/>
-                <a:ea typeface="宋体" panose="02010600030101010101" pitchFamily="2" charset="-122"/>
-                <a:cs typeface="Times New Roman" panose="02020603050405020304"/>
-                <a:sym typeface="Times New Roman" panose="02020603050405020304"/>
-              </a:endParaRPr>
             </a:p>
           </p:txBody>
         </p:sp>
@@ -9137,6 +9130,7 @@
                 <a:tc rowSpan="2">
                   <a:txBody>
                     <a:bodyPr/>
+                    <a:lstStyle/>
                     <a:p>
                       <a:pPr>
                         <a:buNone/>
@@ -9156,6 +9150,7 @@
                 <a:tc gridSpan="9">
                   <a:txBody>
                     <a:bodyPr/>
+                    <a:lstStyle/>
                     <a:p>
                       <a:pPr algn="ctr">
                         <a:buNone/>
@@ -9168,7 +9163,6 @@
                         <a:rPr lang="zh-CN" altLang="en-US" sz="1800" b="1"/>
                         <a:t>日</a:t>
                       </a:r>
-                      <a:endParaRPr lang="zh-CN" altLang="en-US" sz="1800" b="1"/>
                     </a:p>
                   </a:txBody>
                   <a:tcPr>
@@ -9178,6 +9172,13 @@
                   </a:tcPr>
                 </a:tc>
                 <a:tc hMerge="1">
+                  <a:txBody>
+                    <a:bodyPr/>
+                    <a:lstStyle/>
+                    <a:p>
+                      <a:endParaRPr lang="zh-CN"/>
+                    </a:p>
+                  </a:txBody>
                   <a:tcPr>
                     <a:solidFill>
                       <a:schemeClr val="accent4"/>
@@ -9185,6 +9186,13 @@
                   </a:tcPr>
                 </a:tc>
                 <a:tc hMerge="1">
+                  <a:txBody>
+                    <a:bodyPr/>
+                    <a:lstStyle/>
+                    <a:p>
+                      <a:endParaRPr lang="zh-CN"/>
+                    </a:p>
+                  </a:txBody>
                   <a:tcPr>
                     <a:solidFill>
                       <a:schemeClr val="accent4"/>
@@ -9192,26 +9200,69 @@
                   </a:tcPr>
                 </a:tc>
                 <a:tc hMerge="1">
+                  <a:txBody>
+                    <a:bodyPr/>
+                    <a:lstStyle/>
+                    <a:p>
+                      <a:endParaRPr lang="zh-CN"/>
+                    </a:p>
+                  </a:txBody>
                   <a:tcPr/>
                 </a:tc>
                 <a:tc hMerge="1">
+                  <a:txBody>
+                    <a:bodyPr/>
+                    <a:lstStyle/>
+                    <a:p>
+                      <a:endParaRPr lang="zh-CN"/>
+                    </a:p>
+                  </a:txBody>
                   <a:tcPr/>
                 </a:tc>
                 <a:tc hMerge="1">
+                  <a:txBody>
+                    <a:bodyPr/>
+                    <a:lstStyle/>
+                    <a:p>
+                      <a:endParaRPr lang="zh-CN"/>
+                    </a:p>
+                  </a:txBody>
                   <a:tcPr/>
                 </a:tc>
                 <a:tc hMerge="1">
+                  <a:txBody>
+                    <a:bodyPr/>
+                    <a:lstStyle/>
+                    <a:p>
+                      <a:endParaRPr lang="zh-CN"/>
+                    </a:p>
+                  </a:txBody>
                   <a:tcPr/>
                 </a:tc>
                 <a:tc hMerge="1">
+                  <a:txBody>
+                    <a:bodyPr/>
+                    <a:lstStyle/>
+                    <a:p>
+                      <a:endParaRPr lang="zh-CN"/>
+                    </a:p>
+                  </a:txBody>
                   <a:tcPr/>
                 </a:tc>
                 <a:tc hMerge="1">
+                  <a:txBody>
+                    <a:bodyPr/>
+                    <a:lstStyle/>
+                    <a:p>
+                      <a:endParaRPr lang="zh-CN"/>
+                    </a:p>
+                  </a:txBody>
                   <a:tcPr/>
                 </a:tc>
                 <a:tc>
                   <a:txBody>
                     <a:bodyPr/>
+                    <a:lstStyle/>
                     <a:p>
                       <a:pPr algn="ctr">
                         <a:buNone/>
@@ -9224,7 +9275,6 @@
                         <a:rPr lang="zh-CN" altLang="en-US" sz="1800" b="1"/>
                         <a:t>日</a:t>
                       </a:r>
-                      <a:endParaRPr lang="zh-CN" altLang="en-US" sz="1800" b="1"/>
                     </a:p>
                   </a:txBody>
                   <a:tcPr>
@@ -9239,6 +9289,13 @@
               </a:tr>
               <a:tr h="274320">
                 <a:tc vMerge="1">
+                  <a:txBody>
+                    <a:bodyPr/>
+                    <a:lstStyle/>
+                    <a:p>
+                      <a:endParaRPr lang="zh-CN"/>
+                    </a:p>
+                  </a:txBody>
                   <a:tcPr>
                     <a:solidFill>
                       <a:schemeClr val="tx2">
@@ -9251,6 +9308,7 @@
                 <a:tc>
                   <a:txBody>
                     <a:bodyPr/>
+                    <a:lstStyle/>
                     <a:p>
                       <a:pPr>
                         <a:buNone/>
@@ -9267,6 +9325,7 @@
                 <a:tc gridSpan="3">
                   <a:txBody>
                     <a:bodyPr/>
+                    <a:lstStyle/>
                     <a:p>
                       <a:pPr algn="ctr">
                         <a:buNone/>
@@ -9275,7 +9334,6 @@
                         <a:rPr lang="zh-CN" altLang="en-US" sz="1200" b="1"/>
                         <a:t>搭桥前</a:t>
                       </a:r>
-                      <a:endParaRPr lang="zh-CN" altLang="en-US" sz="1200" b="1"/>
                     </a:p>
                   </a:txBody>
                   <a:tcPr>
@@ -9285,6 +9343,13 @@
                   </a:tcPr>
                 </a:tc>
                 <a:tc hMerge="1">
+                  <a:txBody>
+                    <a:bodyPr/>
+                    <a:lstStyle/>
+                    <a:p>
+                      <a:endParaRPr lang="zh-CN"/>
+                    </a:p>
+                  </a:txBody>
                   <a:tcPr>
                     <a:solidFill>
                       <a:schemeClr val="accent2"/>
@@ -9292,6 +9357,13 @@
                   </a:tcPr>
                 </a:tc>
                 <a:tc hMerge="1">
+                  <a:txBody>
+                    <a:bodyPr/>
+                    <a:lstStyle/>
+                    <a:p>
+                      <a:endParaRPr lang="zh-CN"/>
+                    </a:p>
+                  </a:txBody>
                   <a:tcPr>
                     <a:solidFill>
                       <a:schemeClr val="accent2"/>
@@ -9301,6 +9373,7 @@
                 <a:tc gridSpan="3">
                   <a:txBody>
                     <a:bodyPr/>
+                    <a:lstStyle/>
                     <a:p>
                       <a:pPr algn="ctr">
                         <a:buNone/>
@@ -9309,7 +9382,6 @@
                         <a:rPr lang="zh-CN" altLang="en-US" sz="1200" b="1"/>
                         <a:t>搭桥</a:t>
                       </a:r>
-                      <a:endParaRPr lang="zh-CN" altLang="en-US" sz="1200" b="1"/>
                     </a:p>
                   </a:txBody>
                   <a:tcPr>
@@ -9319,14 +9391,29 @@
                   </a:tcPr>
                 </a:tc>
                 <a:tc hMerge="1">
+                  <a:txBody>
+                    <a:bodyPr/>
+                    <a:lstStyle/>
+                    <a:p>
+                      <a:endParaRPr lang="zh-CN"/>
+                    </a:p>
+                  </a:txBody>
                   <a:tcPr/>
                 </a:tc>
                 <a:tc hMerge="1">
+                  <a:txBody>
+                    <a:bodyPr/>
+                    <a:lstStyle/>
+                    <a:p>
+                      <a:endParaRPr lang="zh-CN"/>
+                    </a:p>
+                  </a:txBody>
                   <a:tcPr/>
                 </a:tc>
                 <a:tc gridSpan="2">
                   <a:txBody>
                     <a:bodyPr/>
+                    <a:lstStyle/>
                     <a:p>
                       <a:pPr algn="ctr">
                         <a:buNone/>
@@ -9335,7 +9422,6 @@
                         <a:rPr lang="zh-CN" altLang="en-US" sz="1200" b="1"/>
                         <a:t>搭桥后</a:t>
                       </a:r>
-                      <a:endParaRPr lang="zh-CN" altLang="en-US" sz="1200" b="1"/>
                     </a:p>
                   </a:txBody>
                   <a:tcPr>
@@ -9345,11 +9431,19 @@
                   </a:tcPr>
                 </a:tc>
                 <a:tc hMerge="1">
+                  <a:txBody>
+                    <a:bodyPr/>
+                    <a:lstStyle/>
+                    <a:p>
+                      <a:endParaRPr lang="zh-CN"/>
+                    </a:p>
+                  </a:txBody>
                   <a:tcPr/>
                 </a:tc>
                 <a:tc>
                   <a:txBody>
                     <a:bodyPr/>
+                    <a:lstStyle/>
                     <a:p>
                       <a:pPr>
                         <a:buNone/>
@@ -9377,6 +9471,7 @@
                 <a:tc>
                   <a:txBody>
                     <a:bodyPr/>
+                    <a:lstStyle/>
                     <a:p>
                       <a:pPr>
                         <a:buNone/>
@@ -9385,7 +9480,6 @@
                         <a:rPr lang="zh-CN" altLang="en-US" sz="1200"/>
                         <a:t>场景举例</a:t>
                       </a:r>
-                      <a:endParaRPr lang="zh-CN" altLang="en-US" sz="1200"/>
                     </a:p>
                   </a:txBody>
                   <a:tcPr>
@@ -9400,6 +9494,7 @@
                 <a:tc>
                   <a:txBody>
                     <a:bodyPr/>
+                    <a:lstStyle/>
                     <a:p>
                       <a:pPr>
                         <a:buNone/>
@@ -9411,6 +9506,37 @@
                       <a:r>
                         <a:rPr lang="zh-CN" altLang="en-US" sz="1200" b="1"/>
                         <a:t>的订单</a:t>
+                      </a:r>
+                    </a:p>
+                  </a:txBody>
+                  <a:tcPr>
+                    <a:solidFill>
+                      <a:schemeClr val="accent3">
+                        <a:lumMod val="40000"/>
+                        <a:lumOff val="60000"/>
+                      </a:schemeClr>
+                    </a:solidFill>
+                  </a:tcPr>
+                </a:tc>
+                <a:tc>
+                  <a:txBody>
+                    <a:bodyPr/>
+                    <a:lstStyle/>
+                    <a:p>
+                      <a:pPr>
+                        <a:buNone/>
+                      </a:pPr>
+                      <a:r>
+                        <a:rPr lang="en-US" altLang="zh-CN" sz="1200" b="1">
+                          <a:sym typeface="+mn-ea"/>
+                        </a:rPr>
+                        <a:t>B  </a:t>
+                      </a:r>
+                      <a:r>
+                        <a:rPr lang="zh-CN" altLang="en-US" sz="1200" b="1">
+                          <a:sym typeface="+mn-ea"/>
+                        </a:rPr>
+                        <a:t>桥总额度</a:t>
                       </a:r>
                       <a:endParaRPr lang="zh-CN" altLang="en-US" sz="1200" b="1"/>
                     </a:p>
@@ -9427,37 +9553,7 @@
                 <a:tc>
                   <a:txBody>
                     <a:bodyPr/>
-                    <a:p>
-                      <a:pPr>
-                        <a:buNone/>
-                      </a:pPr>
-                      <a:r>
-                        <a:rPr lang="en-US" altLang="zh-CN" sz="1200" b="1">
-                          <a:sym typeface="+mn-ea"/>
-                        </a:rPr>
-                        <a:t>B  </a:t>
-                      </a:r>
-                      <a:r>
-                        <a:rPr lang="zh-CN" altLang="en-US" sz="1200" b="1">
-                          <a:sym typeface="+mn-ea"/>
-                        </a:rPr>
-                        <a:t>桥总额度</a:t>
-                      </a:r>
-                      <a:endParaRPr lang="zh-CN" altLang="en-US" sz="1200" b="1"/>
-                    </a:p>
-                  </a:txBody>
-                  <a:tcPr>
-                    <a:solidFill>
-                      <a:schemeClr val="accent3">
-                        <a:lumMod val="40000"/>
-                        <a:lumOff val="60000"/>
-                      </a:schemeClr>
-                    </a:solidFill>
-                  </a:tcPr>
-                </a:tc>
-                <a:tc>
-                  <a:txBody>
-                    <a:bodyPr/>
+                    <a:lstStyle/>
                     <a:p>
                       <a:pPr>
                         <a:buNone/>
@@ -9499,6 +9595,7 @@
                 <a:tc>
                   <a:txBody>
                     <a:bodyPr/>
+                    <a:lstStyle/>
                     <a:p>
                       <a:pPr>
                         <a:buNone/>
@@ -9519,11 +9616,6 @@
                         </a:rPr>
                         <a:t>的单笔交易限额</a:t>
                       </a:r>
-                      <a:endParaRPr lang="zh-CN" altLang="en-US" sz="1200" b="1">
-                        <a:solidFill>
-                          <a:srgbClr val="FF0000"/>
-                        </a:solidFill>
-                      </a:endParaRPr>
                     </a:p>
                   </a:txBody>
                   <a:tcPr>
@@ -9538,6 +9630,7 @@
                 <a:tc>
                   <a:txBody>
                     <a:bodyPr/>
+                    <a:lstStyle/>
                     <a:p>
                       <a:pPr>
                         <a:buNone/>
@@ -9545,6 +9638,64 @@
                       <a:r>
                         <a:rPr lang="zh-CN" altLang="en-US" sz="1200"/>
                         <a:t>搭桥</a:t>
+                      </a:r>
+                    </a:p>
+                  </a:txBody>
+                  <a:tcPr>
+                    <a:solidFill>
+                      <a:schemeClr val="accent3">
+                        <a:lumMod val="40000"/>
+                        <a:lumOff val="60000"/>
+                      </a:schemeClr>
+                    </a:solidFill>
+                  </a:tcPr>
+                </a:tc>
+                <a:tc>
+                  <a:txBody>
+                    <a:bodyPr/>
+                    <a:lstStyle/>
+                    <a:p>
+                      <a:pPr>
+                        <a:buNone/>
+                      </a:pPr>
+                      <a:r>
+                        <a:rPr lang="zh-CN" sz="1200"/>
+                        <a:t>成交 </a:t>
+                      </a:r>
+                      <a:r>
+                        <a:rPr lang="en-US" altLang="zh-CN" sz="1200"/>
+                        <a:t>A*B</a:t>
+                      </a:r>
+                    </a:p>
+                  </a:txBody>
+                  <a:tcPr>
+                    <a:solidFill>
+                      <a:schemeClr val="accent3">
+                        <a:lumMod val="40000"/>
+                        <a:lumOff val="60000"/>
+                      </a:schemeClr>
+                    </a:solidFill>
+                  </a:tcPr>
+                </a:tc>
+                <a:tc>
+                  <a:txBody>
+                    <a:bodyPr/>
+                    <a:lstStyle/>
+                    <a:p>
+                      <a:pPr>
+                        <a:buNone/>
+                      </a:pPr>
+                      <a:r>
+                        <a:rPr lang="zh-CN" sz="1200">
+                          <a:sym typeface="+mn-ea"/>
+                        </a:rPr>
+                        <a:t>成交 </a:t>
+                      </a:r>
+                      <a:r>
+                        <a:rPr lang="en-US" altLang="zh-CN" sz="1200">
+                          <a:sym typeface="+mn-ea"/>
+                        </a:rPr>
+                        <a:t>B*C</a:t>
                       </a:r>
                       <a:endParaRPr lang="zh-CN" altLang="en-US" sz="1200"/>
                     </a:p>
@@ -9561,70 +9712,7 @@
                 <a:tc>
                   <a:txBody>
                     <a:bodyPr/>
-                    <a:p>
-                      <a:pPr>
-                        <a:buNone/>
-                      </a:pPr>
-                      <a:r>
-                        <a:rPr lang="zh-CN" sz="1200"/>
-                        <a:t>成交 </a:t>
-                      </a:r>
-                      <a:r>
-                        <a:rPr lang="en-US" altLang="zh-CN" sz="1200"/>
-                        <a:t>A*B</a:t>
-                      </a:r>
-                      <a:endParaRPr lang="en-US" altLang="zh-CN" sz="1200"/>
-                    </a:p>
-                  </a:txBody>
-                  <a:tcPr>
-                    <a:solidFill>
-                      <a:schemeClr val="accent3">
-                        <a:lumMod val="40000"/>
-                        <a:lumOff val="60000"/>
-                      </a:schemeClr>
-                    </a:solidFill>
-                  </a:tcPr>
-                </a:tc>
-                <a:tc>
-                  <a:txBody>
-                    <a:bodyPr/>
-                    <a:p>
-                      <a:pPr>
-                        <a:buNone/>
-                      </a:pPr>
-                      <a:r>
-                        <a:rPr lang="zh-CN" sz="1200">
-                          <a:sym typeface="+mn-ea"/>
-                        </a:rPr>
-                        <a:t>成交 </a:t>
-                      </a:r>
-                      <a:r>
-                        <a:rPr lang="en-US" altLang="zh-CN" sz="1200">
-                          <a:sym typeface="+mn-ea"/>
-                        </a:rPr>
-                        <a:t>B</a:t>
-                      </a:r>
-                      <a:r>
-                        <a:rPr lang="en-US" altLang="zh-CN" sz="1200">
-                          <a:sym typeface="+mn-ea"/>
-                        </a:rPr>
-                        <a:t>*C</a:t>
-                      </a:r>
-                      <a:endParaRPr lang="zh-CN" altLang="en-US" sz="1200"/>
-                    </a:p>
-                  </a:txBody>
-                  <a:tcPr>
-                    <a:solidFill>
-                      <a:schemeClr val="accent3">
-                        <a:lumMod val="40000"/>
-                        <a:lumOff val="60000"/>
-                      </a:schemeClr>
-                    </a:solidFill>
-                  </a:tcPr>
-                </a:tc>
-                <a:tc>
-                  <a:txBody>
-                    <a:bodyPr/>
+                    <a:lstStyle/>
                     <a:p>
                       <a:pPr>
                         <a:buNone/>
@@ -9656,6 +9744,7 @@
                 <a:tc>
                   <a:txBody>
                     <a:bodyPr/>
+                    <a:lstStyle/>
                     <a:p>
                       <a:pPr>
                         <a:buNone/>
@@ -9687,6 +9776,7 @@
                 <a:tc>
                   <a:txBody>
                     <a:bodyPr/>
+                    <a:lstStyle/>
                     <a:p>
                       <a:pPr>
                         <a:buNone/>
@@ -9732,6 +9822,7 @@
                 <a:tc>
                   <a:txBody>
                     <a:bodyPr/>
+                    <a:lstStyle/>
                     <a:p>
                       <a:pPr>
                         <a:buNone/>
@@ -9740,7 +9831,6 @@
                         <a:rPr lang="en-US" altLang="zh-CN" sz="1400"/>
                         <a:t>1</a:t>
                       </a:r>
-                      <a:endParaRPr lang="en-US" altLang="zh-CN" sz="1400"/>
                     </a:p>
                   </a:txBody>
                   <a:tcPr/>
@@ -9748,6 +9838,7 @@
                 <a:tc>
                   <a:txBody>
                     <a:bodyPr/>
+                    <a:lstStyle/>
                     <a:p>
                       <a:pPr>
                         <a:buNone/>
@@ -9756,7 +9847,6 @@
                         <a:rPr lang="en-US" altLang="zh-CN" sz="1400"/>
                         <a:t>10亿</a:t>
                       </a:r>
-                      <a:endParaRPr lang="en-US" altLang="zh-CN" sz="1400"/>
                     </a:p>
                   </a:txBody>
                   <a:tcPr/>
@@ -9764,6 +9854,7 @@
                 <a:tc>
                   <a:txBody>
                     <a:bodyPr/>
+                    <a:lstStyle/>
                     <a:p>
                       <a:pPr>
                         <a:buNone/>
@@ -9776,7 +9867,6 @@
                         <a:rPr lang="zh-CN" altLang="en-US" sz="1400"/>
                         <a:t>亿</a:t>
                       </a:r>
-                      <a:endParaRPr lang="zh-CN" altLang="en-US" sz="1400"/>
                     </a:p>
                   </a:txBody>
                   <a:tcPr/>
@@ -9784,6 +9874,7 @@
                 <a:tc>
                   <a:txBody>
                     <a:bodyPr/>
+                    <a:lstStyle/>
                     <a:p>
                       <a:pPr>
                         <a:buNone/>
@@ -9804,11 +9895,6 @@
                         </a:rPr>
                         <a:t>亿</a:t>
                       </a:r>
-                      <a:endParaRPr lang="zh-CN" altLang="en-US" sz="1400">
-                        <a:solidFill>
-                          <a:srgbClr val="FF0000"/>
-                        </a:solidFill>
-                      </a:endParaRPr>
                     </a:p>
                   </a:txBody>
                   <a:tcPr/>
@@ -9816,6 +9902,7 @@
                 <a:tc>
                   <a:txBody>
                     <a:bodyPr/>
+                    <a:lstStyle/>
                     <a:p>
                       <a:pPr>
                         <a:buNone/>
@@ -9828,11 +9915,6 @@
                         </a:rPr>
                         <a:t>10亿</a:t>
                       </a:r>
-                      <a:endParaRPr lang="en-US" altLang="zh-CN" sz="1400">
-                        <a:solidFill>
-                          <a:srgbClr val="FF0000"/>
-                        </a:solidFill>
-                      </a:endParaRPr>
                     </a:p>
                   </a:txBody>
                   <a:tcPr/>
@@ -9840,6 +9922,7 @@
                 <a:tc>
                   <a:txBody>
                     <a:bodyPr/>
+                    <a:lstStyle/>
                     <a:p>
                       <a:pPr>
                         <a:buNone/>
@@ -9852,7 +9935,6 @@
                         <a:rPr lang="zh-CN" altLang="en-US" sz="1400"/>
                         <a:t>亿</a:t>
                       </a:r>
-                      <a:endParaRPr lang="zh-CN" altLang="en-US" sz="1400"/>
                     </a:p>
                   </a:txBody>
                   <a:tcPr/>
@@ -9860,6 +9942,7 @@
                 <a:tc>
                   <a:txBody>
                     <a:bodyPr/>
+                    <a:lstStyle/>
                     <a:p>
                       <a:pPr>
                         <a:buNone/>
@@ -9876,9 +9959,6 @@
                         </a:rPr>
                         <a:t>亿</a:t>
                       </a:r>
-                      <a:endParaRPr lang="zh-CN" altLang="en-US" sz="1400">
-                        <a:sym typeface="+mn-ea"/>
-                      </a:endParaRPr>
                     </a:p>
                   </a:txBody>
                   <a:tcPr/>
@@ -9886,6 +9966,7 @@
                 <a:tc>
                   <a:txBody>
                     <a:bodyPr/>
+                    <a:lstStyle/>
                     <a:p>
                       <a:pPr>
                         <a:buNone/>
@@ -9902,9 +9983,6 @@
                         </a:rPr>
                         <a:t>亿</a:t>
                       </a:r>
-                      <a:endParaRPr lang="zh-CN" altLang="en-US" sz="1400">
-                        <a:sym typeface="+mn-ea"/>
-                      </a:endParaRPr>
                     </a:p>
                   </a:txBody>
                   <a:tcPr/>
@@ -9912,6 +9990,7 @@
                 <a:tc>
                   <a:txBody>
                     <a:bodyPr/>
+                    <a:lstStyle/>
                     <a:p>
                       <a:pPr>
                         <a:buNone/>
@@ -9924,7 +10003,6 @@
                         <a:rPr lang="zh-CN" altLang="en-US" sz="1400"/>
                         <a:t>亿</a:t>
                       </a:r>
-                      <a:endParaRPr lang="zh-CN" altLang="en-US" sz="1400"/>
                     </a:p>
                   </a:txBody>
                   <a:tcPr/>
@@ -9932,6 +10010,7 @@
                 <a:tc>
                   <a:txBody>
                     <a:bodyPr/>
+                    <a:lstStyle/>
                     <a:p>
                       <a:pPr>
                         <a:buNone/>
@@ -9944,7 +10023,6 @@
                         <a:rPr lang="zh-CN" altLang="en-US" sz="1400"/>
                         <a:t>亿</a:t>
                       </a:r>
-                      <a:endParaRPr lang="zh-CN" altLang="en-US" sz="1400"/>
                     </a:p>
                   </a:txBody>
                   <a:tcPr/>
@@ -9952,6 +10030,7 @@
                 <a:tc>
                   <a:txBody>
                     <a:bodyPr/>
+                    <a:lstStyle/>
                     <a:p>
                       <a:pPr>
                         <a:buNone/>
@@ -9964,7 +10043,6 @@
                         <a:rPr lang="zh-CN" altLang="en-US" sz="1400"/>
                         <a:t>亿</a:t>
                       </a:r>
-                      <a:endParaRPr lang="zh-CN" altLang="en-US" sz="1400"/>
                     </a:p>
                   </a:txBody>
                   <a:tcPr>
@@ -9981,6 +10059,7 @@
                 <a:tc>
                   <a:txBody>
                     <a:bodyPr/>
+                    <a:lstStyle/>
                     <a:p>
                       <a:pPr>
                         <a:buNone/>
@@ -9989,7 +10068,6 @@
                         <a:rPr lang="en-US" altLang="zh-CN" sz="1400"/>
                         <a:t>2</a:t>
                       </a:r>
-                      <a:endParaRPr lang="en-US" altLang="zh-CN" sz="1400"/>
                     </a:p>
                   </a:txBody>
                   <a:tcPr/>
@@ -9997,6 +10075,7 @@
                 <a:tc>
                   <a:txBody>
                     <a:bodyPr/>
+                    <a:lstStyle/>
                     <a:p>
                       <a:pPr>
                         <a:buNone/>
@@ -10005,7 +10084,6 @@
                         <a:rPr lang="en-US" altLang="zh-CN" sz="1400"/>
                         <a:t>10亿</a:t>
                       </a:r>
-                      <a:endParaRPr lang="en-US" altLang="zh-CN" sz="1400"/>
                     </a:p>
                   </a:txBody>
                   <a:tcPr/>
@@ -10013,6 +10091,7 @@
                 <a:tc>
                   <a:txBody>
                     <a:bodyPr/>
+                    <a:lstStyle/>
                     <a:p>
                       <a:pPr>
                         <a:buNone/>
@@ -10025,7 +10104,6 @@
                         <a:rPr lang="zh-CN" altLang="en-US" sz="1400"/>
                         <a:t>亿</a:t>
                       </a:r>
-                      <a:endParaRPr lang="zh-CN" altLang="en-US" sz="1400"/>
                     </a:p>
                   </a:txBody>
                   <a:tcPr/>
@@ -10033,6 +10111,7 @@
                 <a:tc>
                   <a:txBody>
                     <a:bodyPr/>
+                    <a:lstStyle/>
                     <a:p>
                       <a:pPr>
                         <a:buNone/>
@@ -10053,11 +10132,6 @@
                         </a:rPr>
                         <a:t>亿</a:t>
                       </a:r>
-                      <a:endParaRPr lang="zh-CN" altLang="en-US" sz="1400">
-                        <a:solidFill>
-                          <a:srgbClr val="FF0000"/>
-                        </a:solidFill>
-                      </a:endParaRPr>
                     </a:p>
                   </a:txBody>
                   <a:tcPr/>
@@ -10065,6 +10139,7 @@
                 <a:tc>
                   <a:txBody>
                     <a:bodyPr/>
+                    <a:lstStyle/>
                     <a:p>
                       <a:pPr>
                         <a:buNone/>
@@ -10077,11 +10152,6 @@
                         </a:rPr>
                         <a:t>5亿</a:t>
                       </a:r>
-                      <a:endParaRPr lang="en-US" altLang="zh-CN" sz="1400">
-                        <a:solidFill>
-                          <a:srgbClr val="FF0000"/>
-                        </a:solidFill>
-                      </a:endParaRPr>
                     </a:p>
                   </a:txBody>
                   <a:tcPr/>
@@ -10089,6 +10159,7 @@
                 <a:tc>
                   <a:txBody>
                     <a:bodyPr/>
+                    <a:lstStyle/>
                     <a:p>
                       <a:pPr>
                         <a:buNone/>
@@ -10101,7 +10172,6 @@
                         <a:rPr lang="zh-CN" altLang="en-US" sz="1400"/>
                         <a:t>亿</a:t>
                       </a:r>
-                      <a:endParaRPr lang="zh-CN" altLang="en-US" sz="1400"/>
                     </a:p>
                   </a:txBody>
                   <a:tcPr/>
@@ -10109,6 +10179,7 @@
                 <a:tc>
                   <a:txBody>
                     <a:bodyPr/>
+                    <a:lstStyle/>
                     <a:p>
                       <a:pPr>
                         <a:buNone/>
@@ -10125,9 +10196,6 @@
                         </a:rPr>
                         <a:t>亿</a:t>
                       </a:r>
-                      <a:endParaRPr lang="zh-CN" altLang="en-US" sz="1400">
-                        <a:sym typeface="+mn-ea"/>
-                      </a:endParaRPr>
                     </a:p>
                   </a:txBody>
                   <a:tcPr/>
@@ -10135,6 +10203,7 @@
                 <a:tc>
                   <a:txBody>
                     <a:bodyPr/>
+                    <a:lstStyle/>
                     <a:p>
                       <a:pPr>
                         <a:buNone/>
@@ -10151,9 +10220,6 @@
                         </a:rPr>
                         <a:t>亿</a:t>
                       </a:r>
-                      <a:endParaRPr lang="zh-CN" altLang="en-US" sz="1400">
-                        <a:sym typeface="+mn-ea"/>
-                      </a:endParaRPr>
                     </a:p>
                   </a:txBody>
                   <a:tcPr/>
@@ -10161,6 +10227,7 @@
                 <a:tc>
                   <a:txBody>
                     <a:bodyPr/>
+                    <a:lstStyle/>
                     <a:p>
                       <a:pPr>
                         <a:buNone/>
@@ -10173,7 +10240,6 @@
                         <a:rPr lang="zh-CN" altLang="en-US" sz="1400"/>
                         <a:t>亿</a:t>
                       </a:r>
-                      <a:endParaRPr lang="zh-CN" altLang="en-US" sz="1400"/>
                     </a:p>
                   </a:txBody>
                   <a:tcPr/>
@@ -10181,6 +10247,7 @@
                 <a:tc>
                   <a:txBody>
                     <a:bodyPr/>
+                    <a:lstStyle/>
                     <a:p>
                       <a:pPr>
                         <a:buNone/>
@@ -10193,7 +10260,6 @@
                         <a:rPr lang="zh-CN" altLang="en-US" sz="1400"/>
                         <a:t>亿</a:t>
                       </a:r>
-                      <a:endParaRPr lang="zh-CN" altLang="en-US" sz="1400"/>
                     </a:p>
                   </a:txBody>
                   <a:tcPr/>
@@ -10201,6 +10267,7 @@
                 <a:tc>
                   <a:txBody>
                     <a:bodyPr/>
+                    <a:lstStyle/>
                     <a:p>
                       <a:pPr>
                         <a:buNone/>
@@ -10213,7 +10280,6 @@
                         <a:rPr lang="zh-CN" altLang="en-US" sz="1400"/>
                         <a:t>亿</a:t>
                       </a:r>
-                      <a:endParaRPr lang="zh-CN" altLang="en-US" sz="1400"/>
                     </a:p>
                   </a:txBody>
                   <a:tcPr>
@@ -10230,6 +10296,7 @@
                 <a:tc>
                   <a:txBody>
                     <a:bodyPr/>
+                    <a:lstStyle/>
                     <a:p>
                       <a:pPr>
                         <a:buNone/>
@@ -10238,7 +10305,6 @@
                         <a:rPr lang="en-US" altLang="zh-CN" sz="1400"/>
                         <a:t>3</a:t>
                       </a:r>
-                      <a:endParaRPr lang="en-US" altLang="zh-CN" sz="1400"/>
                     </a:p>
                   </a:txBody>
                   <a:tcPr/>
@@ -10246,6 +10312,7 @@
                 <a:tc>
                   <a:txBody>
                     <a:bodyPr/>
+                    <a:lstStyle/>
                     <a:p>
                       <a:pPr>
                         <a:buNone/>
@@ -10254,7 +10321,6 @@
                         <a:rPr lang="en-US" altLang="zh-CN" sz="1400"/>
                         <a:t>10亿</a:t>
                       </a:r>
-                      <a:endParaRPr lang="en-US" altLang="zh-CN" sz="1400"/>
                     </a:p>
                   </a:txBody>
                   <a:tcPr/>
@@ -10262,6 +10328,7 @@
                 <a:tc>
                   <a:txBody>
                     <a:bodyPr/>
+                    <a:lstStyle/>
                     <a:p>
                       <a:pPr>
                         <a:buNone/>
@@ -10274,7 +10341,6 @@
                         <a:rPr lang="zh-CN" altLang="en-US" sz="1400"/>
                         <a:t>亿</a:t>
                       </a:r>
-                      <a:endParaRPr lang="zh-CN" altLang="en-US" sz="1400"/>
                     </a:p>
                   </a:txBody>
                   <a:tcPr/>
@@ -10282,6 +10348,7 @@
                 <a:tc>
                   <a:txBody>
                     <a:bodyPr/>
+                    <a:lstStyle/>
                     <a:p>
                       <a:pPr>
                         <a:buNone/>
@@ -10302,11 +10369,6 @@
                         </a:rPr>
                         <a:t>亿</a:t>
                       </a:r>
-                      <a:endParaRPr lang="zh-CN" altLang="en-US" sz="1400">
-                        <a:solidFill>
-                          <a:srgbClr val="FF0000"/>
-                        </a:solidFill>
-                      </a:endParaRPr>
                     </a:p>
                   </a:txBody>
                   <a:tcPr/>
@@ -10314,6 +10376,7 @@
                 <a:tc>
                   <a:txBody>
                     <a:bodyPr/>
+                    <a:lstStyle/>
                     <a:p>
                       <a:pPr>
                         <a:buNone/>
@@ -10326,11 +10389,6 @@
                         </a:rPr>
                         <a:t>20亿</a:t>
                       </a:r>
-                      <a:endParaRPr lang="en-US" altLang="zh-CN" sz="1400">
-                        <a:solidFill>
-                          <a:srgbClr val="FF0000"/>
-                        </a:solidFill>
-                      </a:endParaRPr>
                     </a:p>
                   </a:txBody>
                   <a:tcPr/>
@@ -10338,6 +10396,7 @@
                 <a:tc>
                   <a:txBody>
                     <a:bodyPr/>
+                    <a:lstStyle/>
                     <a:p>
                       <a:pPr>
                         <a:buNone/>
@@ -10350,7 +10409,6 @@
                         <a:rPr lang="zh-CN" altLang="en-US" sz="1400"/>
                         <a:t>亿</a:t>
                       </a:r>
-                      <a:endParaRPr lang="zh-CN" altLang="en-US" sz="1400"/>
                     </a:p>
                   </a:txBody>
                   <a:tcPr/>
@@ -10358,6 +10416,7 @@
                 <a:tc>
                   <a:txBody>
                     <a:bodyPr/>
+                    <a:lstStyle/>
                     <a:p>
                       <a:pPr>
                         <a:buNone/>
@@ -10374,9 +10433,6 @@
                         </a:rPr>
                         <a:t>亿</a:t>
                       </a:r>
-                      <a:endParaRPr lang="zh-CN" altLang="en-US" sz="1400">
-                        <a:sym typeface="+mn-ea"/>
-                      </a:endParaRPr>
                     </a:p>
                   </a:txBody>
                   <a:tcPr/>
@@ -10384,6 +10440,7 @@
                 <a:tc>
                   <a:txBody>
                     <a:bodyPr/>
+                    <a:lstStyle/>
                     <a:p>
                       <a:pPr>
                         <a:buNone/>
@@ -10400,9 +10457,6 @@
                         </a:rPr>
                         <a:t>亿</a:t>
                       </a:r>
-                      <a:endParaRPr lang="zh-CN" altLang="en-US" sz="1400">
-                        <a:sym typeface="+mn-ea"/>
-                      </a:endParaRPr>
                     </a:p>
                   </a:txBody>
                   <a:tcPr/>
@@ -10410,6 +10464,7 @@
                 <a:tc>
                   <a:txBody>
                     <a:bodyPr/>
+                    <a:lstStyle/>
                     <a:p>
                       <a:pPr>
                         <a:buNone/>
@@ -10422,7 +10477,6 @@
                         <a:rPr lang="zh-CN" altLang="en-US" sz="1400"/>
                         <a:t>亿</a:t>
                       </a:r>
-                      <a:endParaRPr lang="zh-CN" altLang="en-US" sz="1400"/>
                     </a:p>
                   </a:txBody>
                   <a:tcPr/>
@@ -10430,6 +10484,7 @@
                 <a:tc>
                   <a:txBody>
                     <a:bodyPr/>
+                    <a:lstStyle/>
                     <a:p>
                       <a:pPr>
                         <a:buNone/>
@@ -10442,7 +10497,6 @@
                         <a:rPr lang="zh-CN" altLang="en-US" sz="1400"/>
                         <a:t>亿</a:t>
                       </a:r>
-                      <a:endParaRPr lang="zh-CN" altLang="en-US" sz="1400"/>
                     </a:p>
                   </a:txBody>
                   <a:tcPr/>
@@ -10450,6 +10504,7 @@
                 <a:tc>
                   <a:txBody>
                     <a:bodyPr/>
+                    <a:lstStyle/>
                     <a:p>
                       <a:pPr>
                         <a:buNone/>
@@ -10462,7 +10517,6 @@
                         <a:rPr lang="zh-CN" altLang="en-US" sz="1400"/>
                         <a:t>亿</a:t>
                       </a:r>
-                      <a:endParaRPr lang="zh-CN" altLang="en-US" sz="1400"/>
                     </a:p>
                   </a:txBody>
                   <a:tcPr>
@@ -10479,6 +10533,7 @@
                 <a:tc>
                   <a:txBody>
                     <a:bodyPr/>
+                    <a:lstStyle/>
                     <a:p>
                       <a:pPr>
                         <a:buNone/>
@@ -10487,7 +10542,6 @@
                         <a:rPr lang="en-US" altLang="zh-CN" sz="1400"/>
                         <a:t>4</a:t>
                       </a:r>
-                      <a:endParaRPr lang="en-US" altLang="zh-CN" sz="1400"/>
                     </a:p>
                   </a:txBody>
                   <a:tcPr/>
@@ -10495,6 +10549,7 @@
                 <a:tc>
                   <a:txBody>
                     <a:bodyPr/>
+                    <a:lstStyle/>
                     <a:p>
                       <a:pPr>
                         <a:buNone/>
@@ -10503,7 +10558,6 @@
                         <a:rPr lang="en-US" altLang="zh-CN" sz="1400"/>
                         <a:t>10亿</a:t>
                       </a:r>
-                      <a:endParaRPr lang="en-US" altLang="zh-CN" sz="1400"/>
                     </a:p>
                   </a:txBody>
                   <a:tcPr/>
@@ -10511,6 +10565,7 @@
                 <a:tc>
                   <a:txBody>
                     <a:bodyPr/>
+                    <a:lstStyle/>
                     <a:p>
                       <a:pPr>
                         <a:buNone/>
@@ -10523,7 +10578,6 @@
                         <a:rPr lang="zh-CN" altLang="en-US" sz="1400"/>
                         <a:t>亿</a:t>
                       </a:r>
-                      <a:endParaRPr lang="zh-CN" altLang="en-US" sz="1400"/>
                     </a:p>
                   </a:txBody>
                   <a:tcPr/>
@@ -10531,6 +10585,7 @@
                 <a:tc>
                   <a:txBody>
                     <a:bodyPr/>
+                    <a:lstStyle/>
                     <a:p>
                       <a:pPr>
                         <a:buNone/>
@@ -10551,11 +10606,6 @@
                         </a:rPr>
                         <a:t>亿</a:t>
                       </a:r>
-                      <a:endParaRPr lang="zh-CN" altLang="en-US" sz="1400">
-                        <a:solidFill>
-                          <a:srgbClr val="FF0000"/>
-                        </a:solidFill>
-                      </a:endParaRPr>
                     </a:p>
                   </a:txBody>
                   <a:tcPr/>
@@ -10563,6 +10613,7 @@
                 <a:tc>
                   <a:txBody>
                     <a:bodyPr/>
+                    <a:lstStyle/>
                     <a:p>
                       <a:pPr>
                         <a:buNone/>
@@ -10575,11 +10626,6 @@
                         </a:rPr>
                         <a:t>20亿</a:t>
                       </a:r>
-                      <a:endParaRPr lang="en-US" altLang="zh-CN" sz="1400">
-                        <a:solidFill>
-                          <a:srgbClr val="FF0000"/>
-                        </a:solidFill>
-                      </a:endParaRPr>
                     </a:p>
                   </a:txBody>
                   <a:tcPr/>
@@ -10587,6 +10633,7 @@
                 <a:tc>
                   <a:txBody>
                     <a:bodyPr/>
+                    <a:lstStyle/>
                     <a:p>
                       <a:pPr>
                         <a:buNone/>
@@ -10599,7 +10646,6 @@
                         <a:rPr lang="zh-CN" altLang="en-US" sz="1400"/>
                         <a:t>亿</a:t>
                       </a:r>
-                      <a:endParaRPr lang="zh-CN" altLang="en-US" sz="1400"/>
                     </a:p>
                   </a:txBody>
                   <a:tcPr/>
@@ -10607,6 +10653,7 @@
                 <a:tc>
                   <a:txBody>
                     <a:bodyPr/>
+                    <a:lstStyle/>
                     <a:p>
                       <a:pPr>
                         <a:buNone/>
@@ -10623,9 +10670,6 @@
                         </a:rPr>
                         <a:t>亿</a:t>
                       </a:r>
-                      <a:endParaRPr lang="zh-CN" altLang="en-US" sz="1400">
-                        <a:sym typeface="+mn-ea"/>
-                      </a:endParaRPr>
                     </a:p>
                   </a:txBody>
                   <a:tcPr/>
@@ -10633,6 +10677,7 @@
                 <a:tc>
                   <a:txBody>
                     <a:bodyPr/>
+                    <a:lstStyle/>
                     <a:p>
                       <a:pPr>
                         <a:buNone/>
@@ -10649,9 +10694,6 @@
                         </a:rPr>
                         <a:t>亿</a:t>
                       </a:r>
-                      <a:endParaRPr lang="zh-CN" altLang="en-US" sz="1400">
-                        <a:sym typeface="+mn-ea"/>
-                      </a:endParaRPr>
                     </a:p>
                   </a:txBody>
                   <a:tcPr/>
@@ -10659,6 +10701,7 @@
                 <a:tc>
                   <a:txBody>
                     <a:bodyPr/>
+                    <a:lstStyle/>
                     <a:p>
                       <a:pPr>
                         <a:buNone/>
@@ -10671,7 +10714,6 @@
                         <a:rPr lang="zh-CN" altLang="en-US" sz="1400"/>
                         <a:t>亿</a:t>
                       </a:r>
-                      <a:endParaRPr lang="zh-CN" altLang="en-US" sz="1400"/>
                     </a:p>
                   </a:txBody>
                   <a:tcPr/>
@@ -10679,6 +10721,7 @@
                 <a:tc>
                   <a:txBody>
                     <a:bodyPr/>
+                    <a:lstStyle/>
                     <a:p>
                       <a:pPr>
                         <a:buNone/>
@@ -10691,7 +10734,6 @@
                         <a:rPr lang="zh-CN" altLang="en-US" sz="1400"/>
                         <a:t>亿</a:t>
                       </a:r>
-                      <a:endParaRPr lang="zh-CN" altLang="en-US" sz="1400"/>
                     </a:p>
                   </a:txBody>
                   <a:tcPr/>
@@ -10699,6 +10741,7 @@
                 <a:tc>
                   <a:txBody>
                     <a:bodyPr/>
+                    <a:lstStyle/>
                     <a:p>
                       <a:pPr>
                         <a:buNone/>
@@ -10711,7 +10754,6 @@
                         <a:rPr lang="zh-CN" altLang="en-US" sz="1400"/>
                         <a:t>亿</a:t>
                       </a:r>
-                      <a:endParaRPr lang="zh-CN" altLang="en-US" sz="1400"/>
                     </a:p>
                   </a:txBody>
                   <a:tcPr>
@@ -10728,6 +10770,7 @@
                 <a:tc>
                   <a:txBody>
                     <a:bodyPr/>
+                    <a:lstStyle/>
                     <a:p>
                       <a:pPr>
                         <a:buNone/>
@@ -10736,7 +10779,6 @@
                         <a:rPr lang="en-US" altLang="zh-CN" sz="1400"/>
                         <a:t>5</a:t>
                       </a:r>
-                      <a:endParaRPr lang="en-US" altLang="zh-CN" sz="1400"/>
                     </a:p>
                   </a:txBody>
                   <a:tcPr/>
@@ -10744,6 +10786,7 @@
                 <a:tc>
                   <a:txBody>
                     <a:bodyPr/>
+                    <a:lstStyle/>
                     <a:p>
                       <a:pPr>
                         <a:buNone/>
@@ -10752,7 +10795,6 @@
                         <a:rPr lang="en-US" altLang="zh-CN" sz="1400"/>
                         <a:t>10亿</a:t>
                       </a:r>
-                      <a:endParaRPr lang="en-US" altLang="zh-CN" sz="1400"/>
                     </a:p>
                   </a:txBody>
                   <a:tcPr/>
@@ -10760,6 +10802,7 @@
                 <a:tc>
                   <a:txBody>
                     <a:bodyPr/>
+                    <a:lstStyle/>
                     <a:p>
                       <a:pPr>
                         <a:buNone/>
@@ -10772,7 +10815,6 @@
                         <a:rPr lang="zh-CN" altLang="en-US" sz="1400"/>
                         <a:t>亿</a:t>
                       </a:r>
-                      <a:endParaRPr lang="zh-CN" altLang="en-US" sz="1400"/>
                     </a:p>
                   </a:txBody>
                   <a:tcPr/>
@@ -10780,6 +10822,7 @@
                 <a:tc>
                   <a:txBody>
                     <a:bodyPr/>
+                    <a:lstStyle/>
                     <a:p>
                       <a:pPr>
                         <a:buNone/>
@@ -10800,11 +10843,6 @@
                         </a:rPr>
                         <a:t>亿</a:t>
                       </a:r>
-                      <a:endParaRPr lang="zh-CN" altLang="en-US" sz="1400">
-                        <a:solidFill>
-                          <a:srgbClr val="FF0000"/>
-                        </a:solidFill>
-                      </a:endParaRPr>
                     </a:p>
                   </a:txBody>
                   <a:tcPr/>
@@ -10812,6 +10850,7 @@
                 <a:tc>
                   <a:txBody>
                     <a:bodyPr/>
+                    <a:lstStyle/>
                     <a:p>
                       <a:pPr>
                         <a:buNone/>
@@ -10824,11 +10863,6 @@
                         </a:rPr>
                         <a:t>20亿</a:t>
                       </a:r>
-                      <a:endParaRPr lang="en-US" altLang="zh-CN" sz="1400">
-                        <a:solidFill>
-                          <a:srgbClr val="FF0000"/>
-                        </a:solidFill>
-                      </a:endParaRPr>
                     </a:p>
                   </a:txBody>
                   <a:tcPr/>
@@ -10836,6 +10870,7 @@
                 <a:tc>
                   <a:txBody>
                     <a:bodyPr/>
+                    <a:lstStyle/>
                     <a:p>
                       <a:pPr>
                         <a:buNone/>
@@ -10848,7 +10883,6 @@
                         <a:rPr lang="zh-CN" altLang="en-US" sz="1400"/>
                         <a:t>亿</a:t>
                       </a:r>
-                      <a:endParaRPr lang="zh-CN" altLang="en-US" sz="1400"/>
                     </a:p>
                   </a:txBody>
                   <a:tcPr/>
@@ -10856,6 +10890,7 @@
                 <a:tc>
                   <a:txBody>
                     <a:bodyPr/>
+                    <a:lstStyle/>
                     <a:p>
                       <a:pPr>
                         <a:buNone/>
@@ -10872,9 +10907,6 @@
                         </a:rPr>
                         <a:t>亿</a:t>
                       </a:r>
-                      <a:endParaRPr lang="zh-CN" altLang="en-US" sz="1400">
-                        <a:sym typeface="+mn-ea"/>
-                      </a:endParaRPr>
                     </a:p>
                   </a:txBody>
                   <a:tcPr/>
@@ -10882,6 +10914,7 @@
                 <a:tc>
                   <a:txBody>
                     <a:bodyPr/>
+                    <a:lstStyle/>
                     <a:p>
                       <a:pPr>
                         <a:buNone/>
@@ -10898,9 +10931,6 @@
                         </a:rPr>
                         <a:t>亿</a:t>
                       </a:r>
-                      <a:endParaRPr lang="zh-CN" altLang="en-US" sz="1400">
-                        <a:sym typeface="+mn-ea"/>
-                      </a:endParaRPr>
                     </a:p>
                   </a:txBody>
                   <a:tcPr/>
@@ -10908,6 +10938,7 @@
                 <a:tc>
                   <a:txBody>
                     <a:bodyPr/>
+                    <a:lstStyle/>
                     <a:p>
                       <a:pPr>
                         <a:buNone/>
@@ -10920,7 +10951,6 @@
                         <a:rPr lang="zh-CN" altLang="en-US" sz="1400"/>
                         <a:t>亿</a:t>
                       </a:r>
-                      <a:endParaRPr lang="zh-CN" altLang="en-US" sz="1400"/>
                     </a:p>
                   </a:txBody>
                   <a:tcPr/>
@@ -10928,6 +10958,7 @@
                 <a:tc>
                   <a:txBody>
                     <a:bodyPr/>
+                    <a:lstStyle/>
                     <a:p>
                       <a:pPr>
                         <a:buNone/>
@@ -10940,7 +10971,6 @@
                         <a:rPr lang="zh-CN" altLang="en-US" sz="1400"/>
                         <a:t>亿</a:t>
                       </a:r>
-                      <a:endParaRPr lang="zh-CN" altLang="en-US" sz="1400"/>
                     </a:p>
                   </a:txBody>
                   <a:tcPr/>
@@ -10948,6 +10978,7 @@
                 <a:tc>
                   <a:txBody>
                     <a:bodyPr/>
+                    <a:lstStyle/>
                     <a:p>
                       <a:pPr>
                         <a:buNone/>
@@ -10960,7 +10991,6 @@
                         <a:rPr lang="zh-CN" altLang="en-US" sz="1400"/>
                         <a:t>亿</a:t>
                       </a:r>
-                      <a:endParaRPr lang="zh-CN" altLang="en-US" sz="1400"/>
                     </a:p>
                   </a:txBody>
                   <a:tcPr>
@@ -10977,6 +11007,7 @@
                 <a:tc>
                   <a:txBody>
                     <a:bodyPr/>
+                    <a:lstStyle/>
                     <a:p>
                       <a:pPr>
                         <a:buNone/>
@@ -10985,7 +11016,6 @@
                         <a:rPr lang="en-US" altLang="zh-CN" sz="1400"/>
                         <a:t>6</a:t>
                       </a:r>
-                      <a:endParaRPr lang="en-US" altLang="zh-CN" sz="1400"/>
                     </a:p>
                   </a:txBody>
                   <a:tcPr/>
@@ -10993,6 +11023,7 @@
                 <a:tc>
                   <a:txBody>
                     <a:bodyPr/>
+                    <a:lstStyle/>
                     <a:p>
                       <a:pPr>
                         <a:buNone/>
@@ -11001,7 +11032,6 @@
                         <a:rPr lang="en-US" altLang="zh-CN" sz="1400"/>
                         <a:t>10亿</a:t>
                       </a:r>
-                      <a:endParaRPr lang="en-US" altLang="zh-CN" sz="1400"/>
                     </a:p>
                   </a:txBody>
                   <a:tcPr/>
@@ -11009,6 +11039,7 @@
                 <a:tc>
                   <a:txBody>
                     <a:bodyPr/>
+                    <a:lstStyle/>
                     <a:p>
                       <a:pPr>
                         <a:buNone/>
@@ -11021,7 +11052,6 @@
                         <a:rPr lang="zh-CN" altLang="en-US" sz="1400"/>
                         <a:t>亿</a:t>
                       </a:r>
-                      <a:endParaRPr lang="zh-CN" altLang="en-US" sz="1400"/>
                     </a:p>
                   </a:txBody>
                   <a:tcPr/>
@@ -11029,6 +11059,7 @@
                 <a:tc>
                   <a:txBody>
                     <a:bodyPr/>
+                    <a:lstStyle/>
                     <a:p>
                       <a:pPr>
                         <a:buNone/>
@@ -11049,11 +11080,6 @@
                         </a:rPr>
                         <a:t>亿</a:t>
                       </a:r>
-                      <a:endParaRPr lang="zh-CN" altLang="en-US" sz="1400">
-                        <a:solidFill>
-                          <a:srgbClr val="FF0000"/>
-                        </a:solidFill>
-                      </a:endParaRPr>
                     </a:p>
                   </a:txBody>
                   <a:tcPr/>
@@ -11061,6 +11087,7 @@
                 <a:tc>
                   <a:txBody>
                     <a:bodyPr/>
+                    <a:lstStyle/>
                     <a:p>
                       <a:pPr>
                         <a:buNone/>
@@ -11073,11 +11100,6 @@
                         </a:rPr>
                         <a:t>20亿</a:t>
                       </a:r>
-                      <a:endParaRPr lang="en-US" altLang="zh-CN" sz="1400">
-                        <a:solidFill>
-                          <a:srgbClr val="FF0000"/>
-                        </a:solidFill>
-                      </a:endParaRPr>
                     </a:p>
                   </a:txBody>
                   <a:tcPr/>
@@ -11085,6 +11107,7 @@
                 <a:tc>
                   <a:txBody>
                     <a:bodyPr/>
+                    <a:lstStyle/>
                     <a:p>
                       <a:pPr>
                         <a:buNone/>
@@ -11097,7 +11120,6 @@
                         <a:rPr lang="zh-CN" altLang="en-US" sz="1400"/>
                         <a:t>亿</a:t>
                       </a:r>
-                      <a:endParaRPr lang="zh-CN" altLang="en-US" sz="1400"/>
                     </a:p>
                   </a:txBody>
                   <a:tcPr/>
@@ -11105,6 +11127,7 @@
                 <a:tc>
                   <a:txBody>
                     <a:bodyPr/>
+                    <a:lstStyle/>
                     <a:p>
                       <a:pPr>
                         <a:buNone/>
@@ -11121,9 +11144,6 @@
                         </a:rPr>
                         <a:t>亿</a:t>
                       </a:r>
-                      <a:endParaRPr lang="zh-CN" altLang="en-US" sz="1400">
-                        <a:sym typeface="+mn-ea"/>
-                      </a:endParaRPr>
                     </a:p>
                   </a:txBody>
                   <a:tcPr/>
@@ -11131,6 +11151,7 @@
                 <a:tc>
                   <a:txBody>
                     <a:bodyPr/>
+                    <a:lstStyle/>
                     <a:p>
                       <a:pPr>
                         <a:buNone/>
@@ -11147,9 +11168,6 @@
                         </a:rPr>
                         <a:t>亿</a:t>
                       </a:r>
-                      <a:endParaRPr lang="zh-CN" altLang="en-US" sz="1400">
-                        <a:sym typeface="+mn-ea"/>
-                      </a:endParaRPr>
                     </a:p>
                   </a:txBody>
                   <a:tcPr/>
@@ -11157,6 +11175,7 @@
                 <a:tc>
                   <a:txBody>
                     <a:bodyPr/>
+                    <a:lstStyle/>
                     <a:p>
                       <a:pPr>
                         <a:buNone/>
@@ -11169,7 +11188,6 @@
                         <a:rPr lang="zh-CN" altLang="en-US" sz="1400"/>
                         <a:t>亿</a:t>
                       </a:r>
-                      <a:endParaRPr lang="zh-CN" altLang="en-US" sz="1400"/>
                     </a:p>
                   </a:txBody>
                   <a:tcPr/>
@@ -11177,6 +11195,7 @@
                 <a:tc>
                   <a:txBody>
                     <a:bodyPr/>
+                    <a:lstStyle/>
                     <a:p>
                       <a:pPr>
                         <a:buNone/>
@@ -11189,7 +11208,6 @@
                         <a:rPr lang="zh-CN" altLang="en-US" sz="1400"/>
                         <a:t>亿</a:t>
                       </a:r>
-                      <a:endParaRPr lang="zh-CN" altLang="en-US" sz="1400"/>
                     </a:p>
                   </a:txBody>
                   <a:tcPr/>
@@ -11197,6 +11215,7 @@
                 <a:tc>
                   <a:txBody>
                     <a:bodyPr/>
+                    <a:lstStyle/>
                     <a:p>
                       <a:pPr>
                         <a:buNone/>
@@ -11209,7 +11228,6 @@
                         <a:rPr lang="zh-CN" altLang="en-US" sz="1400"/>
                         <a:t>亿</a:t>
                       </a:r>
-                      <a:endParaRPr lang="zh-CN" altLang="en-US" sz="1400"/>
                     </a:p>
                   </a:txBody>
                   <a:tcPr>
@@ -11226,6 +11244,7 @@
                 <a:tc>
                   <a:txBody>
                     <a:bodyPr/>
+                    <a:lstStyle/>
                     <a:p>
                       <a:pPr>
                         <a:buNone/>
@@ -11234,7 +11253,6 @@
                         <a:rPr lang="en-US" altLang="zh-CN" sz="1400"/>
                         <a:t>7</a:t>
                       </a:r>
-                      <a:endParaRPr lang="en-US" altLang="zh-CN" sz="1400"/>
                     </a:p>
                   </a:txBody>
                   <a:tcPr/>
@@ -11242,6 +11260,7 @@
                 <a:tc>
                   <a:txBody>
                     <a:bodyPr/>
+                    <a:lstStyle/>
                     <a:p>
                       <a:pPr>
                         <a:buNone/>
@@ -11250,7 +11269,6 @@
                         <a:rPr lang="en-US" altLang="zh-CN" sz="1400"/>
                         <a:t>10亿</a:t>
                       </a:r>
-                      <a:endParaRPr lang="en-US" altLang="zh-CN" sz="1400"/>
                     </a:p>
                   </a:txBody>
                   <a:tcPr/>
@@ -11258,6 +11276,7 @@
                 <a:tc>
                   <a:txBody>
                     <a:bodyPr/>
+                    <a:lstStyle/>
                     <a:p>
                       <a:pPr>
                         <a:buNone/>
@@ -11270,7 +11289,6 @@
                         <a:rPr lang="zh-CN" altLang="en-US" sz="1400"/>
                         <a:t>亿</a:t>
                       </a:r>
-                      <a:endParaRPr lang="zh-CN" altLang="en-US" sz="1400"/>
                     </a:p>
                   </a:txBody>
                   <a:tcPr/>
@@ -11278,6 +11296,7 @@
                 <a:tc>
                   <a:txBody>
                     <a:bodyPr/>
+                    <a:lstStyle/>
                     <a:p>
                       <a:pPr>
                         <a:buNone/>
@@ -11298,11 +11317,6 @@
                         </a:rPr>
                         <a:t>亿</a:t>
                       </a:r>
-                      <a:endParaRPr lang="zh-CN" altLang="en-US" sz="1400">
-                        <a:solidFill>
-                          <a:srgbClr val="FF0000"/>
-                        </a:solidFill>
-                      </a:endParaRPr>
                     </a:p>
                   </a:txBody>
                   <a:tcPr/>
@@ -11310,6 +11324,7 @@
                 <a:tc>
                   <a:txBody>
                     <a:bodyPr/>
+                    <a:lstStyle/>
                     <a:p>
                       <a:pPr>
                         <a:buNone/>
@@ -11322,11 +11337,6 @@
                         </a:rPr>
                         <a:t>20亿</a:t>
                       </a:r>
-                      <a:endParaRPr lang="en-US" altLang="zh-CN" sz="1400">
-                        <a:solidFill>
-                          <a:srgbClr val="FF0000"/>
-                        </a:solidFill>
-                      </a:endParaRPr>
                     </a:p>
                   </a:txBody>
                   <a:tcPr/>
@@ -11334,6 +11344,7 @@
                 <a:tc>
                   <a:txBody>
                     <a:bodyPr/>
+                    <a:lstStyle/>
                     <a:p>
                       <a:pPr>
                         <a:buNone/>
@@ -11342,7 +11353,6 @@
                         <a:rPr lang="zh-CN" altLang="en-US" sz="1400"/>
                         <a:t>不搭桥</a:t>
                       </a:r>
-                      <a:endParaRPr lang="zh-CN" altLang="en-US" sz="1400"/>
                     </a:p>
                   </a:txBody>
                   <a:tcPr/>
@@ -11350,6 +11360,7 @@
                 <a:tc>
                   <a:txBody>
                     <a:bodyPr/>
+                    <a:lstStyle/>
                     <a:p>
                       <a:pPr>
                         <a:buNone/>
@@ -11360,9 +11371,6 @@
                         </a:rPr>
                         <a:t>不搭桥</a:t>
                       </a:r>
-                      <a:endParaRPr lang="zh-CN" altLang="en-US" sz="1400">
-                        <a:sym typeface="+mn-ea"/>
-                      </a:endParaRPr>
                     </a:p>
                   </a:txBody>
                   <a:tcPr/>
@@ -11370,6 +11378,7 @@
                 <a:tc>
                   <a:txBody>
                     <a:bodyPr/>
+                    <a:lstStyle/>
                     <a:p>
                       <a:pPr>
                         <a:buNone/>
@@ -11380,9 +11389,6 @@
                         </a:rPr>
                         <a:t>不搭桥</a:t>
                       </a:r>
-                      <a:endParaRPr lang="zh-CN" altLang="en-US" sz="1400">
-                        <a:sym typeface="+mn-ea"/>
-                      </a:endParaRPr>
                     </a:p>
                   </a:txBody>
                   <a:tcPr/>
@@ -11390,6 +11396,7 @@
                 <a:tc>
                   <a:txBody>
                     <a:bodyPr/>
+                    <a:lstStyle/>
                     <a:p>
                       <a:pPr>
                         <a:buNone/>
@@ -11402,7 +11409,6 @@
                         <a:rPr lang="zh-CN" altLang="en-US" sz="1400"/>
                         <a:t>亿</a:t>
                       </a:r>
-                      <a:endParaRPr lang="zh-CN" altLang="en-US" sz="1400"/>
                     </a:p>
                   </a:txBody>
                   <a:tcPr/>
@@ -11410,6 +11416,7 @@
                 <a:tc>
                   <a:txBody>
                     <a:bodyPr/>
+                    <a:lstStyle/>
                     <a:p>
                       <a:pPr>
                         <a:buNone/>
@@ -11422,7 +11429,6 @@
                         <a:rPr lang="zh-CN" altLang="en-US" sz="1400"/>
                         <a:t>亿</a:t>
                       </a:r>
-                      <a:endParaRPr lang="zh-CN" altLang="en-US" sz="1400"/>
                     </a:p>
                   </a:txBody>
                   <a:tcPr/>
@@ -11430,6 +11436,7 @@
                 <a:tc>
                   <a:txBody>
                     <a:bodyPr/>
+                    <a:lstStyle/>
                     <a:p>
                       <a:pPr>
                         <a:buNone/>
@@ -11442,7 +11449,6 @@
                         <a:rPr lang="zh-CN" altLang="en-US" sz="1400"/>
                         <a:t>亿</a:t>
                       </a:r>
-                      <a:endParaRPr lang="zh-CN" altLang="en-US" sz="1400"/>
                     </a:p>
                   </a:txBody>
                   <a:tcPr>
@@ -11484,6 +11490,7 @@
           <a:bodyPr wrap="square" rtlCol="0">
             <a:spAutoFit/>
           </a:bodyPr>
+          <a:lstStyle/>
           <a:p>
             <a:r>
               <a:rPr lang="zh-CN" altLang="en-US" sz="1600" dirty="0"/>
@@ -11669,12 +11676,6 @@
               </a:rPr>
               <a:t>日额度不扣减</a:t>
             </a:r>
-            <a:endParaRPr lang="zh-CN" altLang="en-US" sz="1600" b="1" dirty="0">
-              <a:solidFill>
-                <a:srgbClr val="FF0000"/>
-              </a:solidFill>
-              <a:sym typeface="+mn-ea"/>
-            </a:endParaRPr>
           </a:p>
           <a:p>
             <a:pPr marL="342900" indent="-342900">
@@ -11684,29 +11685,20 @@
               <a:rPr lang="zh-CN" altLang="en-US" sz="1600" b="1" dirty="0">
                 <a:sym typeface="+mn-ea"/>
               </a:rPr>
-              <a:t>成交撤销不返还桥额度，</a:t>
+              <a:t>成交撤销不返还桥额度，隔日</a:t>
+            </a:r>
+            <a:r>
+              <a:rPr lang="en-US" altLang="zh-CN" sz="1600" b="1" dirty="0">
+                <a:sym typeface="+mn-ea"/>
+              </a:rPr>
+              <a:t>B</a:t>
             </a:r>
             <a:r>
               <a:rPr lang="zh-CN" altLang="en-US" sz="1600" b="1" dirty="0">
                 <a:sym typeface="+mn-ea"/>
               </a:rPr>
-              <a:t>隔日</a:t>
-            </a:r>
-            <a:r>
-              <a:rPr lang="en-US" altLang="zh-CN" sz="1600" b="1" dirty="0">
-                <a:sym typeface="+mn-ea"/>
-              </a:rPr>
-              <a:t>B</a:t>
-            </a:r>
-            <a:r>
-              <a:rPr lang="zh-CN" altLang="en-US" sz="1600" b="1" dirty="0">
-                <a:sym typeface="+mn-ea"/>
-              </a:rPr>
               <a:t>机构桥额度 跑批为设置的桥总额度值</a:t>
             </a:r>
-            <a:endParaRPr lang="zh-CN" altLang="en-US" sz="1600" b="1" dirty="0">
-              <a:sym typeface="+mn-ea"/>
-            </a:endParaRPr>
           </a:p>
           <a:p>
             <a:pPr marL="342900" indent="-342900">
@@ -11735,7 +11727,14 @@
         <p:cNvGrpSpPr/>
         <p:nvPr/>
       </p:nvGrpSpPr>
-      <p:grpSpPr/>
+      <p:grpSpPr>
+        <a:xfrm>
+          <a:off x="0" y="0"/>
+          <a:ext cx="0" cy="0"/>
+          <a:chOff x="0" y="0"/>
+          <a:chExt cx="0" cy="0"/>
+        </a:xfrm>
+      </p:grpSpPr>
       <p:sp>
         <p:nvSpPr>
           <p:cNvPr id="2" name="标题 1"/>
@@ -11749,32 +11748,354 @@
         <p:spPr/>
         <p:txBody>
           <a:bodyPr/>
-          <a:p>
-            <a:r>
-              <a:rPr lang="zh-CN" altLang="en-US"/>
+          <a:lstStyle/>
+          <a:p>
+            <a:r>
+              <a:rPr lang="zh-CN" altLang="en-US" dirty="0"/>
               <a:t>技术交底图</a:t>
             </a:r>
             <a:r>
-              <a:rPr lang="en-US" altLang="zh-CN"/>
+              <a:rPr lang="en-US" altLang="zh-CN" dirty="0"/>
               <a:t>1</a:t>
             </a:r>
-            <a:endParaRPr lang="en-US" altLang="zh-CN"/>
+          </a:p>
+        </p:txBody>
+      </p:sp>
+      <p:pic>
+        <p:nvPicPr>
+          <p:cNvPr id="5" name="内容占位符 4"/>
+          <p:cNvPicPr>
+            <a:picLocks noGrp="1" noChangeAspect="1"/>
+          </p:cNvPicPr>
+          <p:nvPr>
+            <p:ph idx="1"/>
+          </p:nvPr>
+        </p:nvPicPr>
+        <p:blipFill>
+          <a:blip r:embed="rId4">
+            <a:extLst>
+              <a:ext uri="{28A0092B-C50C-407E-A947-70E740481C1C}">
+                <a14:useLocalDpi xmlns:a14="http://schemas.microsoft.com/office/drawing/2010/main" val="0"/>
+              </a:ext>
+            </a:extLst>
+          </a:blip>
+          <a:stretch>
+            <a:fillRect/>
+          </a:stretch>
+        </p:blipFill>
+        <p:spPr>
+          <a:xfrm>
+            <a:off x="760800" y="1697783"/>
+            <a:ext cx="6710348" cy="4704217"/>
+          </a:xfrm>
+        </p:spPr>
+      </p:pic>
+      <p:sp>
+        <p:nvSpPr>
+          <p:cNvPr id="4" name="内容占位符 2"/>
+          <p:cNvSpPr txBox="1">
+            <a:spLocks/>
+          </p:cNvSpPr>
+          <p:nvPr/>
+        </p:nvSpPr>
+        <p:spPr>
+          <a:xfrm>
+            <a:off x="760800" y="1642800"/>
+            <a:ext cx="10969200" cy="4759200"/>
+          </a:xfrm>
+          <a:prstGeom prst="rect">
+            <a:avLst/>
+          </a:prstGeom>
+        </p:spPr>
+        <p:txBody>
+          <a:bodyPr vert="horz" lIns="90000" tIns="46800" rIns="90000" bIns="46800" rtlCol="0">
+            <a:normAutofit/>
+          </a:bodyPr>
+          <a:lstStyle>
+            <a:lvl1pPr marL="228600" marR="0" lvl="0" indent="-228600" algn="l" defTabSz="914400" rtl="0" eaLnBrk="1" fontAlgn="auto" latinLnBrk="0" hangingPunct="1">
+              <a:lnSpc>
+                <a:spcPct val="130000"/>
+              </a:lnSpc>
+              <a:spcBef>
+                <a:spcPts val="0"/>
+              </a:spcBef>
+              <a:spcAft>
+                <a:spcPts val="1000"/>
+              </a:spcAft>
+              <a:buFont typeface="Arial" panose="020B0604020202020204" pitchFamily="34" charset="0"/>
+              <a:buChar char="●"/>
+              <a:defRPr kumimoji="0" lang="zh-CN" altLang="en-US" sz="1800" b="0" i="0" u="none" strike="noStrike" kern="1200" cap="none" spc="150" normalizeH="0" baseline="0" noProof="1" dirty="0">
+                <a:solidFill>
+                  <a:schemeClr val="tx1">
+                    <a:lumMod val="65000"/>
+                    <a:lumOff val="35000"/>
+                  </a:schemeClr>
+                </a:solidFill>
+                <a:latin typeface="Arial" panose="020B0604020202020204" pitchFamily="34" charset="0"/>
+                <a:ea typeface="微软雅黑" panose="020B0503020204020204" pitchFamily="34" charset="-122"/>
+                <a:cs typeface="+mn-cs"/>
+                <a:sym typeface="+mn-ea"/>
+              </a:defRPr>
+            </a:lvl1pPr>
+            <a:lvl2pPr marL="685800" marR="0" lvl="1" indent="-228600" algn="l" defTabSz="914400" rtl="0" eaLnBrk="1" fontAlgn="auto" latinLnBrk="0" hangingPunct="1">
+              <a:lnSpc>
+                <a:spcPct val="120000"/>
+              </a:lnSpc>
+              <a:spcBef>
+                <a:spcPts val="0"/>
+              </a:spcBef>
+              <a:spcAft>
+                <a:spcPts val="600"/>
+              </a:spcAft>
+              <a:buFont typeface="Arial" panose="020B0604020202020204" pitchFamily="34" charset="0"/>
+              <a:buChar char="●"/>
+              <a:tabLst>
+                <a:tab pos="1609725" algn="l"/>
+              </a:tabLst>
+              <a:defRPr kumimoji="0" lang="zh-CN" altLang="en-US" sz="1600" b="0" i="0" u="none" strike="noStrike" kern="1200" cap="none" spc="150" normalizeH="0" baseline="0" noProof="1" dirty="0">
+                <a:solidFill>
+                  <a:schemeClr val="tx1">
+                    <a:lumMod val="65000"/>
+                    <a:lumOff val="35000"/>
+                  </a:schemeClr>
+                </a:solidFill>
+                <a:latin typeface="Arial" panose="020B0604020202020204" pitchFamily="34" charset="0"/>
+                <a:ea typeface="微软雅黑" panose="020B0503020204020204" pitchFamily="34" charset="-122"/>
+                <a:cs typeface="+mn-cs"/>
+                <a:sym typeface="+mn-ea"/>
+              </a:defRPr>
+            </a:lvl2pPr>
+            <a:lvl3pPr marL="1143000" marR="0" lvl="2" indent="-228600" algn="l" defTabSz="914400" rtl="0" eaLnBrk="1" fontAlgn="auto" latinLnBrk="0" hangingPunct="1">
+              <a:lnSpc>
+                <a:spcPct val="120000"/>
+              </a:lnSpc>
+              <a:spcBef>
+                <a:spcPts val="0"/>
+              </a:spcBef>
+              <a:spcAft>
+                <a:spcPts val="600"/>
+              </a:spcAft>
+              <a:buFont typeface="Arial" panose="020B0604020202020204" pitchFamily="34" charset="0"/>
+              <a:buChar char="●"/>
+              <a:defRPr kumimoji="0" lang="zh-CN" altLang="en-US" sz="1600" b="0" i="0" u="none" strike="noStrike" kern="1200" cap="none" spc="150" normalizeH="0" baseline="0" noProof="1" dirty="0">
+                <a:solidFill>
+                  <a:schemeClr val="tx1">
+                    <a:lumMod val="65000"/>
+                    <a:lumOff val="35000"/>
+                  </a:schemeClr>
+                </a:solidFill>
+                <a:latin typeface="Arial" panose="020B0604020202020204" pitchFamily="34" charset="0"/>
+                <a:ea typeface="微软雅黑" panose="020B0503020204020204" pitchFamily="34" charset="-122"/>
+                <a:cs typeface="+mn-cs"/>
+                <a:sym typeface="+mn-ea"/>
+              </a:defRPr>
+            </a:lvl3pPr>
+            <a:lvl4pPr marL="1600200" marR="0" lvl="3" indent="-228600" algn="l" defTabSz="914400" rtl="0" eaLnBrk="1" fontAlgn="auto" latinLnBrk="0" hangingPunct="1">
+              <a:lnSpc>
+                <a:spcPct val="120000"/>
+              </a:lnSpc>
+              <a:spcBef>
+                <a:spcPts val="0"/>
+              </a:spcBef>
+              <a:spcAft>
+                <a:spcPts val="300"/>
+              </a:spcAft>
+              <a:buFont typeface="Wingdings" panose="05000000000000000000" charset="0"/>
+              <a:buChar char=""/>
+              <a:defRPr kumimoji="0" lang="zh-CN" altLang="en-US" sz="1400" b="0" i="0" u="none" strike="noStrike" kern="1200" cap="none" spc="150" normalizeH="0" baseline="0" noProof="1" dirty="0">
+                <a:solidFill>
+                  <a:schemeClr val="tx1">
+                    <a:lumMod val="65000"/>
+                    <a:lumOff val="35000"/>
+                  </a:schemeClr>
+                </a:solidFill>
+                <a:latin typeface="Arial" panose="020B0604020202020204" pitchFamily="34" charset="0"/>
+                <a:ea typeface="微软雅黑" panose="020B0503020204020204" pitchFamily="34" charset="-122"/>
+                <a:cs typeface="+mn-cs"/>
+                <a:sym typeface="+mn-ea"/>
+              </a:defRPr>
+            </a:lvl4pPr>
+            <a:lvl5pPr marL="2057400" marR="0" lvl="4" indent="-228600" algn="l" defTabSz="914400" rtl="0" eaLnBrk="1" fontAlgn="auto" latinLnBrk="0" hangingPunct="1">
+              <a:lnSpc>
+                <a:spcPct val="120000"/>
+              </a:lnSpc>
+              <a:spcBef>
+                <a:spcPts val="0"/>
+              </a:spcBef>
+              <a:spcAft>
+                <a:spcPts val="300"/>
+              </a:spcAft>
+              <a:buFont typeface="Arial" panose="020B0604020202020204" pitchFamily="34" charset="0"/>
+              <a:buChar char="•"/>
+              <a:defRPr kumimoji="0" lang="zh-CN" altLang="en-US" sz="1400" b="0" i="0" u="none" strike="noStrike" kern="1200" cap="none" spc="150" normalizeH="0" baseline="0" noProof="1" dirty="0">
+                <a:solidFill>
+                  <a:schemeClr val="tx1">
+                    <a:lumMod val="65000"/>
+                    <a:lumOff val="35000"/>
+                  </a:schemeClr>
+                </a:solidFill>
+                <a:latin typeface="Arial" panose="020B0604020202020204" pitchFamily="34" charset="0"/>
+                <a:ea typeface="微软雅黑" panose="020B0503020204020204" pitchFamily="34" charset="-122"/>
+                <a:cs typeface="+mn-cs"/>
+                <a:sym typeface="+mn-ea"/>
+              </a:defRPr>
+            </a:lvl5pPr>
+            <a:lvl6pPr marL="2286000" indent="0" algn="l" defTabSz="914400" rtl="0" eaLnBrk="1" latinLnBrk="0" hangingPunct="1">
+              <a:lnSpc>
+                <a:spcPct val="90000"/>
+              </a:lnSpc>
+              <a:spcBef>
+                <a:spcPts val="500"/>
+              </a:spcBef>
+              <a:buFont typeface="Arial" panose="020B0604020202020204" pitchFamily="34" charset="0"/>
+              <a:buNone/>
+              <a:defRPr sz="1800" kern="1200">
+                <a:solidFill>
+                  <a:schemeClr val="tx1"/>
+                </a:solidFill>
+                <a:latin typeface="+mn-lt"/>
+                <a:ea typeface="+mn-ea"/>
+                <a:cs typeface="+mn-cs"/>
+              </a:defRPr>
+            </a:lvl6pPr>
+            <a:lvl7pPr marL="2971800" indent="-228600" algn="l" defTabSz="914400" rtl="0" eaLnBrk="1" latinLnBrk="0" hangingPunct="1">
+              <a:lnSpc>
+                <a:spcPct val="90000"/>
+              </a:lnSpc>
+              <a:spcBef>
+                <a:spcPts val="500"/>
+              </a:spcBef>
+              <a:buFont typeface="Arial" panose="020B0604020202020204" pitchFamily="34" charset="0"/>
+              <a:buChar char="•"/>
+              <a:defRPr sz="1800" kern="1200">
+                <a:solidFill>
+                  <a:schemeClr val="tx1"/>
+                </a:solidFill>
+                <a:latin typeface="+mn-lt"/>
+                <a:ea typeface="+mn-ea"/>
+                <a:cs typeface="+mn-cs"/>
+              </a:defRPr>
+            </a:lvl7pPr>
+            <a:lvl8pPr marL="3429000" indent="-228600" algn="l" defTabSz="914400" rtl="0" eaLnBrk="1" latinLnBrk="0" hangingPunct="1">
+              <a:lnSpc>
+                <a:spcPct val="90000"/>
+              </a:lnSpc>
+              <a:spcBef>
+                <a:spcPts val="500"/>
+              </a:spcBef>
+              <a:buFont typeface="Arial" panose="020B0604020202020204" pitchFamily="34" charset="0"/>
+              <a:buChar char="•"/>
+              <a:defRPr sz="1800" kern="1200">
+                <a:solidFill>
+                  <a:schemeClr val="tx1"/>
+                </a:solidFill>
+                <a:latin typeface="+mn-lt"/>
+                <a:ea typeface="+mn-ea"/>
+                <a:cs typeface="+mn-cs"/>
+              </a:defRPr>
+            </a:lvl8pPr>
+            <a:lvl9pPr marL="3886200" indent="-228600" algn="l" defTabSz="914400" rtl="0" eaLnBrk="1" latinLnBrk="0" hangingPunct="1">
+              <a:lnSpc>
+                <a:spcPct val="90000"/>
+              </a:lnSpc>
+              <a:spcBef>
+                <a:spcPts val="500"/>
+              </a:spcBef>
+              <a:buFont typeface="Arial" panose="020B0604020202020204" pitchFamily="34" charset="0"/>
+              <a:buChar char="•"/>
+              <a:defRPr sz="1800" kern="1200">
+                <a:solidFill>
+                  <a:schemeClr val="tx1"/>
+                </a:solidFill>
+                <a:latin typeface="+mn-lt"/>
+                <a:ea typeface="+mn-ea"/>
+                <a:cs typeface="+mn-cs"/>
+              </a:defRPr>
+            </a:lvl9pPr>
+          </a:lstStyle>
+          <a:p>
+            <a:endParaRPr lang="zh-CN" altLang="en-US"/>
           </a:p>
         </p:txBody>
       </p:sp>
       <p:sp>
         <p:nvSpPr>
-          <p:cNvPr id="3" name="内容占位符 2"/>
+          <p:cNvPr id="6" name="矩形 5"/>
           <p:cNvSpPr/>
-          <p:nvPr>
-            <p:ph idx="1"/>
-          </p:nvPr>
+          <p:nvPr/>
         </p:nvSpPr>
-        <p:spPr/>
+        <p:spPr>
+          <a:xfrm>
+            <a:off x="8146724" y="1697782"/>
+            <a:ext cx="3583275" cy="2862322"/>
+          </a:xfrm>
+          <a:prstGeom prst="rect">
+            <a:avLst/>
+          </a:prstGeom>
+          <a:solidFill>
+            <a:schemeClr val="tx2">
+              <a:lumMod val="10000"/>
+              <a:lumOff val="90000"/>
+            </a:schemeClr>
+          </a:solidFill>
+        </p:spPr>
         <p:txBody>
-          <a:bodyPr/>
-          <a:p>
-            <a:endParaRPr lang="zh-CN" altLang="en-US"/>
+          <a:bodyPr wrap="square">
+            <a:spAutoFit/>
+          </a:bodyPr>
+          <a:lstStyle/>
+          <a:p>
+            <a:r>
+              <a:rPr lang="zh-CN" altLang="en-US" dirty="0"/>
+              <a:t> </a:t>
+            </a:r>
+            <a:r>
+              <a:rPr lang="en-US" altLang="zh-CN" dirty="0" smtClean="0"/>
+              <a:t>1.</a:t>
+            </a:r>
+            <a:r>
+              <a:rPr lang="zh-CN" altLang="en-US" dirty="0" smtClean="0"/>
+              <a:t> 普通</a:t>
+            </a:r>
+            <a:r>
+              <a:rPr lang="en-US" altLang="zh-CN" dirty="0" smtClean="0"/>
+              <a:t>X-Bond</a:t>
+            </a:r>
+            <a:r>
+              <a:rPr lang="zh-CN" altLang="en-US" dirty="0" smtClean="0"/>
+              <a:t>搭桥，成交共享进程收到消息后，进入分仓模块，分仓完成后进入成交模块，完成成交最后入库。</a:t>
+            </a:r>
+            <a:endParaRPr lang="en-US" altLang="zh-CN" dirty="0" smtClean="0"/>
+          </a:p>
+          <a:p>
+            <a:r>
+              <a:rPr lang="en-US" altLang="zh-CN" dirty="0" smtClean="0"/>
+              <a:t>2.</a:t>
+            </a:r>
+            <a:r>
+              <a:rPr lang="zh-CN" altLang="en-US" dirty="0" smtClean="0"/>
+              <a:t> </a:t>
+            </a:r>
+            <a:r>
+              <a:rPr lang="en-US" altLang="zh-CN" dirty="0" smtClean="0"/>
+              <a:t>Tom+0</a:t>
+            </a:r>
+            <a:r>
+              <a:rPr lang="zh-CN" altLang="en-US" dirty="0" smtClean="0"/>
+              <a:t>搭桥，成交共享进程收到消息后，进入分仓模块，分仓完成后进入远期模块，远期模块处理完成后，进入成交模块入库。</a:t>
+            </a:r>
+            <a:endParaRPr lang="en-US" altLang="zh-CN" dirty="0" smtClean="0"/>
+          </a:p>
+          <a:p>
+            <a:r>
+              <a:rPr lang="en-US" altLang="zh-CN" dirty="0" smtClean="0"/>
+              <a:t>3.</a:t>
+            </a:r>
+            <a:r>
+              <a:rPr lang="zh-CN" altLang="en-US" dirty="0" smtClean="0"/>
+              <a:t> 不需要分仓的成交直接跳过分仓模块。</a:t>
+            </a:r>
+            <a:endParaRPr lang="en-US" altLang="zh-CN" dirty="0" smtClean="0"/>
           </a:p>
         </p:txBody>
       </p:sp>
@@ -11798,7 +12119,14 @@
         <p:cNvGrpSpPr/>
         <p:nvPr/>
       </p:nvGrpSpPr>
-      <p:grpSpPr/>
+      <p:grpSpPr>
+        <a:xfrm>
+          <a:off x="0" y="0"/>
+          <a:ext cx="0" cy="0"/>
+          <a:chOff x="0" y="0"/>
+          <a:chExt cx="0" cy="0"/>
+        </a:xfrm>
+      </p:grpSpPr>
       <p:sp>
         <p:nvSpPr>
           <p:cNvPr id="2" name="标题 1"/>
@@ -11812,6 +12140,7 @@
         <p:spPr/>
         <p:txBody>
           <a:bodyPr/>
+          <a:lstStyle/>
           <a:p>
             <a:r>
               <a:rPr lang="zh-CN" altLang="en-US"/>
@@ -11821,7 +12150,6 @@
               <a:rPr lang="en-US" altLang="zh-CN"/>
               <a:t>2</a:t>
             </a:r>
-            <a:endParaRPr lang="en-US" altLang="zh-CN"/>
           </a:p>
         </p:txBody>
       </p:sp>
@@ -11833,13 +12161,13 @@
           </p:cNvGraphicFramePr>
           <p:nvPr>
             <p:custDataLst>
-              <p:tags r:id="rId1"/>
+              <p:tags r:id="rId2"/>
             </p:custDataLst>
           </p:nvPr>
         </p:nvGraphicFramePr>
         <p:xfrm>
           <a:off x="2976342" y="2040451"/>
-          <a:ext cx="6000750" cy="1828800"/>
+          <a:ext cx="6000750" cy="2926080"/>
         </p:xfrm>
         <a:graphic>
           <a:graphicData uri="http://schemas.openxmlformats.org/drawingml/2006/table">
@@ -11855,6 +12183,7 @@
                 <a:tc>
                   <a:txBody>
                     <a:bodyPr/>
+                    <a:lstStyle/>
                     <a:p>
                       <a:r>
                         <a:rPr lang="zh-CN" altLang="en-US" dirty="0"/>
@@ -11868,6 +12197,7 @@
                 <a:tc>
                   <a:txBody>
                     <a:bodyPr/>
+                    <a:lstStyle/>
                     <a:p>
                       <a:r>
                         <a:rPr lang="zh-CN" altLang="en-US" dirty="0"/>
@@ -11883,12 +12213,12 @@
                 <a:tc>
                   <a:txBody>
                     <a:bodyPr/>
+                    <a:lstStyle/>
                     <a:p>
                       <a:r>
                         <a:rPr lang="en-US" dirty="0"/>
                         <a:t>ssc-dp-dealstorage</a:t>
                       </a:r>
-                      <a:endParaRPr lang="en-US" dirty="0"/>
                     </a:p>
                   </a:txBody>
                   <a:tcPr/>
@@ -11896,6 +12226,7 @@
                 <a:tc>
                   <a:txBody>
                     <a:bodyPr/>
+                    <a:lstStyle/>
                     <a:p>
                       <a:r>
                         <a:rPr lang="en-US" dirty="0"/>
@@ -11905,7 +12236,6 @@
                         <a:rPr lang="zh-CN" altLang="en-US" dirty="0"/>
                         <a:t>代码层面拆分成交、分仓、远期交易 三个模块逻辑。</a:t>
                       </a:r>
-                      <a:endParaRPr lang="zh-CN" altLang="en-US" dirty="0"/>
                     </a:p>
                   </a:txBody>
                   <a:tcPr/>
@@ -11915,6 +12245,7 @@
                 <a:tc>
                   <a:txBody>
                     <a:bodyPr/>
+                    <a:lstStyle/>
                     <a:p>
                       <a:endParaRPr lang="en-US" dirty="0"/>
                     </a:p>
@@ -11924,6 +12255,7 @@
                 <a:tc>
                   <a:txBody>
                     <a:bodyPr/>
+                    <a:lstStyle/>
                     <a:p>
                       <a:r>
                         <a:rPr lang="en-US" altLang="zh-CN" sz="1800" dirty="0">
@@ -11947,6 +12279,7 @@
                 <a:tc>
                   <a:txBody>
                     <a:bodyPr/>
+                    <a:lstStyle/>
                     <a:p>
                       <a:endParaRPr lang="en-US" dirty="0"/>
                     </a:p>
@@ -11956,6 +12289,7 @@
                 <a:tc>
                   <a:txBody>
                     <a:bodyPr/>
+                    <a:lstStyle/>
                     <a:p>
                       <a:pPr marL="0" marR="0" lvl="0" indent="0" algn="l" defTabSz="914400" rtl="0" eaLnBrk="1" fontAlgn="auto" latinLnBrk="0" hangingPunct="1">
                         <a:lnSpc>
@@ -11981,7 +12315,6 @@
                         <a:rPr lang="zh-CN" altLang="en-US" dirty="0"/>
                         <a:t>修改成交、分仓模块对应功能。</a:t>
                       </a:r>
-                      <a:endParaRPr lang="zh-CN" altLang="en-US" dirty="0"/>
                     </a:p>
                   </a:txBody>
                   <a:tcPr/>
@@ -11991,12 +12324,12 @@
                 <a:tc>
                   <a:txBody>
                     <a:bodyPr/>
+                    <a:lstStyle/>
                     <a:p>
                       <a:r>
                         <a:rPr lang="en-US" dirty="0"/>
                         <a:t>tbs-dp-drs</a:t>
                       </a:r>
-                      <a:endParaRPr lang="en-US" dirty="0"/>
                     </a:p>
                   </a:txBody>
                   <a:tcPr/>
@@ -12004,6 +12337,7 @@
                 <a:tc>
                   <a:txBody>
                     <a:bodyPr/>
+                    <a:lstStyle/>
                     <a:p>
                       <a:pPr marL="0" marR="0" lvl="0" indent="0" algn="l" defTabSz="914400" rtl="0" eaLnBrk="1" fontAlgn="auto" latinLnBrk="0" hangingPunct="1">
                         <a:lnSpc>
@@ -12029,7 +12363,6 @@
                         <a:rPr lang="zh-CN" altLang="en-US" dirty="0"/>
                         <a:t>定义对应接收和下发的消息体。</a:t>
                       </a:r>
-                      <a:endParaRPr lang="zh-CN" altLang="en-US" dirty="0"/>
                     </a:p>
                   </a:txBody>
                   <a:tcPr/>
@@ -12041,7 +12374,7 @@
       </p:graphicFrame>
     </p:spTree>
     <p:custDataLst>
-      <p:tags r:id="rId2"/>
+      <p:tags r:id="rId1"/>
     </p:custDataLst>
   </p:cSld>
   <p:clrMapOvr>
@@ -12055,7 +12388,7 @@
   <p:cSld>
     <p:spTree>
       <p:nvGrpSpPr>
-        <p:cNvPr id="40" name=""/>
+        <p:cNvPr id="1" name=""/>
         <p:cNvGrpSpPr/>
         <p:nvPr/>
       </p:nvGrpSpPr>
@@ -12080,12 +12413,12 @@
         <p:spPr/>
         <p:txBody>
           <a:bodyPr/>
+          <a:lstStyle/>
           <a:p>
             <a:r>
               <a:rPr lang="zh-CN" altLang="en-US"/>
               <a:t>项目安排</a:t>
             </a:r>
-            <a:endParaRPr lang="zh-CN" altLang="en-US"/>
           </a:p>
         </p:txBody>
       </p:sp>
@@ -12102,13 +12435,13 @@
         <p:spPr/>
         <p:txBody>
           <a:bodyPr/>
+          <a:lstStyle/>
           <a:p>
             <a:pPr lvl="1"/>
             <a:r>
               <a:rPr lang="zh-CN" altLang="en-US"/>
               <a:t>项目负责人：</a:t>
             </a:r>
-            <a:endParaRPr lang="zh-CN" altLang="en-US"/>
           </a:p>
           <a:p>
             <a:pPr lvl="1"/>
@@ -12116,7 +12449,6 @@
               <a:rPr lang="zh-CN" altLang="en-US"/>
               <a:t>后端：</a:t>
             </a:r>
-            <a:endParaRPr lang="zh-CN" altLang="en-US"/>
           </a:p>
           <a:p>
             <a:pPr lvl="1"/>
@@ -12136,9 +12468,11 @@
           </a:p>
           <a:p>
             <a:pPr lvl="1"/>
+            <a:endParaRPr/>
           </a:p>
           <a:p>
             <a:pPr lvl="1"/>
+            <a:endParaRPr/>
           </a:p>
           <a:p>
             <a:pPr lvl="1"/>
@@ -12148,9 +12482,6 @@
               </a:rPr>
               <a:t>时间：</a:t>
             </a:r>
-            <a:endParaRPr>
-              <a:sym typeface="+mn-ea"/>
-            </a:endParaRPr>
           </a:p>
           <a:p>
             <a:pPr lvl="1"/>
@@ -12172,9 +12503,6 @@
               </a:rPr>
               <a:t>验收标准：黑盒测试验收</a:t>
             </a:r>
-            <a:endParaRPr>
-              <a:sym typeface="+mn-ea"/>
-            </a:endParaRPr>
           </a:p>
           <a:p>
             <a:pPr lvl="1"/>
@@ -12206,7 +12534,21 @@
 </file>
 
 <file path=ppt/tags/tag1.xml><?xml version="1.0" encoding="utf-8"?>
-<p:tagLst xmlns:p="http://schemas.openxmlformats.org/presentationml/2006/main">
+<p:tagLst xmlns:a="http://schemas.openxmlformats.org/drawingml/2006/main" xmlns:r="http://schemas.openxmlformats.org/officeDocument/2006/relationships" xmlns:p="http://schemas.openxmlformats.org/presentationml/2006/main">
+  <p:tag name="KSO_WM_TEMPLATE_THUMBS_INDEX" val="1、4、7、12、13、14、15、16、17、18、20、24、25、28、33、36、40、43、44"/>
+  <p:tag name="KSO_WM_TEMPLATE_SUBCATEGORY" val="19"/>
+  <p:tag name="KSO_WM_TAG_VERSION" val="1.0"/>
+  <p:tag name="KSO_WM_BEAUTIFY_FLAG" val="#wm#"/>
+  <p:tag name="KSO_WM_TEMPLATE_CATEGORY" val="custom"/>
+  <p:tag name="KSO_WM_TEMPLATE_INDEX" val="20205081"/>
+  <p:tag name="KSO_WM_TEMPLATE_MASTER_TYPE" val="0"/>
+  <p:tag name="KSO_WM_TEMPLATE_COLOR_TYPE" val="1"/>
+  <p:tag name="KSO_WM_UNIT_SHOW_EDIT_AREA_INDICATION" val="1"/>
+</p:tagLst>
+</file>
+
+<file path=ppt/tags/tag10.xml><?xml version="1.0" encoding="utf-8"?>
+<p:tagLst xmlns:a="http://schemas.openxmlformats.org/drawingml/2006/main" xmlns:r="http://schemas.openxmlformats.org/officeDocument/2006/relationships" xmlns:p="http://schemas.openxmlformats.org/presentationml/2006/main">
   <p:tag name="KSO_WM_UNIT_HIGHLIGHT" val="0"/>
   <p:tag name="KSO_WM_UNIT_COMPATIBLE" val="0"/>
   <p:tag name="KSO_WM_UNIT_DIAGRAM_ISNUMVISUAL" val="0"/>
@@ -12218,8 +12560,21 @@
 </p:tagLst>
 </file>
 
-<file path=ppt/tags/tag10.xml><?xml version="1.0" encoding="utf-8"?>
-<p:tagLst xmlns:p="http://schemas.openxmlformats.org/presentationml/2006/main">
+<file path=ppt/tags/tag11.xml><?xml version="1.0" encoding="utf-8"?>
+<p:tagLst xmlns:a="http://schemas.openxmlformats.org/drawingml/2006/main" xmlns:r="http://schemas.openxmlformats.org/officeDocument/2006/relationships" xmlns:p="http://schemas.openxmlformats.org/presentationml/2006/main">
+  <p:tag name="KSO_WM_UNIT_HIGHLIGHT" val="0"/>
+  <p:tag name="KSO_WM_UNIT_COMPATIBLE" val="0"/>
+  <p:tag name="KSO_WM_UNIT_DIAGRAM_ISNUMVISUAL" val="0"/>
+  <p:tag name="KSO_WM_UNIT_DIAGRAM_ISREFERUNIT" val="0"/>
+  <p:tag name="KSO_WM_UNIT_ID" val="_1**"/>
+  <p:tag name="KSO_WM_UNIT_LAYERLEVEL" val="1"/>
+  <p:tag name="KSO_WM_TAG_VERSION" val="1.0"/>
+  <p:tag name="KSO_WM_BEAUTIFY_FLAG" val="#wm#"/>
+</p:tagLst>
+</file>
+
+<file path=ppt/tags/tag12.xml><?xml version="1.0" encoding="utf-8"?>
+<p:tagLst xmlns:a="http://schemas.openxmlformats.org/drawingml/2006/main" xmlns:r="http://schemas.openxmlformats.org/officeDocument/2006/relationships" xmlns:p="http://schemas.openxmlformats.org/presentationml/2006/main">
   <p:tag name="KSO_WM_UNIT_HIGHLIGHT" val="0"/>
   <p:tag name="KSO_WM_UNIT_COMPATIBLE" val="0"/>
   <p:tag name="KSO_WM_UNIT_DIAGRAM_ISNUMVISUAL" val="0"/>
@@ -12231,8 +12586,60 @@
 </p:tagLst>
 </file>
 
-<file path=ppt/tags/tag11.xml><?xml version="1.0" encoding="utf-8"?>
-<p:tagLst xmlns:p="http://schemas.openxmlformats.org/presentationml/2006/main">
+<file path=ppt/tags/tag13.xml><?xml version="1.0" encoding="utf-8"?>
+<p:tagLst xmlns:a="http://schemas.openxmlformats.org/drawingml/2006/main" xmlns:r="http://schemas.openxmlformats.org/officeDocument/2006/relationships" xmlns:p="http://schemas.openxmlformats.org/presentationml/2006/main">
+  <p:tag name="KSO_WM_UNIT_HIGHLIGHT" val="0"/>
+  <p:tag name="KSO_WM_UNIT_COMPATIBLE" val="0"/>
+  <p:tag name="KSO_WM_UNIT_DIAGRAM_ISNUMVISUAL" val="0"/>
+  <p:tag name="KSO_WM_UNIT_DIAGRAM_ISREFERUNIT" val="0"/>
+  <p:tag name="KSO_WM_UNIT_ID" val="_2**"/>
+  <p:tag name="KSO_WM_UNIT_LAYERLEVEL" val="1"/>
+  <p:tag name="KSO_WM_TAG_VERSION" val="1.0"/>
+  <p:tag name="KSO_WM_BEAUTIFY_FLAG" val="#wm#"/>
+</p:tagLst>
+</file>
+
+<file path=ppt/tags/tag14.xml><?xml version="1.0" encoding="utf-8"?>
+<p:tagLst xmlns:a="http://schemas.openxmlformats.org/drawingml/2006/main" xmlns:r="http://schemas.openxmlformats.org/officeDocument/2006/relationships" xmlns:p="http://schemas.openxmlformats.org/presentationml/2006/main">
+  <p:tag name="KSO_WM_UNIT_HIGHLIGHT" val="0"/>
+  <p:tag name="KSO_WM_UNIT_COMPATIBLE" val="0"/>
+  <p:tag name="KSO_WM_UNIT_DIAGRAM_ISNUMVISUAL" val="0"/>
+  <p:tag name="KSO_WM_UNIT_DIAGRAM_ISREFERUNIT" val="0"/>
+  <p:tag name="KSO_WM_UNIT_ID" val="_2**"/>
+  <p:tag name="KSO_WM_UNIT_LAYERLEVEL" val="1"/>
+  <p:tag name="KSO_WM_TAG_VERSION" val="1.0"/>
+  <p:tag name="KSO_WM_BEAUTIFY_FLAG" val="#wm#"/>
+</p:tagLst>
+</file>
+
+<file path=ppt/tags/tag15.xml><?xml version="1.0" encoding="utf-8"?>
+<p:tagLst xmlns:a="http://schemas.openxmlformats.org/drawingml/2006/main" xmlns:r="http://schemas.openxmlformats.org/officeDocument/2006/relationships" xmlns:p="http://schemas.openxmlformats.org/presentationml/2006/main">
+  <p:tag name="KSO_WM_UNIT_HIGHLIGHT" val="0"/>
+  <p:tag name="KSO_WM_UNIT_COMPATIBLE" val="0"/>
+  <p:tag name="KSO_WM_UNIT_DIAGRAM_ISNUMVISUAL" val="0"/>
+  <p:tag name="KSO_WM_UNIT_DIAGRAM_ISREFERUNIT" val="0"/>
+  <p:tag name="KSO_WM_UNIT_ID" val="_2**"/>
+  <p:tag name="KSO_WM_UNIT_LAYERLEVEL" val="1"/>
+  <p:tag name="KSO_WM_TAG_VERSION" val="1.0"/>
+  <p:tag name="KSO_WM_BEAUTIFY_FLAG" val="#wm#"/>
+</p:tagLst>
+</file>
+
+<file path=ppt/tags/tag16.xml><?xml version="1.0" encoding="utf-8"?>
+<p:tagLst xmlns:a="http://schemas.openxmlformats.org/drawingml/2006/main" xmlns:r="http://schemas.openxmlformats.org/officeDocument/2006/relationships" xmlns:p="http://schemas.openxmlformats.org/presentationml/2006/main">
+  <p:tag name="KSO_WM_UNIT_HIGHLIGHT" val="0"/>
+  <p:tag name="KSO_WM_UNIT_COMPATIBLE" val="0"/>
+  <p:tag name="KSO_WM_UNIT_DIAGRAM_ISNUMVISUAL" val="0"/>
+  <p:tag name="KSO_WM_UNIT_DIAGRAM_ISREFERUNIT" val="0"/>
+  <p:tag name="KSO_WM_UNIT_ID" val="_2**"/>
+  <p:tag name="KSO_WM_UNIT_LAYERLEVEL" val="1"/>
+  <p:tag name="KSO_WM_TAG_VERSION" val="1.0"/>
+  <p:tag name="KSO_WM_BEAUTIFY_FLAG" val="#wm#"/>
+</p:tagLst>
+</file>
+
+<file path=ppt/tags/tag17.xml><?xml version="1.0" encoding="utf-8"?>
+<p:tagLst xmlns:a="http://schemas.openxmlformats.org/drawingml/2006/main" xmlns:r="http://schemas.openxmlformats.org/officeDocument/2006/relationships" xmlns:p="http://schemas.openxmlformats.org/presentationml/2006/main">
   <p:tag name="KSO_WM_UNIT_HIGHLIGHT" val="0"/>
   <p:tag name="KSO_WM_UNIT_COMPATIBLE" val="0"/>
   <p:tag name="KSO_WM_UNIT_DIAGRAM_ISNUMVISUAL" val="0"/>
@@ -12244,8 +12651,8 @@
 </p:tagLst>
 </file>
 
-<file path=ppt/tags/tag12.xml><?xml version="1.0" encoding="utf-8"?>
-<p:tagLst xmlns:p="http://schemas.openxmlformats.org/presentationml/2006/main">
+<file path=ppt/tags/tag18.xml><?xml version="1.0" encoding="utf-8"?>
+<p:tagLst xmlns:a="http://schemas.openxmlformats.org/drawingml/2006/main" xmlns:r="http://schemas.openxmlformats.org/officeDocument/2006/relationships" xmlns:p="http://schemas.openxmlformats.org/presentationml/2006/main">
   <p:tag name="KSO_WM_UNIT_HIGHLIGHT" val="0"/>
   <p:tag name="KSO_WM_UNIT_COMPATIBLE" val="0"/>
   <p:tag name="KSO_WM_UNIT_DIAGRAM_ISNUMVISUAL" val="0"/>
@@ -12257,8 +12664,8 @@
 </p:tagLst>
 </file>
 
-<file path=ppt/tags/tag13.xml><?xml version="1.0" encoding="utf-8"?>
-<p:tagLst xmlns:p="http://schemas.openxmlformats.org/presentationml/2006/main">
+<file path=ppt/tags/tag19.xml><?xml version="1.0" encoding="utf-8"?>
+<p:tagLst xmlns:a="http://schemas.openxmlformats.org/drawingml/2006/main" xmlns:r="http://schemas.openxmlformats.org/officeDocument/2006/relationships" xmlns:p="http://schemas.openxmlformats.org/presentationml/2006/main">
   <p:tag name="KSO_WM_UNIT_HIGHLIGHT" val="0"/>
   <p:tag name="KSO_WM_UNIT_COMPATIBLE" val="0"/>
   <p:tag name="KSO_WM_UNIT_DIAGRAM_ISNUMVISUAL" val="0"/>
@@ -12270,619 +12677,8 @@
 </p:tagLst>
 </file>
 
-<file path=ppt/tags/tag14.xml><?xml version="1.0" encoding="utf-8"?>
-<p:tagLst xmlns:p="http://schemas.openxmlformats.org/presentationml/2006/main">
-  <p:tag name="KSO_WM_UNIT_HIGHLIGHT" val="0"/>
-  <p:tag name="KSO_WM_UNIT_COMPATIBLE" val="0"/>
-  <p:tag name="KSO_WM_UNIT_DIAGRAM_ISNUMVISUAL" val="0"/>
-  <p:tag name="KSO_WM_UNIT_DIAGRAM_ISREFERUNIT" val="0"/>
-  <p:tag name="KSO_WM_UNIT_ID" val="_3**"/>
-  <p:tag name="KSO_WM_UNIT_LAYERLEVEL" val="1"/>
-  <p:tag name="KSO_WM_TAG_VERSION" val="1.0"/>
-  <p:tag name="KSO_WM_BEAUTIFY_FLAG" val="#wm#"/>
-</p:tagLst>
-</file>
-
-<file path=ppt/tags/tag15.xml><?xml version="1.0" encoding="utf-8"?>
-<p:tagLst xmlns:p="http://schemas.openxmlformats.org/presentationml/2006/main">
-  <p:tag name="KSO_WM_UNIT_HIGHLIGHT" val="0"/>
-  <p:tag name="KSO_WM_UNIT_COMPATIBLE" val="0"/>
-  <p:tag name="KSO_WM_UNIT_DIAGRAM_ISNUMVISUAL" val="0"/>
-  <p:tag name="KSO_WM_UNIT_DIAGRAM_ISREFERUNIT" val="0"/>
-  <p:tag name="KSO_WM_UNIT_ID" val="_3**"/>
-  <p:tag name="KSO_WM_UNIT_LAYERLEVEL" val="1"/>
-  <p:tag name="KSO_WM_TAG_VERSION" val="1.0"/>
-  <p:tag name="KSO_WM_BEAUTIFY_FLAG" val="#wm#"/>
-</p:tagLst>
-</file>
-
-<file path=ppt/tags/tag16.xml><?xml version="1.0" encoding="utf-8"?>
-<p:tagLst xmlns:p="http://schemas.openxmlformats.org/presentationml/2006/main">
-  <p:tag name="KSO_WM_UNIT_HIGHLIGHT" val="0"/>
-  <p:tag name="KSO_WM_UNIT_COMPATIBLE" val="0"/>
-  <p:tag name="KSO_WM_UNIT_DIAGRAM_ISNUMVISUAL" val="0"/>
-  <p:tag name="KSO_WM_UNIT_DIAGRAM_ISREFERUNIT" val="0"/>
-  <p:tag name="KSO_WM_UNIT_ID" val="_4**"/>
-  <p:tag name="KSO_WM_UNIT_LAYERLEVEL" val="1"/>
-  <p:tag name="KSO_WM_TAG_VERSION" val="1.0"/>
-  <p:tag name="KSO_WM_BEAUTIFY_FLAG" val="#wm#"/>
-</p:tagLst>
-</file>
-
-<file path=ppt/tags/tag17.xml><?xml version="1.0" encoding="utf-8"?>
-<p:tagLst xmlns:p="http://schemas.openxmlformats.org/presentationml/2006/main">
-  <p:tag name="KSO_WM_UNIT_HIGHLIGHT" val="0"/>
-  <p:tag name="KSO_WM_UNIT_COMPATIBLE" val="0"/>
-  <p:tag name="KSO_WM_UNIT_DIAGRAM_ISNUMVISUAL" val="0"/>
-  <p:tag name="KSO_WM_UNIT_DIAGRAM_ISREFERUNIT" val="0"/>
-  <p:tag name="KSO_WM_UNIT_ID" val="_4**"/>
-  <p:tag name="KSO_WM_UNIT_LAYERLEVEL" val="1"/>
-  <p:tag name="KSO_WM_TAG_VERSION" val="1.0"/>
-  <p:tag name="KSO_WM_BEAUTIFY_FLAG" val="#wm#"/>
-</p:tagLst>
-</file>
-
-<file path=ppt/tags/tag18.xml><?xml version="1.0" encoding="utf-8"?>
-<p:tagLst xmlns:p="http://schemas.openxmlformats.org/presentationml/2006/main">
-  <p:tag name="KSO_WM_UNIT_HIGHLIGHT" val="0"/>
-  <p:tag name="KSO_WM_UNIT_COMPATIBLE" val="0"/>
-  <p:tag name="KSO_WM_UNIT_DIAGRAM_ISNUMVISUAL" val="0"/>
-  <p:tag name="KSO_WM_UNIT_DIAGRAM_ISREFERUNIT" val="0"/>
-  <p:tag name="KSO_WM_UNIT_ID" val="_4**"/>
-  <p:tag name="KSO_WM_UNIT_LAYERLEVEL" val="1"/>
-  <p:tag name="KSO_WM_TAG_VERSION" val="1.0"/>
-  <p:tag name="KSO_WM_BEAUTIFY_FLAG" val="#wm#"/>
-</p:tagLst>
-</file>
-
-<file path=ppt/tags/tag19.xml><?xml version="1.0" encoding="utf-8"?>
-<p:tagLst xmlns:p="http://schemas.openxmlformats.org/presentationml/2006/main">
-  <p:tag name="KSO_WM_UNIT_HIGHLIGHT" val="0"/>
-  <p:tag name="KSO_WM_UNIT_COMPATIBLE" val="0"/>
-  <p:tag name="KSO_WM_UNIT_DIAGRAM_ISNUMVISUAL" val="0"/>
-  <p:tag name="KSO_WM_UNIT_DIAGRAM_ISREFERUNIT" val="0"/>
-  <p:tag name="KSO_WM_UNIT_ID" val="_4**"/>
-  <p:tag name="KSO_WM_UNIT_LAYERLEVEL" val="1"/>
-  <p:tag name="KSO_WM_TAG_VERSION" val="1.0"/>
-  <p:tag name="KSO_WM_BEAUTIFY_FLAG" val="#wm#"/>
-</p:tagLst>
-</file>
-
 <file path=ppt/tags/tag2.xml><?xml version="1.0" encoding="utf-8"?>
-<p:tagLst xmlns:p="http://schemas.openxmlformats.org/presentationml/2006/main">
-  <p:tag name="KSO_WM_UNIT_HIGHLIGHT" val="0"/>
-  <p:tag name="KSO_WM_UNIT_COMPATIBLE" val="0"/>
-  <p:tag name="KSO_WM_UNIT_DIAGRAM_ISNUMVISUAL" val="0"/>
-  <p:tag name="KSO_WM_UNIT_DIAGRAM_ISREFERUNIT" val="0"/>
-  <p:tag name="KSO_WM_UNIT_ID" val="_1**"/>
-  <p:tag name="KSO_WM_UNIT_LAYERLEVEL" val="1"/>
-  <p:tag name="KSO_WM_TAG_VERSION" val="1.0"/>
-  <p:tag name="KSO_WM_BEAUTIFY_FLAG" val="#wm#"/>
-</p:tagLst>
-</file>
-
-<file path=ppt/tags/tag20.xml><?xml version="1.0" encoding="utf-8"?>
-<p:tagLst xmlns:p="http://schemas.openxmlformats.org/presentationml/2006/main">
-  <p:tag name="KSO_WM_UNIT_HIGHLIGHT" val="0"/>
-  <p:tag name="KSO_WM_UNIT_COMPATIBLE" val="0"/>
-  <p:tag name="KSO_WM_UNIT_DIAGRAM_ISNUMVISUAL" val="0"/>
-  <p:tag name="KSO_WM_UNIT_DIAGRAM_ISREFERUNIT" val="0"/>
-  <p:tag name="KSO_WM_UNIT_ID" val="_4**"/>
-  <p:tag name="KSO_WM_UNIT_LAYERLEVEL" val="1"/>
-  <p:tag name="KSO_WM_TAG_VERSION" val="1.0"/>
-  <p:tag name="KSO_WM_BEAUTIFY_FLAG" val="#wm#"/>
-</p:tagLst>
-</file>
-
-<file path=ppt/tags/tag21.xml><?xml version="1.0" encoding="utf-8"?>
-<p:tagLst xmlns:p="http://schemas.openxmlformats.org/presentationml/2006/main">
-  <p:tag name="KSO_WM_UNIT_HIGHLIGHT" val="0"/>
-  <p:tag name="KSO_WM_UNIT_COMPATIBLE" val="0"/>
-  <p:tag name="KSO_WM_UNIT_DIAGRAM_ISNUMVISUAL" val="0"/>
-  <p:tag name="KSO_WM_UNIT_DIAGRAM_ISREFERUNIT" val="0"/>
-  <p:tag name="KSO_WM_UNIT_ID" val="_4**"/>
-  <p:tag name="KSO_WM_UNIT_LAYERLEVEL" val="1"/>
-  <p:tag name="KSO_WM_TAG_VERSION" val="1.0"/>
-  <p:tag name="KSO_WM_BEAUTIFY_FLAG" val="#wm#"/>
-</p:tagLst>
-</file>
-
-<file path=ppt/tags/tag22.xml><?xml version="1.0" encoding="utf-8"?>
-<p:tagLst xmlns:p="http://schemas.openxmlformats.org/presentationml/2006/main">
-  <p:tag name="KSO_WM_UNIT_HIGHLIGHT" val="0"/>
-  <p:tag name="KSO_WM_UNIT_COMPATIBLE" val="0"/>
-  <p:tag name="KSO_WM_UNIT_DIAGRAM_ISNUMVISUAL" val="0"/>
-  <p:tag name="KSO_WM_UNIT_DIAGRAM_ISREFERUNIT" val="0"/>
-  <p:tag name="KSO_WM_UNIT_ID" val="_5**"/>
-  <p:tag name="KSO_WM_UNIT_LAYERLEVEL" val="1"/>
-  <p:tag name="KSO_WM_TAG_VERSION" val="1.0"/>
-  <p:tag name="KSO_WM_BEAUTIFY_FLAG" val="#wm#"/>
-</p:tagLst>
-</file>
-
-<file path=ppt/tags/tag23.xml><?xml version="1.0" encoding="utf-8"?>
-<p:tagLst xmlns:p="http://schemas.openxmlformats.org/presentationml/2006/main">
-  <p:tag name="KSO_WM_UNIT_HIGHLIGHT" val="0"/>
-  <p:tag name="KSO_WM_UNIT_COMPATIBLE" val="0"/>
-  <p:tag name="KSO_WM_UNIT_DIAGRAM_ISNUMVISUAL" val="0"/>
-  <p:tag name="KSO_WM_UNIT_DIAGRAM_ISREFERUNIT" val="0"/>
-  <p:tag name="KSO_WM_UNIT_ID" val="_5**"/>
-  <p:tag name="KSO_WM_UNIT_LAYERLEVEL" val="1"/>
-  <p:tag name="KSO_WM_TAG_VERSION" val="1.0"/>
-  <p:tag name="KSO_WM_BEAUTIFY_FLAG" val="#wm#"/>
-</p:tagLst>
-</file>
-
-<file path=ppt/tags/tag24.xml><?xml version="1.0" encoding="utf-8"?>
-<p:tagLst xmlns:p="http://schemas.openxmlformats.org/presentationml/2006/main">
-  <p:tag name="KSO_WM_UNIT_HIGHLIGHT" val="0"/>
-  <p:tag name="KSO_WM_UNIT_COMPATIBLE" val="0"/>
-  <p:tag name="KSO_WM_UNIT_DIAGRAM_ISNUMVISUAL" val="0"/>
-  <p:tag name="KSO_WM_UNIT_DIAGRAM_ISREFERUNIT" val="0"/>
-  <p:tag name="KSO_WM_UNIT_ID" val="_5**"/>
-  <p:tag name="KSO_WM_UNIT_LAYERLEVEL" val="1"/>
-  <p:tag name="KSO_WM_TAG_VERSION" val="1.0"/>
-  <p:tag name="KSO_WM_BEAUTIFY_FLAG" val="#wm#"/>
-</p:tagLst>
-</file>
-
-<file path=ppt/tags/tag25.xml><?xml version="1.0" encoding="utf-8"?>
-<p:tagLst xmlns:p="http://schemas.openxmlformats.org/presentationml/2006/main">
-  <p:tag name="KSO_WM_UNIT_HIGHLIGHT" val="0"/>
-  <p:tag name="KSO_WM_UNIT_COMPATIBLE" val="0"/>
-  <p:tag name="KSO_WM_UNIT_DIAGRAM_ISNUMVISUAL" val="0"/>
-  <p:tag name="KSO_WM_UNIT_DIAGRAM_ISREFERUNIT" val="0"/>
-  <p:tag name="KSO_WM_UNIT_ID" val="_5**"/>
-  <p:tag name="KSO_WM_UNIT_LAYERLEVEL" val="1"/>
-  <p:tag name="KSO_WM_TAG_VERSION" val="1.0"/>
-  <p:tag name="KSO_WM_BEAUTIFY_FLAG" val="#wm#"/>
-</p:tagLst>
-</file>
-
-<file path=ppt/tags/tag26.xml><?xml version="1.0" encoding="utf-8"?>
-<p:tagLst xmlns:p="http://schemas.openxmlformats.org/presentationml/2006/main">
-  <p:tag name="KSO_WM_UNIT_HIGHLIGHT" val="0"/>
-  <p:tag name="KSO_WM_UNIT_COMPATIBLE" val="0"/>
-  <p:tag name="KSO_WM_UNIT_DIAGRAM_ISNUMVISUAL" val="0"/>
-  <p:tag name="KSO_WM_UNIT_DIAGRAM_ISREFERUNIT" val="0"/>
-  <p:tag name="KSO_WM_UNIT_ID" val="_5**"/>
-  <p:tag name="KSO_WM_UNIT_LAYERLEVEL" val="1"/>
-  <p:tag name="KSO_WM_TAG_VERSION" val="1.0"/>
-  <p:tag name="KSO_WM_BEAUTIFY_FLAG" val="#wm#"/>
-</p:tagLst>
-</file>
-
-<file path=ppt/tags/tag27.xml><?xml version="1.0" encoding="utf-8"?>
-<p:tagLst xmlns:p="http://schemas.openxmlformats.org/presentationml/2006/main">
-  <p:tag name="KSO_WM_UNIT_HIGHLIGHT" val="0"/>
-  <p:tag name="KSO_WM_UNIT_COMPATIBLE" val="0"/>
-  <p:tag name="KSO_WM_UNIT_DIAGRAM_ISNUMVISUAL" val="0"/>
-  <p:tag name="KSO_WM_UNIT_DIAGRAM_ISREFERUNIT" val="0"/>
-  <p:tag name="KSO_WM_UNIT_ID" val="_5**"/>
-  <p:tag name="KSO_WM_UNIT_LAYERLEVEL" val="1"/>
-  <p:tag name="KSO_WM_TAG_VERSION" val="1.0"/>
-  <p:tag name="KSO_WM_BEAUTIFY_FLAG" val="#wm#"/>
-</p:tagLst>
-</file>
-
-<file path=ppt/tags/tag28.xml><?xml version="1.0" encoding="utf-8"?>
-<p:tagLst xmlns:p="http://schemas.openxmlformats.org/presentationml/2006/main">
-  <p:tag name="KSO_WM_UNIT_HIGHLIGHT" val="0"/>
-  <p:tag name="KSO_WM_UNIT_COMPATIBLE" val="0"/>
-  <p:tag name="KSO_WM_UNIT_DIAGRAM_ISNUMVISUAL" val="0"/>
-  <p:tag name="KSO_WM_UNIT_DIAGRAM_ISREFERUNIT" val="0"/>
-  <p:tag name="KSO_WM_UNIT_ID" val="_5**"/>
-  <p:tag name="KSO_WM_UNIT_LAYERLEVEL" val="1"/>
-  <p:tag name="KSO_WM_TAG_VERSION" val="1.0"/>
-  <p:tag name="KSO_WM_BEAUTIFY_FLAG" val="#wm#"/>
-</p:tagLst>
-</file>
-
-<file path=ppt/tags/tag29.xml><?xml version="1.0" encoding="utf-8"?>
-<p:tagLst xmlns:p="http://schemas.openxmlformats.org/presentationml/2006/main">
-  <p:tag name="KSO_WM_UNIT_HIGHLIGHT" val="0"/>
-  <p:tag name="KSO_WM_UNIT_COMPATIBLE" val="0"/>
-  <p:tag name="KSO_WM_UNIT_DIAGRAM_ISNUMVISUAL" val="0"/>
-  <p:tag name="KSO_WM_UNIT_DIAGRAM_ISREFERUNIT" val="0"/>
-  <p:tag name="KSO_WM_UNIT_ID" val="_5**"/>
-  <p:tag name="KSO_WM_UNIT_LAYERLEVEL" val="1"/>
-  <p:tag name="KSO_WM_TAG_VERSION" val="1.0"/>
-  <p:tag name="KSO_WM_BEAUTIFY_FLAG" val="#wm#"/>
-</p:tagLst>
-</file>
-
-<file path=ppt/tags/tag3.xml><?xml version="1.0" encoding="utf-8"?>
-<p:tagLst xmlns:p="http://schemas.openxmlformats.org/presentationml/2006/main">
-  <p:tag name="KSO_WM_UNIT_HIGHLIGHT" val="0"/>
-  <p:tag name="KSO_WM_UNIT_COMPATIBLE" val="0"/>
-  <p:tag name="KSO_WM_UNIT_DIAGRAM_ISNUMVISUAL" val="0"/>
-  <p:tag name="KSO_WM_UNIT_DIAGRAM_ISREFERUNIT" val="0"/>
-  <p:tag name="KSO_WM_UNIT_ID" val="_1**"/>
-  <p:tag name="KSO_WM_UNIT_LAYERLEVEL" val="1"/>
-  <p:tag name="KSO_WM_TAG_VERSION" val="1.0"/>
-  <p:tag name="KSO_WM_BEAUTIFY_FLAG" val="#wm#"/>
-</p:tagLst>
-</file>
-
-<file path=ppt/tags/tag30.xml><?xml version="1.0" encoding="utf-8"?>
-<p:tagLst xmlns:p="http://schemas.openxmlformats.org/presentationml/2006/main">
-  <p:tag name="KSO_WM_UNIT_HIGHLIGHT" val="0"/>
-  <p:tag name="KSO_WM_UNIT_COMPATIBLE" val="0"/>
-  <p:tag name="KSO_WM_UNIT_DIAGRAM_ISNUMVISUAL" val="0"/>
-  <p:tag name="KSO_WM_UNIT_DIAGRAM_ISREFERUNIT" val="0"/>
-  <p:tag name="KSO_WM_UNIT_ID" val="_6**"/>
-  <p:tag name="KSO_WM_UNIT_LAYERLEVEL" val="1"/>
-  <p:tag name="KSO_WM_TAG_VERSION" val="1.0"/>
-  <p:tag name="KSO_WM_BEAUTIFY_FLAG" val="#wm#"/>
-</p:tagLst>
-</file>
-
-<file path=ppt/tags/tag31.xml><?xml version="1.0" encoding="utf-8"?>
-<p:tagLst xmlns:p="http://schemas.openxmlformats.org/presentationml/2006/main">
-  <p:tag name="KSO_WM_UNIT_HIGHLIGHT" val="0"/>
-  <p:tag name="KSO_WM_UNIT_COMPATIBLE" val="0"/>
-  <p:tag name="KSO_WM_UNIT_DIAGRAM_ISNUMVISUAL" val="0"/>
-  <p:tag name="KSO_WM_UNIT_DIAGRAM_ISREFERUNIT" val="0"/>
-  <p:tag name="KSO_WM_UNIT_ID" val="_6**"/>
-  <p:tag name="KSO_WM_UNIT_LAYERLEVEL" val="1"/>
-  <p:tag name="KSO_WM_TAG_VERSION" val="1.0"/>
-  <p:tag name="KSO_WM_BEAUTIFY_FLAG" val="#wm#"/>
-</p:tagLst>
-</file>
-
-<file path=ppt/tags/tag32.xml><?xml version="1.0" encoding="utf-8"?>
-<p:tagLst xmlns:p="http://schemas.openxmlformats.org/presentationml/2006/main">
-  <p:tag name="KSO_WM_UNIT_HIGHLIGHT" val="0"/>
-  <p:tag name="KSO_WM_UNIT_COMPATIBLE" val="0"/>
-  <p:tag name="KSO_WM_UNIT_DIAGRAM_ISNUMVISUAL" val="0"/>
-  <p:tag name="KSO_WM_UNIT_DIAGRAM_ISREFERUNIT" val="0"/>
-  <p:tag name="KSO_WM_UNIT_ID" val="_6**"/>
-  <p:tag name="KSO_WM_UNIT_LAYERLEVEL" val="1"/>
-  <p:tag name="KSO_WM_TAG_VERSION" val="1.0"/>
-  <p:tag name="KSO_WM_BEAUTIFY_FLAG" val="#wm#"/>
-</p:tagLst>
-</file>
-
-<file path=ppt/tags/tag33.xml><?xml version="1.0" encoding="utf-8"?>
-<p:tagLst xmlns:p="http://schemas.openxmlformats.org/presentationml/2006/main">
-  <p:tag name="KSO_WM_UNIT_HIGHLIGHT" val="0"/>
-  <p:tag name="KSO_WM_UNIT_COMPATIBLE" val="0"/>
-  <p:tag name="KSO_WM_UNIT_DIAGRAM_ISNUMVISUAL" val="0"/>
-  <p:tag name="KSO_WM_UNIT_DIAGRAM_ISREFERUNIT" val="0"/>
-  <p:tag name="KSO_WM_UNIT_ID" val="_6**"/>
-  <p:tag name="KSO_WM_UNIT_LAYERLEVEL" val="1"/>
-  <p:tag name="KSO_WM_TAG_VERSION" val="1.0"/>
-  <p:tag name="KSO_WM_BEAUTIFY_FLAG" val="#wm#"/>
-</p:tagLst>
-</file>
-
-<file path=ppt/tags/tag34.xml><?xml version="1.0" encoding="utf-8"?>
-<p:tagLst xmlns:p="http://schemas.openxmlformats.org/presentationml/2006/main">
-  <p:tag name="KSO_WM_UNIT_HIGHLIGHT" val="0"/>
-  <p:tag name="KSO_WM_UNIT_COMPATIBLE" val="0"/>
-  <p:tag name="KSO_WM_UNIT_DIAGRAM_ISNUMVISUAL" val="0"/>
-  <p:tag name="KSO_WM_UNIT_DIAGRAM_ISREFERUNIT" val="0"/>
-  <p:tag name="KSO_WM_UNIT_ID" val="_7**"/>
-  <p:tag name="KSO_WM_UNIT_LAYERLEVEL" val="1"/>
-  <p:tag name="KSO_WM_TAG_VERSION" val="1.0"/>
-  <p:tag name="KSO_WM_BEAUTIFY_FLAG" val="#wm#"/>
-</p:tagLst>
-</file>
-
-<file path=ppt/tags/tag35.xml><?xml version="1.0" encoding="utf-8"?>
-<p:tagLst xmlns:p="http://schemas.openxmlformats.org/presentationml/2006/main">
-  <p:tag name="KSO_WM_UNIT_HIGHLIGHT" val="0"/>
-  <p:tag name="KSO_WM_UNIT_COMPATIBLE" val="0"/>
-  <p:tag name="KSO_WM_UNIT_DIAGRAM_ISNUMVISUAL" val="0"/>
-  <p:tag name="KSO_WM_UNIT_DIAGRAM_ISREFERUNIT" val="0"/>
-  <p:tag name="KSO_WM_UNIT_ID" val="_7**"/>
-  <p:tag name="KSO_WM_UNIT_LAYERLEVEL" val="1"/>
-  <p:tag name="KSO_WM_TAG_VERSION" val="1.0"/>
-  <p:tag name="KSO_WM_BEAUTIFY_FLAG" val="#wm#"/>
-</p:tagLst>
-</file>
-
-<file path=ppt/tags/tag36.xml><?xml version="1.0" encoding="utf-8"?>
-<p:tagLst xmlns:p="http://schemas.openxmlformats.org/presentationml/2006/main">
-  <p:tag name="KSO_WM_UNIT_HIGHLIGHT" val="0"/>
-  <p:tag name="KSO_WM_UNIT_COMPATIBLE" val="0"/>
-  <p:tag name="KSO_WM_UNIT_DIAGRAM_ISNUMVISUAL" val="0"/>
-  <p:tag name="KSO_WM_UNIT_DIAGRAM_ISREFERUNIT" val="0"/>
-  <p:tag name="KSO_WM_UNIT_ID" val="_7**"/>
-  <p:tag name="KSO_WM_UNIT_LAYERLEVEL" val="1"/>
-  <p:tag name="KSO_WM_TAG_VERSION" val="1.0"/>
-  <p:tag name="KSO_WM_BEAUTIFY_FLAG" val="#wm#"/>
-</p:tagLst>
-</file>
-
-<file path=ppt/tags/tag37.xml><?xml version="1.0" encoding="utf-8"?>
-<p:tagLst xmlns:p="http://schemas.openxmlformats.org/presentationml/2006/main">
-  <p:tag name="KSO_WM_UNIT_HIGHLIGHT" val="0"/>
-  <p:tag name="KSO_WM_UNIT_COMPATIBLE" val="0"/>
-  <p:tag name="KSO_WM_UNIT_DIAGRAM_ISNUMVISUAL" val="0"/>
-  <p:tag name="KSO_WM_UNIT_DIAGRAM_ISREFERUNIT" val="0"/>
-  <p:tag name="KSO_WM_UNIT_ID" val="_8**"/>
-  <p:tag name="KSO_WM_UNIT_LAYERLEVEL" val="1"/>
-  <p:tag name="KSO_WM_TAG_VERSION" val="1.0"/>
-  <p:tag name="KSO_WM_BEAUTIFY_FLAG" val="#wm#"/>
-</p:tagLst>
-</file>
-
-<file path=ppt/tags/tag38.xml><?xml version="1.0" encoding="utf-8"?>
-<p:tagLst xmlns:p="http://schemas.openxmlformats.org/presentationml/2006/main">
-  <p:tag name="KSO_WM_UNIT_HIGHLIGHT" val="0"/>
-  <p:tag name="KSO_WM_UNIT_COMPATIBLE" val="0"/>
-  <p:tag name="KSO_WM_UNIT_DIAGRAM_ISNUMVISUAL" val="0"/>
-  <p:tag name="KSO_WM_UNIT_DIAGRAM_ISREFERUNIT" val="0"/>
-  <p:tag name="KSO_WM_UNIT_ID" val="_8**"/>
-  <p:tag name="KSO_WM_UNIT_LAYERLEVEL" val="1"/>
-  <p:tag name="KSO_WM_TAG_VERSION" val="1.0"/>
-  <p:tag name="KSO_WM_BEAUTIFY_FLAG" val="#wm#"/>
-</p:tagLst>
-</file>
-
-<file path=ppt/tags/tag39.xml><?xml version="1.0" encoding="utf-8"?>
-<p:tagLst xmlns:p="http://schemas.openxmlformats.org/presentationml/2006/main">
-  <p:tag name="KSO_WM_UNIT_HIGHLIGHT" val="0"/>
-  <p:tag name="KSO_WM_UNIT_COMPATIBLE" val="0"/>
-  <p:tag name="KSO_WM_UNIT_DIAGRAM_ISNUMVISUAL" val="0"/>
-  <p:tag name="KSO_WM_UNIT_DIAGRAM_ISREFERUNIT" val="0"/>
-  <p:tag name="KSO_WM_UNIT_ID" val="_8**"/>
-  <p:tag name="KSO_WM_UNIT_LAYERLEVEL" val="1"/>
-  <p:tag name="KSO_WM_TAG_VERSION" val="1.0"/>
-  <p:tag name="KSO_WM_BEAUTIFY_FLAG" val="#wm#"/>
-</p:tagLst>
-</file>
-
-<file path=ppt/tags/tag4.xml><?xml version="1.0" encoding="utf-8"?>
-<p:tagLst xmlns:p="http://schemas.openxmlformats.org/presentationml/2006/main">
-  <p:tag name="KSO_WM_UNIT_HIGHLIGHT" val="0"/>
-  <p:tag name="KSO_WM_UNIT_COMPATIBLE" val="0"/>
-  <p:tag name="KSO_WM_UNIT_DIAGRAM_ISNUMVISUAL" val="0"/>
-  <p:tag name="KSO_WM_UNIT_DIAGRAM_ISREFERUNIT" val="0"/>
-  <p:tag name="KSO_WM_UNIT_ID" val="_1**"/>
-  <p:tag name="KSO_WM_UNIT_LAYERLEVEL" val="1"/>
-  <p:tag name="KSO_WM_TAG_VERSION" val="1.0"/>
-  <p:tag name="KSO_WM_BEAUTIFY_FLAG" val="#wm#"/>
-</p:tagLst>
-</file>
-
-<file path=ppt/tags/tag40.xml><?xml version="1.0" encoding="utf-8"?>
-<p:tagLst xmlns:p="http://schemas.openxmlformats.org/presentationml/2006/main">
-  <p:tag name="KSO_WM_UNIT_HIGHLIGHT" val="0"/>
-  <p:tag name="KSO_WM_UNIT_COMPATIBLE" val="0"/>
-  <p:tag name="KSO_WM_UNIT_DIAGRAM_ISNUMVISUAL" val="0"/>
-  <p:tag name="KSO_WM_UNIT_DIAGRAM_ISREFERUNIT" val="0"/>
-  <p:tag name="KSO_WM_UNIT_ID" val="_8**"/>
-  <p:tag name="KSO_WM_UNIT_LAYERLEVEL" val="1"/>
-  <p:tag name="KSO_WM_TAG_VERSION" val="1.0"/>
-  <p:tag name="KSO_WM_BEAUTIFY_FLAG" val="#wm#"/>
-</p:tagLst>
-</file>
-
-<file path=ppt/tags/tag41.xml><?xml version="1.0" encoding="utf-8"?>
-<p:tagLst xmlns:p="http://schemas.openxmlformats.org/presentationml/2006/main">
-  <p:tag name="KSO_WM_UNIT_HIGHLIGHT" val="0"/>
-  <p:tag name="KSO_WM_UNIT_COMPATIBLE" val="0"/>
-  <p:tag name="KSO_WM_UNIT_DIAGRAM_ISNUMVISUAL" val="0"/>
-  <p:tag name="KSO_WM_UNIT_DIAGRAM_ISREFERUNIT" val="0"/>
-  <p:tag name="KSO_WM_UNIT_ID" val="_8**"/>
-  <p:tag name="KSO_WM_UNIT_LAYERLEVEL" val="1"/>
-  <p:tag name="KSO_WM_TAG_VERSION" val="1.0"/>
-  <p:tag name="KSO_WM_BEAUTIFY_FLAG" val="#wm#"/>
-</p:tagLst>
-</file>
-
-<file path=ppt/tags/tag42.xml><?xml version="1.0" encoding="utf-8"?>
-<p:tagLst xmlns:p="http://schemas.openxmlformats.org/presentationml/2006/main">
-  <p:tag name="KSO_WM_UNIT_HIGHLIGHT" val="0"/>
-  <p:tag name="KSO_WM_UNIT_COMPATIBLE" val="0"/>
-  <p:tag name="KSO_WM_UNIT_DIAGRAM_ISNUMVISUAL" val="0"/>
-  <p:tag name="KSO_WM_UNIT_DIAGRAM_ISREFERUNIT" val="0"/>
-  <p:tag name="KSO_WM_UNIT_ID" val="_8**"/>
-  <p:tag name="KSO_WM_UNIT_LAYERLEVEL" val="1"/>
-  <p:tag name="KSO_WM_TAG_VERSION" val="1.0"/>
-  <p:tag name="KSO_WM_BEAUTIFY_FLAG" val="#wm#"/>
-</p:tagLst>
-</file>
-
-<file path=ppt/tags/tag43.xml><?xml version="1.0" encoding="utf-8"?>
-<p:tagLst xmlns:p="http://schemas.openxmlformats.org/presentationml/2006/main">
-  <p:tag name="KSO_WM_UNIT_HIGHLIGHT" val="0"/>
-  <p:tag name="KSO_WM_UNIT_COMPATIBLE" val="0"/>
-  <p:tag name="KSO_WM_UNIT_DIAGRAM_ISNUMVISUAL" val="0"/>
-  <p:tag name="KSO_WM_UNIT_DIAGRAM_ISREFERUNIT" val="0"/>
-  <p:tag name="KSO_WM_UNIT_ID" val="_9**"/>
-  <p:tag name="KSO_WM_UNIT_LAYERLEVEL" val="1"/>
-  <p:tag name="KSO_WM_TAG_VERSION" val="1.0"/>
-  <p:tag name="KSO_WM_BEAUTIFY_FLAG" val="#wm#"/>
-</p:tagLst>
-</file>
-
-<file path=ppt/tags/tag44.xml><?xml version="1.0" encoding="utf-8"?>
-<p:tagLst xmlns:p="http://schemas.openxmlformats.org/presentationml/2006/main">
-  <p:tag name="KSO_WM_UNIT_HIGHLIGHT" val="0"/>
-  <p:tag name="KSO_WM_UNIT_COMPATIBLE" val="0"/>
-  <p:tag name="KSO_WM_UNIT_DIAGRAM_ISNUMVISUAL" val="0"/>
-  <p:tag name="KSO_WM_UNIT_DIAGRAM_ISREFERUNIT" val="0"/>
-  <p:tag name="KSO_WM_UNIT_ID" val="_9**"/>
-  <p:tag name="KSO_WM_UNIT_LAYERLEVEL" val="1"/>
-  <p:tag name="KSO_WM_TAG_VERSION" val="1.0"/>
-  <p:tag name="KSO_WM_BEAUTIFY_FLAG" val="#wm#"/>
-</p:tagLst>
-</file>
-
-<file path=ppt/tags/tag45.xml><?xml version="1.0" encoding="utf-8"?>
-<p:tagLst xmlns:p="http://schemas.openxmlformats.org/presentationml/2006/main">
-  <p:tag name="KSO_WM_UNIT_HIGHLIGHT" val="0"/>
-  <p:tag name="KSO_WM_UNIT_COMPATIBLE" val="0"/>
-  <p:tag name="KSO_WM_UNIT_DIAGRAM_ISNUMVISUAL" val="0"/>
-  <p:tag name="KSO_WM_UNIT_DIAGRAM_ISREFERUNIT" val="0"/>
-  <p:tag name="KSO_WM_UNIT_ID" val="_9**"/>
-  <p:tag name="KSO_WM_UNIT_LAYERLEVEL" val="1"/>
-  <p:tag name="KSO_WM_TAG_VERSION" val="1.0"/>
-  <p:tag name="KSO_WM_BEAUTIFY_FLAG" val="#wm#"/>
-</p:tagLst>
-</file>
-
-<file path=ppt/tags/tag46.xml><?xml version="1.0" encoding="utf-8"?>
-<p:tagLst xmlns:p="http://schemas.openxmlformats.org/presentationml/2006/main">
-  <p:tag name="KSO_WM_UNIT_HIGHLIGHT" val="0"/>
-  <p:tag name="KSO_WM_UNIT_COMPATIBLE" val="0"/>
-  <p:tag name="KSO_WM_UNIT_DIAGRAM_ISNUMVISUAL" val="0"/>
-  <p:tag name="KSO_WM_UNIT_DIAGRAM_ISREFERUNIT" val="0"/>
-  <p:tag name="KSO_WM_UNIT_ID" val="_9**"/>
-  <p:tag name="KSO_WM_UNIT_LAYERLEVEL" val="1"/>
-  <p:tag name="KSO_WM_TAG_VERSION" val="1.0"/>
-  <p:tag name="KSO_WM_BEAUTIFY_FLAG" val="#wm#"/>
-</p:tagLst>
-</file>
-
-<file path=ppt/tags/tag47.xml><?xml version="1.0" encoding="utf-8"?>
-<p:tagLst xmlns:p="http://schemas.openxmlformats.org/presentationml/2006/main">
-  <p:tag name="KSO_WM_UNIT_HIGHLIGHT" val="0"/>
-  <p:tag name="KSO_WM_UNIT_COMPATIBLE" val="0"/>
-  <p:tag name="KSO_WM_UNIT_DIAGRAM_ISNUMVISUAL" val="0"/>
-  <p:tag name="KSO_WM_UNIT_DIAGRAM_ISREFERUNIT" val="0"/>
-  <p:tag name="KSO_WM_UNIT_ID" val="_9**"/>
-  <p:tag name="KSO_WM_UNIT_LAYERLEVEL" val="1"/>
-  <p:tag name="KSO_WM_TAG_VERSION" val="1.0"/>
-  <p:tag name="KSO_WM_BEAUTIFY_FLAG" val="#wm#"/>
-</p:tagLst>
-</file>
-
-<file path=ppt/tags/tag48.xml><?xml version="1.0" encoding="utf-8"?>
-<p:tagLst xmlns:p="http://schemas.openxmlformats.org/presentationml/2006/main">
-  <p:tag name="KSO_WM_UNIT_HIGHLIGHT" val="0"/>
-  <p:tag name="KSO_WM_UNIT_COMPATIBLE" val="0"/>
-  <p:tag name="KSO_WM_UNIT_DIAGRAM_ISNUMVISUAL" val="0"/>
-  <p:tag name="KSO_WM_UNIT_DIAGRAM_ISREFERUNIT" val="0"/>
-  <p:tag name="KSO_WM_UNIT_ID" val="_10**"/>
-  <p:tag name="KSO_WM_UNIT_LAYERLEVEL" val="1"/>
-  <p:tag name="KSO_WM_TAG_VERSION" val="1.0"/>
-  <p:tag name="KSO_WM_BEAUTIFY_FLAG" val="#wm#"/>
-</p:tagLst>
-</file>
-
-<file path=ppt/tags/tag49.xml><?xml version="1.0" encoding="utf-8"?>
-<p:tagLst xmlns:p="http://schemas.openxmlformats.org/presentationml/2006/main">
-  <p:tag name="KSO_WM_UNIT_HIGHLIGHT" val="0"/>
-  <p:tag name="KSO_WM_UNIT_COMPATIBLE" val="0"/>
-  <p:tag name="KSO_WM_UNIT_DIAGRAM_ISNUMVISUAL" val="0"/>
-  <p:tag name="KSO_WM_UNIT_DIAGRAM_ISREFERUNIT" val="0"/>
-  <p:tag name="KSO_WM_UNIT_ID" val="_10**"/>
-  <p:tag name="KSO_WM_UNIT_LAYERLEVEL" val="1"/>
-  <p:tag name="KSO_WM_TAG_VERSION" val="1.0"/>
-  <p:tag name="KSO_WM_BEAUTIFY_FLAG" val="#wm#"/>
-</p:tagLst>
-</file>
-
-<file path=ppt/tags/tag5.xml><?xml version="1.0" encoding="utf-8"?>
-<p:tagLst xmlns:p="http://schemas.openxmlformats.org/presentationml/2006/main">
-  <p:tag name="KSO_WM_UNIT_HIGHLIGHT" val="0"/>
-  <p:tag name="KSO_WM_UNIT_COMPATIBLE" val="0"/>
-  <p:tag name="KSO_WM_UNIT_DIAGRAM_ISNUMVISUAL" val="0"/>
-  <p:tag name="KSO_WM_UNIT_DIAGRAM_ISREFERUNIT" val="0"/>
-  <p:tag name="KSO_WM_UNIT_ID" val="_1**"/>
-  <p:tag name="KSO_WM_UNIT_LAYERLEVEL" val="1"/>
-  <p:tag name="KSO_WM_TAG_VERSION" val="1.0"/>
-  <p:tag name="KSO_WM_BEAUTIFY_FLAG" val="#wm#"/>
-</p:tagLst>
-</file>
-
-<file path=ppt/tags/tag50.xml><?xml version="1.0" encoding="utf-8"?>
-<p:tagLst xmlns:p="http://schemas.openxmlformats.org/presentationml/2006/main">
-  <p:tag name="KSO_WM_UNIT_HIGHLIGHT" val="0"/>
-  <p:tag name="KSO_WM_UNIT_COMPATIBLE" val="0"/>
-  <p:tag name="KSO_WM_UNIT_DIAGRAM_ISNUMVISUAL" val="0"/>
-  <p:tag name="KSO_WM_UNIT_DIAGRAM_ISREFERUNIT" val="0"/>
-  <p:tag name="KSO_WM_UNIT_ID" val="_10**"/>
-  <p:tag name="KSO_WM_UNIT_LAYERLEVEL" val="1"/>
-  <p:tag name="KSO_WM_TAG_VERSION" val="1.0"/>
-  <p:tag name="KSO_WM_BEAUTIFY_FLAG" val="#wm#"/>
-</p:tagLst>
-</file>
-
-<file path=ppt/tags/tag51.xml><?xml version="1.0" encoding="utf-8"?>
-<p:tagLst xmlns:p="http://schemas.openxmlformats.org/presentationml/2006/main">
-  <p:tag name="KSO_WM_UNIT_HIGHLIGHT" val="0"/>
-  <p:tag name="KSO_WM_UNIT_COMPATIBLE" val="0"/>
-  <p:tag name="KSO_WM_UNIT_DIAGRAM_ISNUMVISUAL" val="0"/>
-  <p:tag name="KSO_WM_UNIT_DIAGRAM_ISREFERUNIT" val="0"/>
-  <p:tag name="KSO_WM_UNIT_ID" val="_10**"/>
-  <p:tag name="KSO_WM_UNIT_LAYERLEVEL" val="1"/>
-  <p:tag name="KSO_WM_TAG_VERSION" val="1.0"/>
-  <p:tag name="KSO_WM_BEAUTIFY_FLAG" val="#wm#"/>
-</p:tagLst>
-</file>
-
-<file path=ppt/tags/tag52.xml><?xml version="1.0" encoding="utf-8"?>
-<p:tagLst xmlns:p="http://schemas.openxmlformats.org/presentationml/2006/main">
-  <p:tag name="KSO_WM_UNIT_HIGHLIGHT" val="0"/>
-  <p:tag name="KSO_WM_UNIT_COMPATIBLE" val="0"/>
-  <p:tag name="KSO_WM_UNIT_DIAGRAM_ISNUMVISUAL" val="0"/>
-  <p:tag name="KSO_WM_UNIT_DIAGRAM_ISREFERUNIT" val="0"/>
-  <p:tag name="KSO_WM_UNIT_ID" val="_11**"/>
-  <p:tag name="KSO_WM_UNIT_LAYERLEVEL" val="1"/>
-  <p:tag name="KSO_WM_TAG_VERSION" val="1.0"/>
-  <p:tag name="KSO_WM_BEAUTIFY_FLAG" val="#wm#"/>
-</p:tagLst>
-</file>
-
-<file path=ppt/tags/tag53.xml><?xml version="1.0" encoding="utf-8"?>
-<p:tagLst xmlns:p="http://schemas.openxmlformats.org/presentationml/2006/main">
-  <p:tag name="KSO_WM_UNIT_HIGHLIGHT" val="0"/>
-  <p:tag name="KSO_WM_UNIT_COMPATIBLE" val="0"/>
-  <p:tag name="KSO_WM_UNIT_DIAGRAM_ISNUMVISUAL" val="0"/>
-  <p:tag name="KSO_WM_UNIT_DIAGRAM_ISREFERUNIT" val="0"/>
-  <p:tag name="KSO_WM_UNIT_ID" val="_11**"/>
-  <p:tag name="KSO_WM_UNIT_LAYERLEVEL" val="1"/>
-  <p:tag name="KSO_WM_TAG_VERSION" val="1.0"/>
-  <p:tag name="KSO_WM_BEAUTIFY_FLAG" val="#wm#"/>
-</p:tagLst>
-</file>
-
-<file path=ppt/tags/tag54.xml><?xml version="1.0" encoding="utf-8"?>
-<p:tagLst xmlns:p="http://schemas.openxmlformats.org/presentationml/2006/main">
-  <p:tag name="KSO_WM_UNIT_HIGHLIGHT" val="0"/>
-  <p:tag name="KSO_WM_UNIT_COMPATIBLE" val="0"/>
-  <p:tag name="KSO_WM_UNIT_DIAGRAM_ISNUMVISUAL" val="0"/>
-  <p:tag name="KSO_WM_UNIT_DIAGRAM_ISREFERUNIT" val="0"/>
-  <p:tag name="KSO_WM_UNIT_ID" val="_11**"/>
-  <p:tag name="KSO_WM_UNIT_LAYERLEVEL" val="1"/>
-  <p:tag name="KSO_WM_TAG_VERSION" val="1.0"/>
-  <p:tag name="KSO_WM_BEAUTIFY_FLAG" val="#wm#"/>
-</p:tagLst>
-</file>
-
-<file path=ppt/tags/tag55.xml><?xml version="1.0" encoding="utf-8"?>
-<p:tagLst xmlns:p="http://schemas.openxmlformats.org/presentationml/2006/main">
-  <p:tag name="KSO_WM_UNIT_HIGHLIGHT" val="0"/>
-  <p:tag name="KSO_WM_UNIT_COMPATIBLE" val="0"/>
-  <p:tag name="KSO_WM_UNIT_DIAGRAM_ISNUMVISUAL" val="0"/>
-  <p:tag name="KSO_WM_UNIT_DIAGRAM_ISREFERUNIT" val="0"/>
-  <p:tag name="KSO_WM_UNIT_ID" val="_11**"/>
-  <p:tag name="KSO_WM_UNIT_LAYERLEVEL" val="1"/>
-  <p:tag name="KSO_WM_TAG_VERSION" val="1.0"/>
-  <p:tag name="KSO_WM_BEAUTIFY_FLAG" val="#wm#"/>
-</p:tagLst>
-</file>
-
-<file path=ppt/tags/tag56.xml><?xml version="1.0" encoding="utf-8"?>
-<p:tagLst xmlns:p="http://schemas.openxmlformats.org/presentationml/2006/main">
-  <p:tag name="KSO_WM_UNIT_HIGHLIGHT" val="0"/>
-  <p:tag name="KSO_WM_UNIT_COMPATIBLE" val="0"/>
-  <p:tag name="KSO_WM_UNIT_DIAGRAM_ISNUMVISUAL" val="0"/>
-  <p:tag name="KSO_WM_UNIT_DIAGRAM_ISREFERUNIT" val="0"/>
-  <p:tag name="KSO_WM_UNIT_ID" val="_11**"/>
-  <p:tag name="KSO_WM_UNIT_LAYERLEVEL" val="1"/>
-  <p:tag name="KSO_WM_TAG_VERSION" val="1.0"/>
-  <p:tag name="KSO_WM_BEAUTIFY_FLAG" val="#wm#"/>
-</p:tagLst>
-</file>
-
-<file path=ppt/tags/tag57.xml><?xml version="1.0" encoding="utf-8"?>
-<p:tagLst xmlns:p="http://schemas.openxmlformats.org/presentationml/2006/main">
+<p:tagLst xmlns:a="http://schemas.openxmlformats.org/drawingml/2006/main" xmlns:r="http://schemas.openxmlformats.org/officeDocument/2006/relationships" xmlns:p="http://schemas.openxmlformats.org/presentationml/2006/main">
   <p:tag name="KSO_WM_UNIT_HIGHLIGHT" val="0"/>
   <p:tag name="KSO_WM_UNIT_COMPATIBLE" val="0"/>
   <p:tag name="KSO_WM_UNIT_DIAGRAM_ISNUMVISUAL" val="0"/>
@@ -12896,8 +12692,138 @@
 </p:tagLst>
 </file>
 
-<file path=ppt/tags/tag58.xml><?xml version="1.0" encoding="utf-8"?>
-<p:tagLst xmlns:p="http://schemas.openxmlformats.org/presentationml/2006/main">
+<file path=ppt/tags/tag20.xml><?xml version="1.0" encoding="utf-8"?>
+<p:tagLst xmlns:a="http://schemas.openxmlformats.org/drawingml/2006/main" xmlns:r="http://schemas.openxmlformats.org/officeDocument/2006/relationships" xmlns:p="http://schemas.openxmlformats.org/presentationml/2006/main">
+  <p:tag name="KSO_WM_UNIT_HIGHLIGHT" val="0"/>
+  <p:tag name="KSO_WM_UNIT_COMPATIBLE" val="0"/>
+  <p:tag name="KSO_WM_UNIT_DIAGRAM_ISNUMVISUAL" val="0"/>
+  <p:tag name="KSO_WM_UNIT_DIAGRAM_ISREFERUNIT" val="0"/>
+  <p:tag name="KSO_WM_UNIT_ID" val="_3**"/>
+  <p:tag name="KSO_WM_UNIT_LAYERLEVEL" val="1"/>
+  <p:tag name="KSO_WM_TAG_VERSION" val="1.0"/>
+  <p:tag name="KSO_WM_BEAUTIFY_FLAG" val="#wm#"/>
+</p:tagLst>
+</file>
+
+<file path=ppt/tags/tag21.xml><?xml version="1.0" encoding="utf-8"?>
+<p:tagLst xmlns:a="http://schemas.openxmlformats.org/drawingml/2006/main" xmlns:r="http://schemas.openxmlformats.org/officeDocument/2006/relationships" xmlns:p="http://schemas.openxmlformats.org/presentationml/2006/main">
+  <p:tag name="KSO_WM_UNIT_HIGHLIGHT" val="0"/>
+  <p:tag name="KSO_WM_UNIT_COMPATIBLE" val="0"/>
+  <p:tag name="KSO_WM_UNIT_DIAGRAM_ISNUMVISUAL" val="0"/>
+  <p:tag name="KSO_WM_UNIT_DIAGRAM_ISREFERUNIT" val="0"/>
+  <p:tag name="KSO_WM_UNIT_ID" val="_3**"/>
+  <p:tag name="KSO_WM_UNIT_LAYERLEVEL" val="1"/>
+  <p:tag name="KSO_WM_TAG_VERSION" val="1.0"/>
+  <p:tag name="KSO_WM_BEAUTIFY_FLAG" val="#wm#"/>
+</p:tagLst>
+</file>
+
+<file path=ppt/tags/tag22.xml><?xml version="1.0" encoding="utf-8"?>
+<p:tagLst xmlns:a="http://schemas.openxmlformats.org/drawingml/2006/main" xmlns:r="http://schemas.openxmlformats.org/officeDocument/2006/relationships" xmlns:p="http://schemas.openxmlformats.org/presentationml/2006/main">
+  <p:tag name="KSO_WM_UNIT_HIGHLIGHT" val="0"/>
+  <p:tag name="KSO_WM_UNIT_COMPATIBLE" val="0"/>
+  <p:tag name="KSO_WM_UNIT_DIAGRAM_ISNUMVISUAL" val="0"/>
+  <p:tag name="KSO_WM_UNIT_DIAGRAM_ISREFERUNIT" val="0"/>
+  <p:tag name="KSO_WM_UNIT_ID" val="_4**"/>
+  <p:tag name="KSO_WM_UNIT_LAYERLEVEL" val="1"/>
+  <p:tag name="KSO_WM_TAG_VERSION" val="1.0"/>
+  <p:tag name="KSO_WM_BEAUTIFY_FLAG" val="#wm#"/>
+</p:tagLst>
+</file>
+
+<file path=ppt/tags/tag23.xml><?xml version="1.0" encoding="utf-8"?>
+<p:tagLst xmlns:a="http://schemas.openxmlformats.org/drawingml/2006/main" xmlns:r="http://schemas.openxmlformats.org/officeDocument/2006/relationships" xmlns:p="http://schemas.openxmlformats.org/presentationml/2006/main">
+  <p:tag name="KSO_WM_UNIT_HIGHLIGHT" val="0"/>
+  <p:tag name="KSO_WM_UNIT_COMPATIBLE" val="0"/>
+  <p:tag name="KSO_WM_UNIT_DIAGRAM_ISNUMVISUAL" val="0"/>
+  <p:tag name="KSO_WM_UNIT_DIAGRAM_ISREFERUNIT" val="0"/>
+  <p:tag name="KSO_WM_UNIT_ID" val="_4**"/>
+  <p:tag name="KSO_WM_UNIT_LAYERLEVEL" val="1"/>
+  <p:tag name="KSO_WM_TAG_VERSION" val="1.0"/>
+  <p:tag name="KSO_WM_BEAUTIFY_FLAG" val="#wm#"/>
+</p:tagLst>
+</file>
+
+<file path=ppt/tags/tag24.xml><?xml version="1.0" encoding="utf-8"?>
+<p:tagLst xmlns:a="http://schemas.openxmlformats.org/drawingml/2006/main" xmlns:r="http://schemas.openxmlformats.org/officeDocument/2006/relationships" xmlns:p="http://schemas.openxmlformats.org/presentationml/2006/main">
+  <p:tag name="KSO_WM_UNIT_HIGHLIGHT" val="0"/>
+  <p:tag name="KSO_WM_UNIT_COMPATIBLE" val="0"/>
+  <p:tag name="KSO_WM_UNIT_DIAGRAM_ISNUMVISUAL" val="0"/>
+  <p:tag name="KSO_WM_UNIT_DIAGRAM_ISREFERUNIT" val="0"/>
+  <p:tag name="KSO_WM_UNIT_ID" val="_4**"/>
+  <p:tag name="KSO_WM_UNIT_LAYERLEVEL" val="1"/>
+  <p:tag name="KSO_WM_TAG_VERSION" val="1.0"/>
+  <p:tag name="KSO_WM_BEAUTIFY_FLAG" val="#wm#"/>
+</p:tagLst>
+</file>
+
+<file path=ppt/tags/tag25.xml><?xml version="1.0" encoding="utf-8"?>
+<p:tagLst xmlns:a="http://schemas.openxmlformats.org/drawingml/2006/main" xmlns:r="http://schemas.openxmlformats.org/officeDocument/2006/relationships" xmlns:p="http://schemas.openxmlformats.org/presentationml/2006/main">
+  <p:tag name="KSO_WM_UNIT_HIGHLIGHT" val="0"/>
+  <p:tag name="KSO_WM_UNIT_COMPATIBLE" val="0"/>
+  <p:tag name="KSO_WM_UNIT_DIAGRAM_ISNUMVISUAL" val="0"/>
+  <p:tag name="KSO_WM_UNIT_DIAGRAM_ISREFERUNIT" val="0"/>
+  <p:tag name="KSO_WM_UNIT_ID" val="_4**"/>
+  <p:tag name="KSO_WM_UNIT_LAYERLEVEL" val="1"/>
+  <p:tag name="KSO_WM_TAG_VERSION" val="1.0"/>
+  <p:tag name="KSO_WM_BEAUTIFY_FLAG" val="#wm#"/>
+</p:tagLst>
+</file>
+
+<file path=ppt/tags/tag26.xml><?xml version="1.0" encoding="utf-8"?>
+<p:tagLst xmlns:a="http://schemas.openxmlformats.org/drawingml/2006/main" xmlns:r="http://schemas.openxmlformats.org/officeDocument/2006/relationships" xmlns:p="http://schemas.openxmlformats.org/presentationml/2006/main">
+  <p:tag name="KSO_WM_UNIT_HIGHLIGHT" val="0"/>
+  <p:tag name="KSO_WM_UNIT_COMPATIBLE" val="0"/>
+  <p:tag name="KSO_WM_UNIT_DIAGRAM_ISNUMVISUAL" val="0"/>
+  <p:tag name="KSO_WM_UNIT_DIAGRAM_ISREFERUNIT" val="0"/>
+  <p:tag name="KSO_WM_UNIT_ID" val="_4**"/>
+  <p:tag name="KSO_WM_UNIT_LAYERLEVEL" val="1"/>
+  <p:tag name="KSO_WM_TAG_VERSION" val="1.0"/>
+  <p:tag name="KSO_WM_BEAUTIFY_FLAG" val="#wm#"/>
+</p:tagLst>
+</file>
+
+<file path=ppt/tags/tag27.xml><?xml version="1.0" encoding="utf-8"?>
+<p:tagLst xmlns:a="http://schemas.openxmlformats.org/drawingml/2006/main" xmlns:r="http://schemas.openxmlformats.org/officeDocument/2006/relationships" xmlns:p="http://schemas.openxmlformats.org/presentationml/2006/main">
+  <p:tag name="KSO_WM_UNIT_HIGHLIGHT" val="0"/>
+  <p:tag name="KSO_WM_UNIT_COMPATIBLE" val="0"/>
+  <p:tag name="KSO_WM_UNIT_DIAGRAM_ISNUMVISUAL" val="0"/>
+  <p:tag name="KSO_WM_UNIT_DIAGRAM_ISREFERUNIT" val="0"/>
+  <p:tag name="KSO_WM_UNIT_ID" val="_4**"/>
+  <p:tag name="KSO_WM_UNIT_LAYERLEVEL" val="1"/>
+  <p:tag name="KSO_WM_TAG_VERSION" val="1.0"/>
+  <p:tag name="KSO_WM_BEAUTIFY_FLAG" val="#wm#"/>
+</p:tagLst>
+</file>
+
+<file path=ppt/tags/tag28.xml><?xml version="1.0" encoding="utf-8"?>
+<p:tagLst xmlns:a="http://schemas.openxmlformats.org/drawingml/2006/main" xmlns:r="http://schemas.openxmlformats.org/officeDocument/2006/relationships" xmlns:p="http://schemas.openxmlformats.org/presentationml/2006/main">
+  <p:tag name="KSO_WM_UNIT_HIGHLIGHT" val="0"/>
+  <p:tag name="KSO_WM_UNIT_COMPATIBLE" val="0"/>
+  <p:tag name="KSO_WM_UNIT_DIAGRAM_ISNUMVISUAL" val="0"/>
+  <p:tag name="KSO_WM_UNIT_DIAGRAM_ISREFERUNIT" val="0"/>
+  <p:tag name="KSO_WM_UNIT_ID" val="_5**"/>
+  <p:tag name="KSO_WM_UNIT_LAYERLEVEL" val="1"/>
+  <p:tag name="KSO_WM_TAG_VERSION" val="1.0"/>
+  <p:tag name="KSO_WM_BEAUTIFY_FLAG" val="#wm#"/>
+</p:tagLst>
+</file>
+
+<file path=ppt/tags/tag29.xml><?xml version="1.0" encoding="utf-8"?>
+<p:tagLst xmlns:a="http://schemas.openxmlformats.org/drawingml/2006/main" xmlns:r="http://schemas.openxmlformats.org/officeDocument/2006/relationships" xmlns:p="http://schemas.openxmlformats.org/presentationml/2006/main">
+  <p:tag name="KSO_WM_UNIT_HIGHLIGHT" val="0"/>
+  <p:tag name="KSO_WM_UNIT_COMPATIBLE" val="0"/>
+  <p:tag name="KSO_WM_UNIT_DIAGRAM_ISNUMVISUAL" val="0"/>
+  <p:tag name="KSO_WM_UNIT_DIAGRAM_ISREFERUNIT" val="0"/>
+  <p:tag name="KSO_WM_UNIT_ID" val="_5**"/>
+  <p:tag name="KSO_WM_UNIT_LAYERLEVEL" val="1"/>
+  <p:tag name="KSO_WM_TAG_VERSION" val="1.0"/>
+  <p:tag name="KSO_WM_BEAUTIFY_FLAG" val="#wm#"/>
+</p:tagLst>
+</file>
+
+<file path=ppt/tags/tag3.xml><?xml version="1.0" encoding="utf-8"?>
+<p:tagLst xmlns:a="http://schemas.openxmlformats.org/drawingml/2006/main" xmlns:r="http://schemas.openxmlformats.org/officeDocument/2006/relationships" xmlns:p="http://schemas.openxmlformats.org/presentationml/2006/main">
   <p:tag name="KSO_WM_UNIT_HIGHLIGHT" val="0"/>
   <p:tag name="KSO_WM_UNIT_COMPATIBLE" val="0"/>
   <p:tag name="KSO_WM_UNIT_DIAGRAM_ISNUMVISUAL" val="0"/>
@@ -12911,8 +12837,138 @@
 </p:tagLst>
 </file>
 
-<file path=ppt/tags/tag59.xml><?xml version="1.0" encoding="utf-8"?>
-<p:tagLst xmlns:p="http://schemas.openxmlformats.org/presentationml/2006/main">
+<file path=ppt/tags/tag30.xml><?xml version="1.0" encoding="utf-8"?>
+<p:tagLst xmlns:a="http://schemas.openxmlformats.org/drawingml/2006/main" xmlns:r="http://schemas.openxmlformats.org/officeDocument/2006/relationships" xmlns:p="http://schemas.openxmlformats.org/presentationml/2006/main">
+  <p:tag name="KSO_WM_UNIT_HIGHLIGHT" val="0"/>
+  <p:tag name="KSO_WM_UNIT_COMPATIBLE" val="0"/>
+  <p:tag name="KSO_WM_UNIT_DIAGRAM_ISNUMVISUAL" val="0"/>
+  <p:tag name="KSO_WM_UNIT_DIAGRAM_ISREFERUNIT" val="0"/>
+  <p:tag name="KSO_WM_UNIT_ID" val="_5**"/>
+  <p:tag name="KSO_WM_UNIT_LAYERLEVEL" val="1"/>
+  <p:tag name="KSO_WM_TAG_VERSION" val="1.0"/>
+  <p:tag name="KSO_WM_BEAUTIFY_FLAG" val="#wm#"/>
+</p:tagLst>
+</file>
+
+<file path=ppt/tags/tag31.xml><?xml version="1.0" encoding="utf-8"?>
+<p:tagLst xmlns:a="http://schemas.openxmlformats.org/drawingml/2006/main" xmlns:r="http://schemas.openxmlformats.org/officeDocument/2006/relationships" xmlns:p="http://schemas.openxmlformats.org/presentationml/2006/main">
+  <p:tag name="KSO_WM_UNIT_HIGHLIGHT" val="0"/>
+  <p:tag name="KSO_WM_UNIT_COMPATIBLE" val="0"/>
+  <p:tag name="KSO_WM_UNIT_DIAGRAM_ISNUMVISUAL" val="0"/>
+  <p:tag name="KSO_WM_UNIT_DIAGRAM_ISREFERUNIT" val="0"/>
+  <p:tag name="KSO_WM_UNIT_ID" val="_5**"/>
+  <p:tag name="KSO_WM_UNIT_LAYERLEVEL" val="1"/>
+  <p:tag name="KSO_WM_TAG_VERSION" val="1.0"/>
+  <p:tag name="KSO_WM_BEAUTIFY_FLAG" val="#wm#"/>
+</p:tagLst>
+</file>
+
+<file path=ppt/tags/tag32.xml><?xml version="1.0" encoding="utf-8"?>
+<p:tagLst xmlns:a="http://schemas.openxmlformats.org/drawingml/2006/main" xmlns:r="http://schemas.openxmlformats.org/officeDocument/2006/relationships" xmlns:p="http://schemas.openxmlformats.org/presentationml/2006/main">
+  <p:tag name="KSO_WM_UNIT_HIGHLIGHT" val="0"/>
+  <p:tag name="KSO_WM_UNIT_COMPATIBLE" val="0"/>
+  <p:tag name="KSO_WM_UNIT_DIAGRAM_ISNUMVISUAL" val="0"/>
+  <p:tag name="KSO_WM_UNIT_DIAGRAM_ISREFERUNIT" val="0"/>
+  <p:tag name="KSO_WM_UNIT_ID" val="_5**"/>
+  <p:tag name="KSO_WM_UNIT_LAYERLEVEL" val="1"/>
+  <p:tag name="KSO_WM_TAG_VERSION" val="1.0"/>
+  <p:tag name="KSO_WM_BEAUTIFY_FLAG" val="#wm#"/>
+</p:tagLst>
+</file>
+
+<file path=ppt/tags/tag33.xml><?xml version="1.0" encoding="utf-8"?>
+<p:tagLst xmlns:a="http://schemas.openxmlformats.org/drawingml/2006/main" xmlns:r="http://schemas.openxmlformats.org/officeDocument/2006/relationships" xmlns:p="http://schemas.openxmlformats.org/presentationml/2006/main">
+  <p:tag name="KSO_WM_UNIT_HIGHLIGHT" val="0"/>
+  <p:tag name="KSO_WM_UNIT_COMPATIBLE" val="0"/>
+  <p:tag name="KSO_WM_UNIT_DIAGRAM_ISNUMVISUAL" val="0"/>
+  <p:tag name="KSO_WM_UNIT_DIAGRAM_ISREFERUNIT" val="0"/>
+  <p:tag name="KSO_WM_UNIT_ID" val="_5**"/>
+  <p:tag name="KSO_WM_UNIT_LAYERLEVEL" val="1"/>
+  <p:tag name="KSO_WM_TAG_VERSION" val="1.0"/>
+  <p:tag name="KSO_WM_BEAUTIFY_FLAG" val="#wm#"/>
+</p:tagLst>
+</file>
+
+<file path=ppt/tags/tag34.xml><?xml version="1.0" encoding="utf-8"?>
+<p:tagLst xmlns:a="http://schemas.openxmlformats.org/drawingml/2006/main" xmlns:r="http://schemas.openxmlformats.org/officeDocument/2006/relationships" xmlns:p="http://schemas.openxmlformats.org/presentationml/2006/main">
+  <p:tag name="KSO_WM_UNIT_HIGHLIGHT" val="0"/>
+  <p:tag name="KSO_WM_UNIT_COMPATIBLE" val="0"/>
+  <p:tag name="KSO_WM_UNIT_DIAGRAM_ISNUMVISUAL" val="0"/>
+  <p:tag name="KSO_WM_UNIT_DIAGRAM_ISREFERUNIT" val="0"/>
+  <p:tag name="KSO_WM_UNIT_ID" val="_5**"/>
+  <p:tag name="KSO_WM_UNIT_LAYERLEVEL" val="1"/>
+  <p:tag name="KSO_WM_TAG_VERSION" val="1.0"/>
+  <p:tag name="KSO_WM_BEAUTIFY_FLAG" val="#wm#"/>
+</p:tagLst>
+</file>
+
+<file path=ppt/tags/tag35.xml><?xml version="1.0" encoding="utf-8"?>
+<p:tagLst xmlns:a="http://schemas.openxmlformats.org/drawingml/2006/main" xmlns:r="http://schemas.openxmlformats.org/officeDocument/2006/relationships" xmlns:p="http://schemas.openxmlformats.org/presentationml/2006/main">
+  <p:tag name="KSO_WM_UNIT_HIGHLIGHT" val="0"/>
+  <p:tag name="KSO_WM_UNIT_COMPATIBLE" val="0"/>
+  <p:tag name="KSO_WM_UNIT_DIAGRAM_ISNUMVISUAL" val="0"/>
+  <p:tag name="KSO_WM_UNIT_DIAGRAM_ISREFERUNIT" val="0"/>
+  <p:tag name="KSO_WM_UNIT_ID" val="_5**"/>
+  <p:tag name="KSO_WM_UNIT_LAYERLEVEL" val="1"/>
+  <p:tag name="KSO_WM_TAG_VERSION" val="1.0"/>
+  <p:tag name="KSO_WM_BEAUTIFY_FLAG" val="#wm#"/>
+</p:tagLst>
+</file>
+
+<file path=ppt/tags/tag36.xml><?xml version="1.0" encoding="utf-8"?>
+<p:tagLst xmlns:a="http://schemas.openxmlformats.org/drawingml/2006/main" xmlns:r="http://schemas.openxmlformats.org/officeDocument/2006/relationships" xmlns:p="http://schemas.openxmlformats.org/presentationml/2006/main">
+  <p:tag name="KSO_WM_UNIT_HIGHLIGHT" val="0"/>
+  <p:tag name="KSO_WM_UNIT_COMPATIBLE" val="0"/>
+  <p:tag name="KSO_WM_UNIT_DIAGRAM_ISNUMVISUAL" val="0"/>
+  <p:tag name="KSO_WM_UNIT_DIAGRAM_ISREFERUNIT" val="0"/>
+  <p:tag name="KSO_WM_UNIT_ID" val="_6**"/>
+  <p:tag name="KSO_WM_UNIT_LAYERLEVEL" val="1"/>
+  <p:tag name="KSO_WM_TAG_VERSION" val="1.0"/>
+  <p:tag name="KSO_WM_BEAUTIFY_FLAG" val="#wm#"/>
+</p:tagLst>
+</file>
+
+<file path=ppt/tags/tag37.xml><?xml version="1.0" encoding="utf-8"?>
+<p:tagLst xmlns:a="http://schemas.openxmlformats.org/drawingml/2006/main" xmlns:r="http://schemas.openxmlformats.org/officeDocument/2006/relationships" xmlns:p="http://schemas.openxmlformats.org/presentationml/2006/main">
+  <p:tag name="KSO_WM_UNIT_HIGHLIGHT" val="0"/>
+  <p:tag name="KSO_WM_UNIT_COMPATIBLE" val="0"/>
+  <p:tag name="KSO_WM_UNIT_DIAGRAM_ISNUMVISUAL" val="0"/>
+  <p:tag name="KSO_WM_UNIT_DIAGRAM_ISREFERUNIT" val="0"/>
+  <p:tag name="KSO_WM_UNIT_ID" val="_6**"/>
+  <p:tag name="KSO_WM_UNIT_LAYERLEVEL" val="1"/>
+  <p:tag name="KSO_WM_TAG_VERSION" val="1.0"/>
+  <p:tag name="KSO_WM_BEAUTIFY_FLAG" val="#wm#"/>
+</p:tagLst>
+</file>
+
+<file path=ppt/tags/tag38.xml><?xml version="1.0" encoding="utf-8"?>
+<p:tagLst xmlns:a="http://schemas.openxmlformats.org/drawingml/2006/main" xmlns:r="http://schemas.openxmlformats.org/officeDocument/2006/relationships" xmlns:p="http://schemas.openxmlformats.org/presentationml/2006/main">
+  <p:tag name="KSO_WM_UNIT_HIGHLIGHT" val="0"/>
+  <p:tag name="KSO_WM_UNIT_COMPATIBLE" val="0"/>
+  <p:tag name="KSO_WM_UNIT_DIAGRAM_ISNUMVISUAL" val="0"/>
+  <p:tag name="KSO_WM_UNIT_DIAGRAM_ISREFERUNIT" val="0"/>
+  <p:tag name="KSO_WM_UNIT_ID" val="_6**"/>
+  <p:tag name="KSO_WM_UNIT_LAYERLEVEL" val="1"/>
+  <p:tag name="KSO_WM_TAG_VERSION" val="1.0"/>
+  <p:tag name="KSO_WM_BEAUTIFY_FLAG" val="#wm#"/>
+</p:tagLst>
+</file>
+
+<file path=ppt/tags/tag39.xml><?xml version="1.0" encoding="utf-8"?>
+<p:tagLst xmlns:a="http://schemas.openxmlformats.org/drawingml/2006/main" xmlns:r="http://schemas.openxmlformats.org/officeDocument/2006/relationships" xmlns:p="http://schemas.openxmlformats.org/presentationml/2006/main">
+  <p:tag name="KSO_WM_UNIT_HIGHLIGHT" val="0"/>
+  <p:tag name="KSO_WM_UNIT_COMPATIBLE" val="0"/>
+  <p:tag name="KSO_WM_UNIT_DIAGRAM_ISNUMVISUAL" val="0"/>
+  <p:tag name="KSO_WM_UNIT_DIAGRAM_ISREFERUNIT" val="0"/>
+  <p:tag name="KSO_WM_UNIT_ID" val="_6**"/>
+  <p:tag name="KSO_WM_UNIT_LAYERLEVEL" val="1"/>
+  <p:tag name="KSO_WM_TAG_VERSION" val="1.0"/>
+  <p:tag name="KSO_WM_BEAUTIFY_FLAG" val="#wm#"/>
+</p:tagLst>
+</file>
+
+<file path=ppt/tags/tag4.xml><?xml version="1.0" encoding="utf-8"?>
+<p:tagLst xmlns:a="http://schemas.openxmlformats.org/drawingml/2006/main" xmlns:r="http://schemas.openxmlformats.org/officeDocument/2006/relationships" xmlns:p="http://schemas.openxmlformats.org/presentationml/2006/main">
   <p:tag name="KSO_WM_UNIT_HIGHLIGHT" val="0"/>
   <p:tag name="KSO_WM_UNIT_COMPATIBLE" val="0"/>
   <p:tag name="KSO_WM_UNIT_DIAGRAM_ISNUMVISUAL" val="0"/>
@@ -12924,21 +12980,138 @@
 </p:tagLst>
 </file>
 
-<file path=ppt/tags/tag6.xml><?xml version="1.0" encoding="utf-8"?>
-<p:tagLst xmlns:p="http://schemas.openxmlformats.org/presentationml/2006/main">
+<file path=ppt/tags/tag40.xml><?xml version="1.0" encoding="utf-8"?>
+<p:tagLst xmlns:a="http://schemas.openxmlformats.org/drawingml/2006/main" xmlns:r="http://schemas.openxmlformats.org/officeDocument/2006/relationships" xmlns:p="http://schemas.openxmlformats.org/presentationml/2006/main">
   <p:tag name="KSO_WM_UNIT_HIGHLIGHT" val="0"/>
   <p:tag name="KSO_WM_UNIT_COMPATIBLE" val="0"/>
   <p:tag name="KSO_WM_UNIT_DIAGRAM_ISNUMVISUAL" val="0"/>
   <p:tag name="KSO_WM_UNIT_DIAGRAM_ISREFERUNIT" val="0"/>
-  <p:tag name="KSO_WM_UNIT_ID" val="_2**"/>
+  <p:tag name="KSO_WM_UNIT_ID" val="_7**"/>
   <p:tag name="KSO_WM_UNIT_LAYERLEVEL" val="1"/>
   <p:tag name="KSO_WM_TAG_VERSION" val="1.0"/>
   <p:tag name="KSO_WM_BEAUTIFY_FLAG" val="#wm#"/>
 </p:tagLst>
 </file>
 
-<file path=ppt/tags/tag60.xml><?xml version="1.0" encoding="utf-8"?>
-<p:tagLst xmlns:p="http://schemas.openxmlformats.org/presentationml/2006/main">
+<file path=ppt/tags/tag41.xml><?xml version="1.0" encoding="utf-8"?>
+<p:tagLst xmlns:a="http://schemas.openxmlformats.org/drawingml/2006/main" xmlns:r="http://schemas.openxmlformats.org/officeDocument/2006/relationships" xmlns:p="http://schemas.openxmlformats.org/presentationml/2006/main">
+  <p:tag name="KSO_WM_UNIT_HIGHLIGHT" val="0"/>
+  <p:tag name="KSO_WM_UNIT_COMPATIBLE" val="0"/>
+  <p:tag name="KSO_WM_UNIT_DIAGRAM_ISNUMVISUAL" val="0"/>
+  <p:tag name="KSO_WM_UNIT_DIAGRAM_ISREFERUNIT" val="0"/>
+  <p:tag name="KSO_WM_UNIT_ID" val="_7**"/>
+  <p:tag name="KSO_WM_UNIT_LAYERLEVEL" val="1"/>
+  <p:tag name="KSO_WM_TAG_VERSION" val="1.0"/>
+  <p:tag name="KSO_WM_BEAUTIFY_FLAG" val="#wm#"/>
+</p:tagLst>
+</file>
+
+<file path=ppt/tags/tag42.xml><?xml version="1.0" encoding="utf-8"?>
+<p:tagLst xmlns:a="http://schemas.openxmlformats.org/drawingml/2006/main" xmlns:r="http://schemas.openxmlformats.org/officeDocument/2006/relationships" xmlns:p="http://schemas.openxmlformats.org/presentationml/2006/main">
+  <p:tag name="KSO_WM_UNIT_HIGHLIGHT" val="0"/>
+  <p:tag name="KSO_WM_UNIT_COMPATIBLE" val="0"/>
+  <p:tag name="KSO_WM_UNIT_DIAGRAM_ISNUMVISUAL" val="0"/>
+  <p:tag name="KSO_WM_UNIT_DIAGRAM_ISREFERUNIT" val="0"/>
+  <p:tag name="KSO_WM_UNIT_ID" val="_7**"/>
+  <p:tag name="KSO_WM_UNIT_LAYERLEVEL" val="1"/>
+  <p:tag name="KSO_WM_TAG_VERSION" val="1.0"/>
+  <p:tag name="KSO_WM_BEAUTIFY_FLAG" val="#wm#"/>
+</p:tagLst>
+</file>
+
+<file path=ppt/tags/tag43.xml><?xml version="1.0" encoding="utf-8"?>
+<p:tagLst xmlns:a="http://schemas.openxmlformats.org/drawingml/2006/main" xmlns:r="http://schemas.openxmlformats.org/officeDocument/2006/relationships" xmlns:p="http://schemas.openxmlformats.org/presentationml/2006/main">
+  <p:tag name="KSO_WM_UNIT_HIGHLIGHT" val="0"/>
+  <p:tag name="KSO_WM_UNIT_COMPATIBLE" val="0"/>
+  <p:tag name="KSO_WM_UNIT_DIAGRAM_ISNUMVISUAL" val="0"/>
+  <p:tag name="KSO_WM_UNIT_DIAGRAM_ISREFERUNIT" val="0"/>
+  <p:tag name="KSO_WM_UNIT_ID" val="_8**"/>
+  <p:tag name="KSO_WM_UNIT_LAYERLEVEL" val="1"/>
+  <p:tag name="KSO_WM_TAG_VERSION" val="1.0"/>
+  <p:tag name="KSO_WM_BEAUTIFY_FLAG" val="#wm#"/>
+</p:tagLst>
+</file>
+
+<file path=ppt/tags/tag44.xml><?xml version="1.0" encoding="utf-8"?>
+<p:tagLst xmlns:a="http://schemas.openxmlformats.org/drawingml/2006/main" xmlns:r="http://schemas.openxmlformats.org/officeDocument/2006/relationships" xmlns:p="http://schemas.openxmlformats.org/presentationml/2006/main">
+  <p:tag name="KSO_WM_UNIT_HIGHLIGHT" val="0"/>
+  <p:tag name="KSO_WM_UNIT_COMPATIBLE" val="0"/>
+  <p:tag name="KSO_WM_UNIT_DIAGRAM_ISNUMVISUAL" val="0"/>
+  <p:tag name="KSO_WM_UNIT_DIAGRAM_ISREFERUNIT" val="0"/>
+  <p:tag name="KSO_WM_UNIT_ID" val="_8**"/>
+  <p:tag name="KSO_WM_UNIT_LAYERLEVEL" val="1"/>
+  <p:tag name="KSO_WM_TAG_VERSION" val="1.0"/>
+  <p:tag name="KSO_WM_BEAUTIFY_FLAG" val="#wm#"/>
+</p:tagLst>
+</file>
+
+<file path=ppt/tags/tag45.xml><?xml version="1.0" encoding="utf-8"?>
+<p:tagLst xmlns:a="http://schemas.openxmlformats.org/drawingml/2006/main" xmlns:r="http://schemas.openxmlformats.org/officeDocument/2006/relationships" xmlns:p="http://schemas.openxmlformats.org/presentationml/2006/main">
+  <p:tag name="KSO_WM_UNIT_HIGHLIGHT" val="0"/>
+  <p:tag name="KSO_WM_UNIT_COMPATIBLE" val="0"/>
+  <p:tag name="KSO_WM_UNIT_DIAGRAM_ISNUMVISUAL" val="0"/>
+  <p:tag name="KSO_WM_UNIT_DIAGRAM_ISREFERUNIT" val="0"/>
+  <p:tag name="KSO_WM_UNIT_ID" val="_8**"/>
+  <p:tag name="KSO_WM_UNIT_LAYERLEVEL" val="1"/>
+  <p:tag name="KSO_WM_TAG_VERSION" val="1.0"/>
+  <p:tag name="KSO_WM_BEAUTIFY_FLAG" val="#wm#"/>
+</p:tagLst>
+</file>
+
+<file path=ppt/tags/tag46.xml><?xml version="1.0" encoding="utf-8"?>
+<p:tagLst xmlns:a="http://schemas.openxmlformats.org/drawingml/2006/main" xmlns:r="http://schemas.openxmlformats.org/officeDocument/2006/relationships" xmlns:p="http://schemas.openxmlformats.org/presentationml/2006/main">
+  <p:tag name="KSO_WM_UNIT_HIGHLIGHT" val="0"/>
+  <p:tag name="KSO_WM_UNIT_COMPATIBLE" val="0"/>
+  <p:tag name="KSO_WM_UNIT_DIAGRAM_ISNUMVISUAL" val="0"/>
+  <p:tag name="KSO_WM_UNIT_DIAGRAM_ISREFERUNIT" val="0"/>
+  <p:tag name="KSO_WM_UNIT_ID" val="_8**"/>
+  <p:tag name="KSO_WM_UNIT_LAYERLEVEL" val="1"/>
+  <p:tag name="KSO_WM_TAG_VERSION" val="1.0"/>
+  <p:tag name="KSO_WM_BEAUTIFY_FLAG" val="#wm#"/>
+</p:tagLst>
+</file>
+
+<file path=ppt/tags/tag47.xml><?xml version="1.0" encoding="utf-8"?>
+<p:tagLst xmlns:a="http://schemas.openxmlformats.org/drawingml/2006/main" xmlns:r="http://schemas.openxmlformats.org/officeDocument/2006/relationships" xmlns:p="http://schemas.openxmlformats.org/presentationml/2006/main">
+  <p:tag name="KSO_WM_UNIT_HIGHLIGHT" val="0"/>
+  <p:tag name="KSO_WM_UNIT_COMPATIBLE" val="0"/>
+  <p:tag name="KSO_WM_UNIT_DIAGRAM_ISNUMVISUAL" val="0"/>
+  <p:tag name="KSO_WM_UNIT_DIAGRAM_ISREFERUNIT" val="0"/>
+  <p:tag name="KSO_WM_UNIT_ID" val="_8**"/>
+  <p:tag name="KSO_WM_UNIT_LAYERLEVEL" val="1"/>
+  <p:tag name="KSO_WM_TAG_VERSION" val="1.0"/>
+  <p:tag name="KSO_WM_BEAUTIFY_FLAG" val="#wm#"/>
+</p:tagLst>
+</file>
+
+<file path=ppt/tags/tag48.xml><?xml version="1.0" encoding="utf-8"?>
+<p:tagLst xmlns:a="http://schemas.openxmlformats.org/drawingml/2006/main" xmlns:r="http://schemas.openxmlformats.org/officeDocument/2006/relationships" xmlns:p="http://schemas.openxmlformats.org/presentationml/2006/main">
+  <p:tag name="KSO_WM_UNIT_HIGHLIGHT" val="0"/>
+  <p:tag name="KSO_WM_UNIT_COMPATIBLE" val="0"/>
+  <p:tag name="KSO_WM_UNIT_DIAGRAM_ISNUMVISUAL" val="0"/>
+  <p:tag name="KSO_WM_UNIT_DIAGRAM_ISREFERUNIT" val="0"/>
+  <p:tag name="KSO_WM_UNIT_ID" val="_8**"/>
+  <p:tag name="KSO_WM_UNIT_LAYERLEVEL" val="1"/>
+  <p:tag name="KSO_WM_TAG_VERSION" val="1.0"/>
+  <p:tag name="KSO_WM_BEAUTIFY_FLAG" val="#wm#"/>
+</p:tagLst>
+</file>
+
+<file path=ppt/tags/tag49.xml><?xml version="1.0" encoding="utf-8"?>
+<p:tagLst xmlns:a="http://schemas.openxmlformats.org/drawingml/2006/main" xmlns:r="http://schemas.openxmlformats.org/officeDocument/2006/relationships" xmlns:p="http://schemas.openxmlformats.org/presentationml/2006/main">
+  <p:tag name="KSO_WM_UNIT_HIGHLIGHT" val="0"/>
+  <p:tag name="KSO_WM_UNIT_COMPATIBLE" val="0"/>
+  <p:tag name="KSO_WM_UNIT_DIAGRAM_ISNUMVISUAL" val="0"/>
+  <p:tag name="KSO_WM_UNIT_DIAGRAM_ISREFERUNIT" val="0"/>
+  <p:tag name="KSO_WM_UNIT_ID" val="_9**"/>
+  <p:tag name="KSO_WM_UNIT_LAYERLEVEL" val="1"/>
+  <p:tag name="KSO_WM_TAG_VERSION" val="1.0"/>
+  <p:tag name="KSO_WM_BEAUTIFY_FLAG" val="#wm#"/>
+</p:tagLst>
+</file>
+
+<file path=ppt/tags/tag5.xml><?xml version="1.0" encoding="utf-8"?>
+<p:tagLst xmlns:a="http://schemas.openxmlformats.org/drawingml/2006/main" xmlns:r="http://schemas.openxmlformats.org/officeDocument/2006/relationships" xmlns:p="http://schemas.openxmlformats.org/presentationml/2006/main">
   <p:tag name="KSO_WM_UNIT_HIGHLIGHT" val="0"/>
   <p:tag name="KSO_WM_UNIT_COMPATIBLE" val="0"/>
   <p:tag name="KSO_WM_UNIT_DIAGRAM_ISNUMVISUAL" val="0"/>
@@ -12950,8 +13123,138 @@
 </p:tagLst>
 </file>
 
-<file path=ppt/tags/tag61.xml><?xml version="1.0" encoding="utf-8"?>
-<p:tagLst xmlns:p="http://schemas.openxmlformats.org/presentationml/2006/main">
+<file path=ppt/tags/tag50.xml><?xml version="1.0" encoding="utf-8"?>
+<p:tagLst xmlns:a="http://schemas.openxmlformats.org/drawingml/2006/main" xmlns:r="http://schemas.openxmlformats.org/officeDocument/2006/relationships" xmlns:p="http://schemas.openxmlformats.org/presentationml/2006/main">
+  <p:tag name="KSO_WM_UNIT_HIGHLIGHT" val="0"/>
+  <p:tag name="KSO_WM_UNIT_COMPATIBLE" val="0"/>
+  <p:tag name="KSO_WM_UNIT_DIAGRAM_ISNUMVISUAL" val="0"/>
+  <p:tag name="KSO_WM_UNIT_DIAGRAM_ISREFERUNIT" val="0"/>
+  <p:tag name="KSO_WM_UNIT_ID" val="_9**"/>
+  <p:tag name="KSO_WM_UNIT_LAYERLEVEL" val="1"/>
+  <p:tag name="KSO_WM_TAG_VERSION" val="1.0"/>
+  <p:tag name="KSO_WM_BEAUTIFY_FLAG" val="#wm#"/>
+</p:tagLst>
+</file>
+
+<file path=ppt/tags/tag51.xml><?xml version="1.0" encoding="utf-8"?>
+<p:tagLst xmlns:a="http://schemas.openxmlformats.org/drawingml/2006/main" xmlns:r="http://schemas.openxmlformats.org/officeDocument/2006/relationships" xmlns:p="http://schemas.openxmlformats.org/presentationml/2006/main">
+  <p:tag name="KSO_WM_UNIT_HIGHLIGHT" val="0"/>
+  <p:tag name="KSO_WM_UNIT_COMPATIBLE" val="0"/>
+  <p:tag name="KSO_WM_UNIT_DIAGRAM_ISNUMVISUAL" val="0"/>
+  <p:tag name="KSO_WM_UNIT_DIAGRAM_ISREFERUNIT" val="0"/>
+  <p:tag name="KSO_WM_UNIT_ID" val="_9**"/>
+  <p:tag name="KSO_WM_UNIT_LAYERLEVEL" val="1"/>
+  <p:tag name="KSO_WM_TAG_VERSION" val="1.0"/>
+  <p:tag name="KSO_WM_BEAUTIFY_FLAG" val="#wm#"/>
+</p:tagLst>
+</file>
+
+<file path=ppt/tags/tag52.xml><?xml version="1.0" encoding="utf-8"?>
+<p:tagLst xmlns:a="http://schemas.openxmlformats.org/drawingml/2006/main" xmlns:r="http://schemas.openxmlformats.org/officeDocument/2006/relationships" xmlns:p="http://schemas.openxmlformats.org/presentationml/2006/main">
+  <p:tag name="KSO_WM_UNIT_HIGHLIGHT" val="0"/>
+  <p:tag name="KSO_WM_UNIT_COMPATIBLE" val="0"/>
+  <p:tag name="KSO_WM_UNIT_DIAGRAM_ISNUMVISUAL" val="0"/>
+  <p:tag name="KSO_WM_UNIT_DIAGRAM_ISREFERUNIT" val="0"/>
+  <p:tag name="KSO_WM_UNIT_ID" val="_9**"/>
+  <p:tag name="KSO_WM_UNIT_LAYERLEVEL" val="1"/>
+  <p:tag name="KSO_WM_TAG_VERSION" val="1.0"/>
+  <p:tag name="KSO_WM_BEAUTIFY_FLAG" val="#wm#"/>
+</p:tagLst>
+</file>
+
+<file path=ppt/tags/tag53.xml><?xml version="1.0" encoding="utf-8"?>
+<p:tagLst xmlns:a="http://schemas.openxmlformats.org/drawingml/2006/main" xmlns:r="http://schemas.openxmlformats.org/officeDocument/2006/relationships" xmlns:p="http://schemas.openxmlformats.org/presentationml/2006/main">
+  <p:tag name="KSO_WM_UNIT_HIGHLIGHT" val="0"/>
+  <p:tag name="KSO_WM_UNIT_COMPATIBLE" val="0"/>
+  <p:tag name="KSO_WM_UNIT_DIAGRAM_ISNUMVISUAL" val="0"/>
+  <p:tag name="KSO_WM_UNIT_DIAGRAM_ISREFERUNIT" val="0"/>
+  <p:tag name="KSO_WM_UNIT_ID" val="_9**"/>
+  <p:tag name="KSO_WM_UNIT_LAYERLEVEL" val="1"/>
+  <p:tag name="KSO_WM_TAG_VERSION" val="1.0"/>
+  <p:tag name="KSO_WM_BEAUTIFY_FLAG" val="#wm#"/>
+</p:tagLst>
+</file>
+
+<file path=ppt/tags/tag54.xml><?xml version="1.0" encoding="utf-8"?>
+<p:tagLst xmlns:a="http://schemas.openxmlformats.org/drawingml/2006/main" xmlns:r="http://schemas.openxmlformats.org/officeDocument/2006/relationships" xmlns:p="http://schemas.openxmlformats.org/presentationml/2006/main">
+  <p:tag name="KSO_WM_UNIT_HIGHLIGHT" val="0"/>
+  <p:tag name="KSO_WM_UNIT_COMPATIBLE" val="0"/>
+  <p:tag name="KSO_WM_UNIT_DIAGRAM_ISNUMVISUAL" val="0"/>
+  <p:tag name="KSO_WM_UNIT_DIAGRAM_ISREFERUNIT" val="0"/>
+  <p:tag name="KSO_WM_UNIT_ID" val="_10**"/>
+  <p:tag name="KSO_WM_UNIT_LAYERLEVEL" val="1"/>
+  <p:tag name="KSO_WM_TAG_VERSION" val="1.0"/>
+  <p:tag name="KSO_WM_BEAUTIFY_FLAG" val="#wm#"/>
+</p:tagLst>
+</file>
+
+<file path=ppt/tags/tag55.xml><?xml version="1.0" encoding="utf-8"?>
+<p:tagLst xmlns:a="http://schemas.openxmlformats.org/drawingml/2006/main" xmlns:r="http://schemas.openxmlformats.org/officeDocument/2006/relationships" xmlns:p="http://schemas.openxmlformats.org/presentationml/2006/main">
+  <p:tag name="KSO_WM_UNIT_HIGHLIGHT" val="0"/>
+  <p:tag name="KSO_WM_UNIT_COMPATIBLE" val="0"/>
+  <p:tag name="KSO_WM_UNIT_DIAGRAM_ISNUMVISUAL" val="0"/>
+  <p:tag name="KSO_WM_UNIT_DIAGRAM_ISREFERUNIT" val="0"/>
+  <p:tag name="KSO_WM_UNIT_ID" val="_10**"/>
+  <p:tag name="KSO_WM_UNIT_LAYERLEVEL" val="1"/>
+  <p:tag name="KSO_WM_TAG_VERSION" val="1.0"/>
+  <p:tag name="KSO_WM_BEAUTIFY_FLAG" val="#wm#"/>
+</p:tagLst>
+</file>
+
+<file path=ppt/tags/tag56.xml><?xml version="1.0" encoding="utf-8"?>
+<p:tagLst xmlns:a="http://schemas.openxmlformats.org/drawingml/2006/main" xmlns:r="http://schemas.openxmlformats.org/officeDocument/2006/relationships" xmlns:p="http://schemas.openxmlformats.org/presentationml/2006/main">
+  <p:tag name="KSO_WM_UNIT_HIGHLIGHT" val="0"/>
+  <p:tag name="KSO_WM_UNIT_COMPATIBLE" val="0"/>
+  <p:tag name="KSO_WM_UNIT_DIAGRAM_ISNUMVISUAL" val="0"/>
+  <p:tag name="KSO_WM_UNIT_DIAGRAM_ISREFERUNIT" val="0"/>
+  <p:tag name="KSO_WM_UNIT_ID" val="_10**"/>
+  <p:tag name="KSO_WM_UNIT_LAYERLEVEL" val="1"/>
+  <p:tag name="KSO_WM_TAG_VERSION" val="1.0"/>
+  <p:tag name="KSO_WM_BEAUTIFY_FLAG" val="#wm#"/>
+</p:tagLst>
+</file>
+
+<file path=ppt/tags/tag57.xml><?xml version="1.0" encoding="utf-8"?>
+<p:tagLst xmlns:a="http://schemas.openxmlformats.org/drawingml/2006/main" xmlns:r="http://schemas.openxmlformats.org/officeDocument/2006/relationships" xmlns:p="http://schemas.openxmlformats.org/presentationml/2006/main">
+  <p:tag name="KSO_WM_UNIT_HIGHLIGHT" val="0"/>
+  <p:tag name="KSO_WM_UNIT_COMPATIBLE" val="0"/>
+  <p:tag name="KSO_WM_UNIT_DIAGRAM_ISNUMVISUAL" val="0"/>
+  <p:tag name="KSO_WM_UNIT_DIAGRAM_ISREFERUNIT" val="0"/>
+  <p:tag name="KSO_WM_UNIT_ID" val="_10**"/>
+  <p:tag name="KSO_WM_UNIT_LAYERLEVEL" val="1"/>
+  <p:tag name="KSO_WM_TAG_VERSION" val="1.0"/>
+  <p:tag name="KSO_WM_BEAUTIFY_FLAG" val="#wm#"/>
+</p:tagLst>
+</file>
+
+<file path=ppt/tags/tag58.xml><?xml version="1.0" encoding="utf-8"?>
+<p:tagLst xmlns:a="http://schemas.openxmlformats.org/drawingml/2006/main" xmlns:r="http://schemas.openxmlformats.org/officeDocument/2006/relationships" xmlns:p="http://schemas.openxmlformats.org/presentationml/2006/main">
+  <p:tag name="KSO_WM_UNIT_HIGHLIGHT" val="0"/>
+  <p:tag name="KSO_WM_UNIT_COMPATIBLE" val="0"/>
+  <p:tag name="KSO_WM_UNIT_DIAGRAM_ISNUMVISUAL" val="0"/>
+  <p:tag name="KSO_WM_UNIT_DIAGRAM_ISREFERUNIT" val="0"/>
+  <p:tag name="KSO_WM_UNIT_ID" val="_11**"/>
+  <p:tag name="KSO_WM_UNIT_LAYERLEVEL" val="1"/>
+  <p:tag name="KSO_WM_TAG_VERSION" val="1.0"/>
+  <p:tag name="KSO_WM_BEAUTIFY_FLAG" val="#wm#"/>
+</p:tagLst>
+</file>
+
+<file path=ppt/tags/tag59.xml><?xml version="1.0" encoding="utf-8"?>
+<p:tagLst xmlns:a="http://schemas.openxmlformats.org/drawingml/2006/main" xmlns:r="http://schemas.openxmlformats.org/officeDocument/2006/relationships" xmlns:p="http://schemas.openxmlformats.org/presentationml/2006/main">
+  <p:tag name="KSO_WM_UNIT_HIGHLIGHT" val="0"/>
+  <p:tag name="KSO_WM_UNIT_COMPATIBLE" val="0"/>
+  <p:tag name="KSO_WM_UNIT_DIAGRAM_ISNUMVISUAL" val="0"/>
+  <p:tag name="KSO_WM_UNIT_DIAGRAM_ISREFERUNIT" val="0"/>
+  <p:tag name="KSO_WM_UNIT_ID" val="_11**"/>
+  <p:tag name="KSO_WM_UNIT_LAYERLEVEL" val="1"/>
+  <p:tag name="KSO_WM_TAG_VERSION" val="1.0"/>
+  <p:tag name="KSO_WM_BEAUTIFY_FLAG" val="#wm#"/>
+</p:tagLst>
+</file>
+
+<file path=ppt/tags/tag6.xml><?xml version="1.0" encoding="utf-8"?>
+<p:tagLst xmlns:a="http://schemas.openxmlformats.org/drawingml/2006/main" xmlns:r="http://schemas.openxmlformats.org/officeDocument/2006/relationships" xmlns:p="http://schemas.openxmlformats.org/presentationml/2006/main">
   <p:tag name="KSO_WM_UNIT_HIGHLIGHT" val="0"/>
   <p:tag name="KSO_WM_UNIT_COMPATIBLE" val="0"/>
   <p:tag name="KSO_WM_UNIT_DIAGRAM_ISNUMVISUAL" val="0"/>
@@ -12963,28 +13266,74 @@
 </p:tagLst>
 </file>
 
+<file path=ppt/tags/tag60.xml><?xml version="1.0" encoding="utf-8"?>
+<p:tagLst xmlns:a="http://schemas.openxmlformats.org/drawingml/2006/main" xmlns:r="http://schemas.openxmlformats.org/officeDocument/2006/relationships" xmlns:p="http://schemas.openxmlformats.org/presentationml/2006/main">
+  <p:tag name="KSO_WM_UNIT_HIGHLIGHT" val="0"/>
+  <p:tag name="KSO_WM_UNIT_COMPATIBLE" val="0"/>
+  <p:tag name="KSO_WM_UNIT_DIAGRAM_ISNUMVISUAL" val="0"/>
+  <p:tag name="KSO_WM_UNIT_DIAGRAM_ISREFERUNIT" val="0"/>
+  <p:tag name="KSO_WM_UNIT_ID" val="_11**"/>
+  <p:tag name="KSO_WM_UNIT_LAYERLEVEL" val="1"/>
+  <p:tag name="KSO_WM_TAG_VERSION" val="1.0"/>
+  <p:tag name="KSO_WM_BEAUTIFY_FLAG" val="#wm#"/>
+</p:tagLst>
+</file>
+
+<file path=ppt/tags/tag61.xml><?xml version="1.0" encoding="utf-8"?>
+<p:tagLst xmlns:a="http://schemas.openxmlformats.org/drawingml/2006/main" xmlns:r="http://schemas.openxmlformats.org/officeDocument/2006/relationships" xmlns:p="http://schemas.openxmlformats.org/presentationml/2006/main">
+  <p:tag name="KSO_WM_UNIT_HIGHLIGHT" val="0"/>
+  <p:tag name="KSO_WM_UNIT_COMPATIBLE" val="0"/>
+  <p:tag name="KSO_WM_UNIT_DIAGRAM_ISNUMVISUAL" val="0"/>
+  <p:tag name="KSO_WM_UNIT_DIAGRAM_ISREFERUNIT" val="0"/>
+  <p:tag name="KSO_WM_UNIT_ID" val="_11**"/>
+  <p:tag name="KSO_WM_UNIT_LAYERLEVEL" val="1"/>
+  <p:tag name="KSO_WM_TAG_VERSION" val="1.0"/>
+  <p:tag name="KSO_WM_BEAUTIFY_FLAG" val="#wm#"/>
+</p:tagLst>
+</file>
+
 <file path=ppt/tags/tag62.xml><?xml version="1.0" encoding="utf-8"?>
-<p:tagLst xmlns:p="http://schemas.openxmlformats.org/presentationml/2006/main">
-  <p:tag name="KSO_WM_TEMPLATE_THUMBS_INDEX" val="1、4、7、12、13、14、15、16、17、18、20、24、25、28、33、36、40、43、44"/>
+<p:tagLst xmlns:a="http://schemas.openxmlformats.org/drawingml/2006/main" xmlns:r="http://schemas.openxmlformats.org/officeDocument/2006/relationships" xmlns:p="http://schemas.openxmlformats.org/presentationml/2006/main">
+  <p:tag name="KSO_WM_UNIT_HIGHLIGHT" val="0"/>
+  <p:tag name="KSO_WM_UNIT_COMPATIBLE" val="0"/>
+  <p:tag name="KSO_WM_UNIT_DIAGRAM_ISNUMVISUAL" val="0"/>
+  <p:tag name="KSO_WM_UNIT_DIAGRAM_ISREFERUNIT" val="0"/>
+  <p:tag name="KSO_WM_UNIT_ID" val="_11**"/>
+  <p:tag name="KSO_WM_UNIT_LAYERLEVEL" val="1"/>
+  <p:tag name="KSO_WM_TAG_VERSION" val="1.0"/>
+  <p:tag name="KSO_WM_BEAUTIFY_FLAG" val="#wm#"/>
+</p:tagLst>
+</file>
+
+<file path=ppt/tags/tag63.xml><?xml version="1.0" encoding="utf-8"?>
+<p:tagLst xmlns:a="http://schemas.openxmlformats.org/drawingml/2006/main" xmlns:r="http://schemas.openxmlformats.org/officeDocument/2006/relationships" xmlns:p="http://schemas.openxmlformats.org/presentationml/2006/main">
+  <p:tag name="KSO_WM_SLIDE_ID" val="custom20205081_1"/>
   <p:tag name="KSO_WM_TEMPLATE_SUBCATEGORY" val="19"/>
+  <p:tag name="KSO_WM_TEMPLATE_MASTER_TYPE" val="0"/>
+  <p:tag name="KSO_WM_TEMPLATE_COLOR_TYPE" val="1"/>
+  <p:tag name="KSO_WM_SLIDE_TYPE" val="title"/>
+  <p:tag name="KSO_WM_SLIDE_SUBTYPE" val="defaultBlank"/>
+  <p:tag name="KSO_WM_SLIDE_ITEM_CNT" val="0"/>
+  <p:tag name="KSO_WM_SLIDE_INDEX" val="1"/>
   <p:tag name="KSO_WM_TAG_VERSION" val="1.0"/>
   <p:tag name="KSO_WM_BEAUTIFY_FLAG" val="#wm#"/>
   <p:tag name="KSO_WM_TEMPLATE_CATEGORY" val="custom"/>
   <p:tag name="KSO_WM_TEMPLATE_INDEX" val="20205081"/>
-  <p:tag name="KSO_WM_TEMPLATE_MASTER_TYPE" val="0"/>
-  <p:tag name="KSO_WM_TEMPLATE_COLOR_TYPE" val="1"/>
+  <p:tag name="KSO_WM_SLIDE_LAYOUT" val="a_b"/>
+  <p:tag name="KSO_WM_SLIDE_LAYOUT_CNT" val="1_1"/>
   <p:tag name="KSO_WM_UNIT_SHOW_EDIT_AREA_INDICATION" val="1"/>
+  <p:tag name="KSO_WM_TEMPLATE_THUMBS_INDEX" val="1、4、7、12、13、14、15、16、17、18、20、24、25、28、33、36、40、43、44"/>
 </p:tagLst>
 </file>
 
-<file path=ppt/tags/tag63.xml><?xml version="1.0" encoding="utf-8"?>
-<p:tagLst xmlns:p="http://schemas.openxmlformats.org/presentationml/2006/main">
+<file path=ppt/tags/tag64.xml><?xml version="1.0" encoding="utf-8"?>
+<p:tagLst xmlns:a="http://schemas.openxmlformats.org/drawingml/2006/main" xmlns:r="http://schemas.openxmlformats.org/officeDocument/2006/relationships" xmlns:p="http://schemas.openxmlformats.org/presentationml/2006/main">
   <p:tag name="MASKTAG" val="bgMask"/>
 </p:tagLst>
 </file>
 
-<file path=ppt/tags/tag64.xml><?xml version="1.0" encoding="utf-8"?>
-<p:tagLst xmlns:p="http://schemas.openxmlformats.org/presentationml/2006/main">
+<file path=ppt/tags/tag65.xml><?xml version="1.0" encoding="utf-8"?>
+<p:tagLst xmlns:a="http://schemas.openxmlformats.org/drawingml/2006/main" xmlns:r="http://schemas.openxmlformats.org/officeDocument/2006/relationships" xmlns:p="http://schemas.openxmlformats.org/presentationml/2006/main">
   <p:tag name="KSO_WM_UNIT_ISCONTENTSTITLE" val="0"/>
   <p:tag name="KSO_WM_UNIT_ISNUMDGMTITLE" val="0"/>
   <p:tag name="KSO_WM_UNIT_PRESET_TEXT" val="空白演示"/>
@@ -13006,8 +13355,8 @@
 </p:tagLst>
 </file>
 
-<file path=ppt/tags/tag65.xml><?xml version="1.0" encoding="utf-8"?>
-<p:tagLst xmlns:p="http://schemas.openxmlformats.org/presentationml/2006/main">
+<file path=ppt/tags/tag66.xml><?xml version="1.0" encoding="utf-8"?>
+<p:tagLst xmlns:a="http://schemas.openxmlformats.org/drawingml/2006/main" xmlns:r="http://schemas.openxmlformats.org/officeDocument/2006/relationships" xmlns:p="http://schemas.openxmlformats.org/presentationml/2006/main">
   <p:tag name="KSO_WM_UNIT_ISCONTENTSTITLE" val="0"/>
   <p:tag name="KSO_WM_UNIT_ISNUMDGMTITLE" val="0"/>
   <p:tag name="KSO_WM_UNIT_PRESET_TEXT" val="单击输入您的封面副标题"/>
@@ -13029,29 +13378,8 @@
 </p:tagLst>
 </file>
 
-<file path=ppt/tags/tag66.xml><?xml version="1.0" encoding="utf-8"?>
-<p:tagLst xmlns:p="http://schemas.openxmlformats.org/presentationml/2006/main">
-  <p:tag name="KSO_WM_SLIDE_ID" val="custom20205081_1"/>
-  <p:tag name="KSO_WM_TEMPLATE_SUBCATEGORY" val="19"/>
-  <p:tag name="KSO_WM_TEMPLATE_MASTER_TYPE" val="0"/>
-  <p:tag name="KSO_WM_TEMPLATE_COLOR_TYPE" val="1"/>
-  <p:tag name="KSO_WM_SLIDE_TYPE" val="title"/>
-  <p:tag name="KSO_WM_SLIDE_SUBTYPE" val="defaultBlank"/>
-  <p:tag name="KSO_WM_SLIDE_ITEM_CNT" val="0"/>
-  <p:tag name="KSO_WM_SLIDE_INDEX" val="1"/>
-  <p:tag name="KSO_WM_TAG_VERSION" val="1.0"/>
-  <p:tag name="KSO_WM_BEAUTIFY_FLAG" val="#wm#"/>
-  <p:tag name="KSO_WM_TEMPLATE_CATEGORY" val="custom"/>
-  <p:tag name="KSO_WM_TEMPLATE_INDEX" val="20205081"/>
-  <p:tag name="KSO_WM_SLIDE_LAYOUT" val="a_b"/>
-  <p:tag name="KSO_WM_SLIDE_LAYOUT_CNT" val="1_1"/>
-  <p:tag name="KSO_WM_UNIT_SHOW_EDIT_AREA_INDICATION" val="1"/>
-  <p:tag name="KSO_WM_TEMPLATE_THUMBS_INDEX" val="1、4、7、12、13、14、15、16、17、18、20、24、25、28、33、36、40、43、44"/>
-</p:tagLst>
-</file>
-
 <file path=ppt/tags/tag67.xml><?xml version="1.0" encoding="utf-8"?>
-<p:tagLst xmlns:p="http://schemas.openxmlformats.org/presentationml/2006/main">
+<p:tagLst xmlns:a="http://schemas.openxmlformats.org/drawingml/2006/main" xmlns:r="http://schemas.openxmlformats.org/officeDocument/2006/relationships" xmlns:p="http://schemas.openxmlformats.org/presentationml/2006/main">
   <p:tag name="KSO_WM_BEAUTIFY_FLAG" val="#wm#"/>
   <p:tag name="KSO_WM_TEMPLATE_CATEGORY" val="custom"/>
   <p:tag name="KSO_WM_TEMPLATE_INDEX" val="20205081"/>
@@ -13059,7 +13387,7 @@
 </file>
 
 <file path=ppt/tags/tag68.xml><?xml version="1.0" encoding="utf-8"?>
-<p:tagLst xmlns:p="http://schemas.openxmlformats.org/presentationml/2006/main">
+<p:tagLst xmlns:a="http://schemas.openxmlformats.org/drawingml/2006/main" xmlns:r="http://schemas.openxmlformats.org/officeDocument/2006/relationships" xmlns:p="http://schemas.openxmlformats.org/presentationml/2006/main">
   <p:tag name="KSO_WM_UNIT_TABLE_BEAUTIFY" val="smartTable{cc625a13-4393-413f-9888-9da1a959f073}"/>
   <p:tag name="TABLE_ENDDRAG_ORIGIN_RECT" val="804*311"/>
   <p:tag name="TABLE_ENDDRAG_RECT" val="59*146*804*311"/>
@@ -13067,7 +13395,7 @@
 </file>
 
 <file path=ppt/tags/tag69.xml><?xml version="1.0" encoding="utf-8"?>
-<p:tagLst xmlns:p="http://schemas.openxmlformats.org/presentationml/2006/main">
+<p:tagLst xmlns:a="http://schemas.openxmlformats.org/drawingml/2006/main" xmlns:r="http://schemas.openxmlformats.org/officeDocument/2006/relationships" xmlns:p="http://schemas.openxmlformats.org/presentationml/2006/main">
   <p:tag name="KSO_WM_BEAUTIFY_FLAG" val="#wm#"/>
   <p:tag name="KSO_WM_TEMPLATE_CATEGORY" val="custom"/>
   <p:tag name="KSO_WM_TEMPLATE_INDEX" val="20205081"/>
@@ -13075,12 +13403,12 @@
 </file>
 
 <file path=ppt/tags/tag7.xml><?xml version="1.0" encoding="utf-8"?>
-<p:tagLst xmlns:p="http://schemas.openxmlformats.org/presentationml/2006/main">
+<p:tagLst xmlns:a="http://schemas.openxmlformats.org/drawingml/2006/main" xmlns:r="http://schemas.openxmlformats.org/officeDocument/2006/relationships" xmlns:p="http://schemas.openxmlformats.org/presentationml/2006/main">
   <p:tag name="KSO_WM_UNIT_HIGHLIGHT" val="0"/>
   <p:tag name="KSO_WM_UNIT_COMPATIBLE" val="0"/>
   <p:tag name="KSO_WM_UNIT_DIAGRAM_ISNUMVISUAL" val="0"/>
   <p:tag name="KSO_WM_UNIT_DIAGRAM_ISREFERUNIT" val="0"/>
-  <p:tag name="KSO_WM_UNIT_ID" val="_2**"/>
+  <p:tag name="KSO_WM_UNIT_ID" val="_1**"/>
   <p:tag name="KSO_WM_UNIT_LAYERLEVEL" val="1"/>
   <p:tag name="KSO_WM_TAG_VERSION" val="1.0"/>
   <p:tag name="KSO_WM_BEAUTIFY_FLAG" val="#wm#"/>
@@ -13088,23 +13416,23 @@
 </file>
 
 <file path=ppt/tags/tag70.xml><?xml version="1.0" encoding="utf-8"?>
-<p:tagLst xmlns:p="http://schemas.openxmlformats.org/presentationml/2006/main">
+<p:tagLst xmlns:a="http://schemas.openxmlformats.org/drawingml/2006/main" xmlns:r="http://schemas.openxmlformats.org/officeDocument/2006/relationships" xmlns:p="http://schemas.openxmlformats.org/presentationml/2006/main">
+  <p:tag name="KSO_WM_BEAUTIFY_FLAG" val="#wm#"/>
+  <p:tag name="KSO_WM_TEMPLATE_CATEGORY" val="custom"/>
+  <p:tag name="KSO_WM_TEMPLATE_INDEX" val="20205081"/>
+</p:tagLst>
+</file>
+
+<file path=ppt/tags/tag71.xml><?xml version="1.0" encoding="utf-8"?>
+<p:tagLst xmlns:a="http://schemas.openxmlformats.org/drawingml/2006/main" xmlns:r="http://schemas.openxmlformats.org/officeDocument/2006/relationships" xmlns:p="http://schemas.openxmlformats.org/presentationml/2006/main">
   <p:tag name="KSO_WM_UNIT_TABLE_BEAUTIFY" val="smartTable{ea0a7f58-52ad-480d-998f-6faa93371998}"/>
   <p:tag name="TABLE_ENDDRAG_ORIGIN_RECT" val="472*137"/>
   <p:tag name="TABLE_ENDDRAG_RECT" val="72*155*472*137"/>
 </p:tagLst>
 </file>
 
-<file path=ppt/tags/tag71.xml><?xml version="1.0" encoding="utf-8"?>
-<p:tagLst xmlns:p="http://schemas.openxmlformats.org/presentationml/2006/main">
-  <p:tag name="KSO_WM_BEAUTIFY_FLAG" val="#wm#"/>
-  <p:tag name="KSO_WM_TEMPLATE_CATEGORY" val="custom"/>
-  <p:tag name="KSO_WM_TEMPLATE_INDEX" val="20205081"/>
-</p:tagLst>
-</file>
-
 <file path=ppt/tags/tag72.xml><?xml version="1.0" encoding="utf-8"?>
-<p:tagLst xmlns:p="http://schemas.openxmlformats.org/presentationml/2006/main">
+<p:tagLst xmlns:a="http://schemas.openxmlformats.org/drawingml/2006/main" xmlns:r="http://schemas.openxmlformats.org/officeDocument/2006/relationships" xmlns:p="http://schemas.openxmlformats.org/presentationml/2006/main">
   <p:tag name="KSO_WM_BEAUTIFY_FLAG" val="#wm#"/>
   <p:tag name="KSO_WM_TEMPLATE_CATEGORY" val="custom"/>
   <p:tag name="KSO_WM_TEMPLATE_INDEX" val="20205081"/>
@@ -13112,12 +13440,12 @@
 </file>
 
 <file path=ppt/tags/tag8.xml><?xml version="1.0" encoding="utf-8"?>
-<p:tagLst xmlns:p="http://schemas.openxmlformats.org/presentationml/2006/main">
+<p:tagLst xmlns:a="http://schemas.openxmlformats.org/drawingml/2006/main" xmlns:r="http://schemas.openxmlformats.org/officeDocument/2006/relationships" xmlns:p="http://schemas.openxmlformats.org/presentationml/2006/main">
   <p:tag name="KSO_WM_UNIT_HIGHLIGHT" val="0"/>
   <p:tag name="KSO_WM_UNIT_COMPATIBLE" val="0"/>
   <p:tag name="KSO_WM_UNIT_DIAGRAM_ISNUMVISUAL" val="0"/>
   <p:tag name="KSO_WM_UNIT_DIAGRAM_ISREFERUNIT" val="0"/>
-  <p:tag name="KSO_WM_UNIT_ID" val="_2**"/>
+  <p:tag name="KSO_WM_UNIT_ID" val="_1**"/>
   <p:tag name="KSO_WM_UNIT_LAYERLEVEL" val="1"/>
   <p:tag name="KSO_WM_TAG_VERSION" val="1.0"/>
   <p:tag name="KSO_WM_BEAUTIFY_FLAG" val="#wm#"/>
@@ -13125,12 +13453,12 @@
 </file>
 
 <file path=ppt/tags/tag9.xml><?xml version="1.0" encoding="utf-8"?>
-<p:tagLst xmlns:p="http://schemas.openxmlformats.org/presentationml/2006/main">
+<p:tagLst xmlns:a="http://schemas.openxmlformats.org/drawingml/2006/main" xmlns:r="http://schemas.openxmlformats.org/officeDocument/2006/relationships" xmlns:p="http://schemas.openxmlformats.org/presentationml/2006/main">
   <p:tag name="KSO_WM_UNIT_HIGHLIGHT" val="0"/>
   <p:tag name="KSO_WM_UNIT_COMPATIBLE" val="0"/>
   <p:tag name="KSO_WM_UNIT_DIAGRAM_ISNUMVISUAL" val="0"/>
   <p:tag name="KSO_WM_UNIT_DIAGRAM_ISREFERUNIT" val="0"/>
-  <p:tag name="KSO_WM_UNIT_ID" val="_2**"/>
+  <p:tag name="KSO_WM_UNIT_ID" val="_1**"/>
   <p:tag name="KSO_WM_UNIT_LAYERLEVEL" val="1"/>
   <p:tag name="KSO_WM_TAG_VERSION" val="1.0"/>
   <p:tag name="KSO_WM_BEAUTIFY_FLAG" val="#wm#"/>
@@ -13328,6 +13656,8 @@
       </a:bgFillStyleLst>
     </a:fmtScheme>
   </a:themeElements>
+  <a:objectDefaults/>
+  <a:extraClrSchemeLst/>
   <a:extLst>
     <a:ext uri="{05A4C25C-085E-4340-85A3-A5531E510DB2}">
       <thm15:themeFamily xmlns:thm15="http://schemas.microsoft.com/office/thememl/2012/main" name="Office Theme" id="{62F939B6-93AF-4DB8-9C6B-D6C7DFDC589F}" vid="{4A3C46E8-61CC-4603-A589-7422A47A8E4A}"/>
@@ -13587,6 +13917,8 @@
       </a:bgFillStyleLst>
     </a:fmtScheme>
   </a:themeElements>
+  <a:objectDefaults/>
+  <a:extraClrSchemeLst/>
   <a:extLst>
     <a:ext uri="{05A4C25C-085E-4340-85A3-A5531E510DB2}">
       <thm15:themeFamily xmlns:thm15="http://schemas.microsoft.com/office/thememl/2012/main" name="Office Theme" id="{62F939B6-93AF-4DB8-9C6B-D6C7DFDC589F}" vid="{4A3C46E8-61CC-4603-A589-7422A47A8E4A}"/>
